--- a/eece2160/f17/lectures/eece.2160f17_lec6_PE1.pptx
+++ b/eece2160/f17/lectures/eece.2160f17_lec6_PE1.pptx
@@ -1329,7 +1329,7 @@
           <a:p>
             <a:fld id="{28625E70-20AF-0345-93C5-F2DF9F1772B5}" type="datetime1">
               <a:rPr lang="en-US" smtClean="0"/>
-              <a:t>9/14/17</a:t>
+              <a:t>9/18/17</a:t>
             </a:fld>
             <a:endParaRPr lang="en-US"/>
           </a:p>
@@ -1526,7 +1526,7 @@
           <a:p>
             <a:fld id="{18EC1FB6-370A-E648-B3C4-4F8A22AFF75F}" type="datetime1">
               <a:rPr lang="en-US" smtClean="0"/>
-              <a:t>9/14/17</a:t>
+              <a:t>9/18/17</a:t>
             </a:fld>
             <a:endParaRPr lang="en-US"/>
           </a:p>
@@ -1732,7 +1732,7 @@
           <a:p>
             <a:fld id="{B6A86971-3305-C043-AAD5-D650920541E6}" type="datetime1">
               <a:rPr lang="en-US" smtClean="0"/>
-              <a:t>9/14/17</a:t>
+              <a:t>9/18/17</a:t>
             </a:fld>
             <a:endParaRPr lang="en-US"/>
           </a:p>
@@ -1995,7 +1995,7 @@
           <a:p>
             <a:fld id="{EA0ACAE1-4759-214C-BF58-B6E4F5418322}" type="datetime1">
               <a:rPr lang="en-US" smtClean="0"/>
-              <a:t>9/14/17</a:t>
+              <a:t>9/18/17</a:t>
             </a:fld>
             <a:endParaRPr lang="en-US"/>
           </a:p>
@@ -2258,7 +2258,7 @@
           <a:p>
             <a:fld id="{567A9666-9B6C-DA40-A25B-8E390FCA7299}" type="datetime1">
               <a:rPr lang="en-US" smtClean="0"/>
-              <a:t>9/14/17</a:t>
+              <a:t>9/18/17</a:t>
             </a:fld>
             <a:endParaRPr lang="en-US"/>
           </a:p>
@@ -2638,7 +2638,7 @@
           <a:p>
             <a:fld id="{07A7BEE1-CE8B-024C-A93B-F70CA35CE9A9}" type="datetime1">
               <a:rPr lang="en-US" smtClean="0"/>
-              <a:t>9/14/17</a:t>
+              <a:t>9/18/17</a:t>
             </a:fld>
             <a:endParaRPr lang="en-US"/>
           </a:p>
@@ -2840,7 +2840,7 @@
           <a:p>
             <a:fld id="{B3240697-65BD-2045-9CE6-CA6B4B9F1E2E}" type="datetime1">
               <a:rPr lang="en-US" smtClean="0"/>
-              <a:t>9/14/17</a:t>
+              <a:t>9/18/17</a:t>
             </a:fld>
             <a:endParaRPr lang="en-US"/>
           </a:p>
@@ -3058,7 +3058,7 @@
           <a:p>
             <a:fld id="{6CD41D95-D69D-AE40-A64E-276738A1A07D}" type="datetime1">
               <a:rPr lang="en-US" smtClean="0"/>
-              <a:t>9/14/17</a:t>
+              <a:t>9/18/17</a:t>
             </a:fld>
             <a:endParaRPr lang="en-US"/>
           </a:p>
@@ -3372,7 +3372,7 @@
           <a:p>
             <a:fld id="{D466D61D-2D19-F944-AD17-2588499320BB}" type="datetime1">
               <a:rPr lang="en-US" smtClean="0"/>
-              <a:t>9/14/17</a:t>
+              <a:t>9/18/17</a:t>
             </a:fld>
             <a:endParaRPr lang="en-US"/>
           </a:p>
@@ -3825,7 +3825,7 @@
           <a:p>
             <a:fld id="{4BB94158-0DFB-FC4D-9E95-298117B216E9}" type="datetime1">
               <a:rPr lang="en-US" smtClean="0"/>
-              <a:t>9/14/17</a:t>
+              <a:t>9/18/17</a:t>
             </a:fld>
             <a:endParaRPr lang="en-US"/>
           </a:p>
@@ -3969,7 +3969,7 @@
           <a:p>
             <a:fld id="{75D3BEDC-3CEA-8A45-B9A8-9D0C7DDD5C51}" type="datetime1">
               <a:rPr lang="en-US" smtClean="0"/>
-              <a:t>9/14/17</a:t>
+              <a:t>9/18/17</a:t>
             </a:fld>
             <a:endParaRPr lang="en-US"/>
           </a:p>
@@ -4090,7 +4090,7 @@
           <a:p>
             <a:fld id="{AB14A870-7C8C-364A-A868-3BA6420A59C9}" type="datetime1">
               <a:rPr lang="en-US" smtClean="0"/>
-              <a:t>9/14/17</a:t>
+              <a:t>9/18/17</a:t>
             </a:fld>
             <a:endParaRPr lang="en-US"/>
           </a:p>
@@ -4393,7 +4393,7 @@
           <a:p>
             <a:fld id="{8CB90B3F-7054-ED4B-8191-38FFC8F8604A}" type="datetime1">
               <a:rPr lang="en-US" smtClean="0"/>
-              <a:t>9/14/17</a:t>
+              <a:t>9/18/17</a:t>
             </a:fld>
             <a:endParaRPr lang="en-US"/>
           </a:p>
@@ -4673,7 +4673,7 @@
           <a:p>
             <a:fld id="{DA606F74-EB4A-554C-AA83-96A9AD58D222}" type="datetime1">
               <a:rPr lang="en-US" smtClean="0"/>
-              <a:t>9/14/17</a:t>
+              <a:t>9/18/17</a:t>
             </a:fld>
             <a:endParaRPr lang="en-US"/>
           </a:p>
@@ -4972,7 +4972,7 @@
           <a:p>
             <a:fld id="{B02C7A88-7C64-2F46-BDBB-C6CF157B1181}" type="datetime1">
               <a:rPr lang="en-US" smtClean="0"/>
-              <a:t>9/14/17</a:t>
+              <a:t>9/18/17</a:t>
             </a:fld>
             <a:endParaRPr lang="en-US"/>
           </a:p>
@@ -5777,9 +5777,6 @@
               </a:rPr>
               <a:t>Geiger</a:t>
             </a:r>
-            <a:endParaRPr lang="en-US" dirty="0" smtClean="0">
-              <a:latin typeface="Arial" charset="0"/>
-            </a:endParaRPr>
           </a:p>
           <a:p>
             <a:pPr algn="ctr" eaLnBrk="1" hangingPunct="1">
@@ -6037,7 +6034,7 @@
               <a:rPr lang="en-US" smtClean="0">
                 <a:latin typeface="Garamond" charset="0"/>
               </a:rPr>
-              <a:t>9/14/17</a:t>
+              <a:t>9/18/17</a:t>
             </a:fld>
             <a:endParaRPr lang="en-US">
               <a:latin typeface="Garamond" charset="0"/>
@@ -6677,7 +6674,7 @@
               <a:rPr lang="en-US" smtClean="0">
                 <a:latin typeface="Garamond" charset="0"/>
               </a:rPr>
-              <a:t>9/14/17</a:t>
+              <a:t>9/18/17</a:t>
             </a:fld>
             <a:endParaRPr lang="en-US">
               <a:latin typeface="Garamond" charset="0"/>
@@ -7211,7 +7208,7 @@
               <a:rPr lang="en-US" smtClean="0">
                 <a:latin typeface="Garamond" charset="0"/>
               </a:rPr>
-              <a:t>9/14/17</a:t>
+              <a:t>9/18/17</a:t>
             </a:fld>
             <a:endParaRPr lang="en-US">
               <a:latin typeface="Garamond" charset="0"/>
@@ -7699,7 +7696,7 @@
               <a:rPr lang="en-US" smtClean="0">
                 <a:latin typeface="Garamond" charset="0"/>
               </a:rPr>
-              <a:t>9/14/17</a:t>
+              <a:t>9/18/17</a:t>
             </a:fld>
             <a:endParaRPr lang="en-US">
               <a:latin typeface="Garamond" charset="0"/>
@@ -7981,16 +7978,84 @@
               <a:t>Program 2 </a:t>
             </a:r>
             <a:r>
-              <a:rPr lang="en-US" smtClean="0">
-                <a:latin typeface="Arial" charset="0"/>
-              </a:rPr>
-              <a:t>due </a:t>
-            </a:r>
-            <a:r>
-              <a:rPr lang="en-US" smtClean="0">
-                <a:latin typeface="Arial" charset="0"/>
-              </a:rPr>
-              <a:t>9/20</a:t>
+              <a:rPr lang="en-US" dirty="0" smtClean="0">
+                <a:latin typeface="Arial" charset="0"/>
+              </a:rPr>
+              <a:t>due 9/</a:t>
+            </a:r>
+            <a:r>
+              <a:rPr lang="en-US" dirty="0" smtClean="0">
+                <a:latin typeface="Arial" charset="0"/>
+              </a:rPr>
+              <a:t>20</a:t>
+            </a:r>
+          </a:p>
+          <a:p>
+            <a:pPr lvl="1"/>
+            <a:r>
+              <a:rPr lang="en-US" dirty="0">
+                <a:latin typeface="Arial" charset="0"/>
+              </a:rPr>
+              <a:t>Program 1 </a:t>
+            </a:r>
+            <a:r>
+              <a:rPr lang="en-US" dirty="0" err="1">
+                <a:latin typeface="Arial" charset="0"/>
+              </a:rPr>
+              <a:t>regrades</a:t>
+            </a:r>
+            <a:r>
+              <a:rPr lang="en-US" dirty="0">
+                <a:latin typeface="Arial" charset="0"/>
+              </a:rPr>
+              <a:t> due 9/22</a:t>
+            </a:r>
+          </a:p>
+          <a:p>
+            <a:pPr lvl="2"/>
+            <a:r>
+              <a:rPr lang="en-US" dirty="0">
+                <a:latin typeface="Arial" charset="0"/>
+              </a:rPr>
+              <a:t>When you submit a </a:t>
+            </a:r>
+            <a:r>
+              <a:rPr lang="en-US" dirty="0" err="1">
+                <a:latin typeface="Arial" charset="0"/>
+              </a:rPr>
+              <a:t>regrade</a:t>
+            </a:r>
+            <a:r>
+              <a:rPr lang="en-US" dirty="0">
+                <a:latin typeface="Arial" charset="0"/>
+              </a:rPr>
+              <a:t>, please e-mail the TAs (</a:t>
+            </a:r>
+            <a:r>
+              <a:rPr lang="en-US" dirty="0">
+                <a:latin typeface="Arial" charset="0"/>
+                <a:hlinkClick r:id="rId2"/>
+              </a:rPr>
+              <a:t>Zhendong_Wang@student.uml.edu</a:t>
+            </a:r>
+            <a:r>
+              <a:rPr lang="en-US" dirty="0">
+                <a:latin typeface="Arial" charset="0"/>
+              </a:rPr>
+              <a:t>, </a:t>
+            </a:r>
+            <a:r>
+              <a:rPr lang="en-US" dirty="0">
+                <a:latin typeface="Arial" charset="0"/>
+                <a:hlinkClick r:id="rId3"/>
+              </a:rPr>
+              <a:t>LiN_Li@student.uml.edu</a:t>
+            </a:r>
+            <a:r>
+              <a:rPr lang="en-US">
+                <a:latin typeface="Arial" charset="0"/>
+              </a:rPr>
+              <a:t>) and CC me</a:t>
             </a:r>
             <a:endParaRPr lang="en-US" dirty="0">
               <a:latin typeface="Arial" charset="0"/>
@@ -8133,7 +8198,7 @@
               <a:rPr lang="en-US" smtClean="0">
                 <a:latin typeface="Garamond" charset="0"/>
               </a:rPr>
-              <a:t>9/14/17</a:t>
+              <a:t>9/18/17</a:t>
             </a:fld>
             <a:endParaRPr lang="en-US">
               <a:latin typeface="Garamond" charset="0"/>
@@ -8401,13 +8466,81 @@
               <a:rPr lang="en-US" dirty="0" smtClean="0">
                 <a:latin typeface="Arial" charset="0"/>
               </a:rPr>
-              <a:t>due </a:t>
+              <a:t>due 9/</a:t>
             </a:r>
             <a:r>
               <a:rPr lang="en-US" dirty="0" smtClean="0">
                 <a:latin typeface="Arial" charset="0"/>
               </a:rPr>
-              <a:t>9/20</a:t>
+              <a:t>20</a:t>
+            </a:r>
+          </a:p>
+          <a:p>
+            <a:pPr lvl="1"/>
+            <a:r>
+              <a:rPr lang="en-US" dirty="0" smtClean="0">
+                <a:latin typeface="Arial" charset="0"/>
+              </a:rPr>
+              <a:t>Program 1 </a:t>
+            </a:r>
+            <a:r>
+              <a:rPr lang="en-US" dirty="0" err="1" smtClean="0">
+                <a:latin typeface="Arial" charset="0"/>
+              </a:rPr>
+              <a:t>regrades</a:t>
+            </a:r>
+            <a:r>
+              <a:rPr lang="en-US" dirty="0" smtClean="0">
+                <a:latin typeface="Arial" charset="0"/>
+              </a:rPr>
+              <a:t> due 9/22</a:t>
+            </a:r>
+          </a:p>
+          <a:p>
+            <a:pPr lvl="2"/>
+            <a:r>
+              <a:rPr lang="en-US" dirty="0" smtClean="0">
+                <a:latin typeface="Arial" charset="0"/>
+              </a:rPr>
+              <a:t>When you submit a </a:t>
+            </a:r>
+            <a:r>
+              <a:rPr lang="en-US" dirty="0" err="1" smtClean="0">
+                <a:latin typeface="Arial" charset="0"/>
+              </a:rPr>
+              <a:t>regrade</a:t>
+            </a:r>
+            <a:r>
+              <a:rPr lang="en-US" dirty="0" smtClean="0">
+                <a:latin typeface="Arial" charset="0"/>
+              </a:rPr>
+              <a:t>, please e-mail the TAs (</a:t>
+            </a:r>
+            <a:r>
+              <a:rPr lang="en-US" dirty="0" smtClean="0">
+                <a:latin typeface="Arial" charset="0"/>
+                <a:hlinkClick r:id="rId3"/>
+              </a:rPr>
+              <a:t>Zhendong_Wang@student.uml.edu</a:t>
+            </a:r>
+            <a:r>
+              <a:rPr lang="en-US" dirty="0" smtClean="0">
+                <a:latin typeface="Arial" charset="0"/>
+              </a:rPr>
+              <a:t>, </a:t>
+            </a:r>
+            <a:r>
+              <a:rPr lang="en-US" dirty="0" smtClean="0">
+                <a:latin typeface="Arial" charset="0"/>
+                <a:hlinkClick r:id="rId4"/>
+              </a:rPr>
+              <a:t>LiN_Li@student.uml.edu</a:t>
+            </a:r>
+            <a:r>
+              <a:rPr lang="en-US" dirty="0" smtClean="0">
+                <a:latin typeface="Arial" charset="0"/>
+              </a:rPr>
+              <a:t>) and CC me</a:t>
             </a:r>
             <a:endParaRPr lang="en-US" dirty="0">
               <a:latin typeface="Arial" charset="0"/>
@@ -8599,7 +8732,7 @@
               <a:rPr lang="en-US" smtClean="0">
                 <a:latin typeface="Garamond" charset="0"/>
               </a:rPr>
-              <a:t>9/14/17</a:t>
+              <a:t>9/18/17</a:t>
             </a:fld>
             <a:endParaRPr lang="en-US">
               <a:latin typeface="Garamond" charset="0"/>
@@ -9056,7 +9189,7 @@
               <a:rPr lang="en-US" smtClean="0">
                 <a:latin typeface="Garamond" charset="0"/>
               </a:rPr>
-              <a:t>9/14/17</a:t>
+              <a:t>9/18/17</a:t>
             </a:fld>
             <a:endParaRPr lang="en-US">
               <a:latin typeface="Garamond" charset="0"/>
@@ -9670,7 +9803,7 @@
               <a:rPr lang="en-US" smtClean="0">
                 <a:latin typeface="Garamond" charset="0"/>
               </a:rPr>
-              <a:t>9/14/17</a:t>
+              <a:t>9/18/17</a:t>
             </a:fld>
             <a:endParaRPr lang="en-US">
               <a:latin typeface="Garamond" charset="0"/>
@@ -10513,7 +10646,7 @@
               <a:rPr lang="en-US" smtClean="0">
                 <a:latin typeface="Garamond" charset="0"/>
               </a:rPr>
-              <a:t>9/14/17</a:t>
+              <a:t>9/18/17</a:t>
             </a:fld>
             <a:endParaRPr lang="en-US">
               <a:latin typeface="Garamond" charset="0"/>
@@ -10932,7 +11065,7 @@
               <a:rPr lang="en-US" smtClean="0">
                 <a:latin typeface="Garamond" charset="0"/>
               </a:rPr>
-              <a:t>9/14/17</a:t>
+              <a:t>9/18/17</a:t>
             </a:fld>
             <a:endParaRPr lang="en-US">
               <a:latin typeface="Garamond" charset="0"/>
@@ -12752,7 +12885,7 @@
               <a:rPr lang="en-US" smtClean="0">
                 <a:latin typeface="Garamond" charset="0"/>
               </a:rPr>
-              <a:t>9/14/17</a:t>
+              <a:t>9/18/17</a:t>
             </a:fld>
             <a:endParaRPr lang="en-US">
               <a:latin typeface="Garamond" charset="0"/>
@@ -13198,7 +13331,7 @@
           <a:graphicData uri="http://schemas.openxmlformats.org/presentationml/2006/ole">
             <mc:AlternateContent xmlns:mc="http://schemas.openxmlformats.org/markup-compatibility/2006">
               <mc:Choice xmlns:v="urn:schemas-microsoft-com:vml" Requires="v">
-                <p:oleObj spid="_x0000_s13436" name="Equation" r:id="rId3" imgW="571252" imgH="393529" progId="Equation.3">
+                <p:oleObj spid="_x0000_s13453" name="Equation" r:id="rId3" imgW="571252" imgH="393529" progId="Equation.3">
                   <p:embed/>
                 </p:oleObj>
               </mc:Choice>
@@ -13283,7 +13416,7 @@
           <a:graphicData uri="http://schemas.openxmlformats.org/presentationml/2006/ole">
             <mc:AlternateContent xmlns:mc="http://schemas.openxmlformats.org/markup-compatibility/2006">
               <mc:Choice xmlns:v="urn:schemas-microsoft-com:vml" Requires="v">
-                <p:oleObj spid="_x0000_s13437" name="Equation" r:id="rId5" imgW="2463800" imgH="431800" progId="Equation.3">
+                <p:oleObj spid="_x0000_s13454" name="Equation" r:id="rId5" imgW="2463800" imgH="431800" progId="Equation.3">
                   <p:embed/>
                 </p:oleObj>
               </mc:Choice>
@@ -13378,7 +13511,7 @@
           <a:graphicData uri="http://schemas.openxmlformats.org/presentationml/2006/ole">
             <mc:AlternateContent xmlns:mc="http://schemas.openxmlformats.org/markup-compatibility/2006">
               <mc:Choice xmlns:v="urn:schemas-microsoft-com:vml" Requires="v">
-                <p:oleObj spid="_x0000_s13438" name="Equation" r:id="rId7" imgW="2222500" imgH="431800" progId="Equation.3">
+                <p:oleObj spid="_x0000_s13455" name="Equation" r:id="rId7" imgW="2222500" imgH="431800" progId="Equation.3">
                   <p:embed/>
                 </p:oleObj>
               </mc:Choice>
@@ -15567,7 +15700,7 @@
           <a:graphicData uri="http://schemas.openxmlformats.org/presentationml/2006/ole">
             <mc:AlternateContent xmlns:mc="http://schemas.openxmlformats.org/markup-compatibility/2006">
               <mc:Choice xmlns:v="urn:schemas-microsoft-com:vml" Requires="v">
-                <p:oleObj spid="_x0000_s13439" name="Equation" r:id="rId9" imgW="571252" imgH="393529" progId="Equation.3">
+                <p:oleObj spid="_x0000_s13456" name="Equation" r:id="rId9" imgW="571252" imgH="393529" progId="Equation.3">
                   <p:embed/>
                 </p:oleObj>
               </mc:Choice>
@@ -15779,7 +15912,7 @@
               <a:rPr lang="en-US" smtClean="0">
                 <a:latin typeface="Garamond" charset="0"/>
               </a:rPr>
-              <a:t>9/14/17</a:t>
+              <a:t>9/18/17</a:t>
             </a:fld>
             <a:endParaRPr lang="en-US">
               <a:latin typeface="Garamond" charset="0"/>
@@ -16354,7 +16487,7 @@
               <a:rPr lang="en-US" smtClean="0">
                 <a:latin typeface="Garamond" charset="0"/>
               </a:rPr>
-              <a:t>9/14/17</a:t>
+              <a:t>9/18/17</a:t>
             </a:fld>
             <a:endParaRPr lang="en-US">
               <a:latin typeface="Garamond" charset="0"/>

--- a/eece2160/f17/lectures/eece.2160f17_lec6_PE1.pptx
+++ b/eece2160/f17/lectures/eece.2160f17_lec6_PE1.pptx
@@ -14,16 +14,16 @@
     <p:sldId id="256" r:id="rId2"/>
     <p:sldId id="422" r:id="rId3"/>
     <p:sldId id="470" r:id="rId4"/>
-    <p:sldId id="479" r:id="rId5"/>
-    <p:sldId id="480" r:id="rId6"/>
-    <p:sldId id="471" r:id="rId7"/>
-    <p:sldId id="472" r:id="rId8"/>
-    <p:sldId id="473" r:id="rId9"/>
-    <p:sldId id="474" r:id="rId10"/>
-    <p:sldId id="475" r:id="rId11"/>
-    <p:sldId id="476" r:id="rId12"/>
-    <p:sldId id="477" r:id="rId13"/>
-    <p:sldId id="478" r:id="rId14"/>
+    <p:sldId id="481" r:id="rId5"/>
+    <p:sldId id="479" r:id="rId6"/>
+    <p:sldId id="480" r:id="rId7"/>
+    <p:sldId id="471" r:id="rId8"/>
+    <p:sldId id="472" r:id="rId9"/>
+    <p:sldId id="473" r:id="rId10"/>
+    <p:sldId id="474" r:id="rId11"/>
+    <p:sldId id="475" r:id="rId12"/>
+    <p:sldId id="476" r:id="rId13"/>
+    <p:sldId id="477" r:id="rId14"/>
     <p:sldId id="447" r:id="rId15"/>
   </p:sldIdLst>
   <p:sldSz cx="9144000" cy="6858000" type="screen4x3"/>
@@ -1327,7 +1327,7 @@
             </a:lvl1pPr>
           </a:lstStyle>
           <a:p>
-            <a:fld id="{28625E70-20AF-0345-93C5-F2DF9F1772B5}" type="datetime1">
+            <a:fld id="{7C1EDFEB-5427-ED4A-B75F-E8FE26D6C1FF}" type="datetime1">
               <a:rPr lang="en-US" smtClean="0"/>
               <a:t>9/18/17</a:t>
             </a:fld>
@@ -1524,7 +1524,7 @@
             </a:lvl1pPr>
           </a:lstStyle>
           <a:p>
-            <a:fld id="{18EC1FB6-370A-E648-B3C4-4F8A22AFF75F}" type="datetime1">
+            <a:fld id="{A238B607-4D56-9047-BB52-8C6797E526B0}" type="datetime1">
               <a:rPr lang="en-US" smtClean="0"/>
               <a:t>9/18/17</a:t>
             </a:fld>
@@ -1730,7 +1730,7 @@
             </a:lvl1pPr>
           </a:lstStyle>
           <a:p>
-            <a:fld id="{B6A86971-3305-C043-AAD5-D650920541E6}" type="datetime1">
+            <a:fld id="{FB0E8F74-7981-5D4C-BEBA-BA6F324DCAEC}" type="datetime1">
               <a:rPr lang="en-US" smtClean="0"/>
               <a:t>9/18/17</a:t>
             </a:fld>
@@ -1993,7 +1993,7 @@
             </a:lvl1pPr>
           </a:lstStyle>
           <a:p>
-            <a:fld id="{EA0ACAE1-4759-214C-BF58-B6E4F5418322}" type="datetime1">
+            <a:fld id="{0E16802A-B6E7-0D48-8FAE-5B737CCEA21B}" type="datetime1">
               <a:rPr lang="en-US" smtClean="0"/>
               <a:t>9/18/17</a:t>
             </a:fld>
@@ -2256,7 +2256,7 @@
             </a:lvl1pPr>
           </a:lstStyle>
           <a:p>
-            <a:fld id="{567A9666-9B6C-DA40-A25B-8E390FCA7299}" type="datetime1">
+            <a:fld id="{818624AA-A03F-9442-A241-54CBDF73F531}" type="datetime1">
               <a:rPr lang="en-US" smtClean="0"/>
               <a:t>9/18/17</a:t>
             </a:fld>
@@ -2636,7 +2636,7 @@
             </a:lvl1pPr>
           </a:lstStyle>
           <a:p>
-            <a:fld id="{07A7BEE1-CE8B-024C-A93B-F70CA35CE9A9}" type="datetime1">
+            <a:fld id="{55E36A30-6FD5-1D4A-A4B2-F311C9CA13DA}" type="datetime1">
               <a:rPr lang="en-US" smtClean="0"/>
               <a:t>9/18/17</a:t>
             </a:fld>
@@ -2838,7 +2838,7 @@
             </a:lvl1pPr>
           </a:lstStyle>
           <a:p>
-            <a:fld id="{B3240697-65BD-2045-9CE6-CA6B4B9F1E2E}" type="datetime1">
+            <a:fld id="{C445F81E-CA6D-D54F-95CF-02A524F984F5}" type="datetime1">
               <a:rPr lang="en-US" smtClean="0"/>
               <a:t>9/18/17</a:t>
             </a:fld>
@@ -3056,7 +3056,7 @@
             </a:lvl1pPr>
           </a:lstStyle>
           <a:p>
-            <a:fld id="{6CD41D95-D69D-AE40-A64E-276738A1A07D}" type="datetime1">
+            <a:fld id="{85F915A4-531A-AE47-8462-B027AB198271}" type="datetime1">
               <a:rPr lang="en-US" smtClean="0"/>
               <a:t>9/18/17</a:t>
             </a:fld>
@@ -3370,7 +3370,7 @@
             </a:lvl1pPr>
           </a:lstStyle>
           <a:p>
-            <a:fld id="{D466D61D-2D19-F944-AD17-2588499320BB}" type="datetime1">
+            <a:fld id="{4DEF0A24-193E-384C-B7D5-505E4C1B5AB9}" type="datetime1">
               <a:rPr lang="en-US" smtClean="0"/>
               <a:t>9/18/17</a:t>
             </a:fld>
@@ -3823,7 +3823,7 @@
             </a:lvl1pPr>
           </a:lstStyle>
           <a:p>
-            <a:fld id="{4BB94158-0DFB-FC4D-9E95-298117B216E9}" type="datetime1">
+            <a:fld id="{CA5DDD07-3467-294D-A9A9-80F52BB916FE}" type="datetime1">
               <a:rPr lang="en-US" smtClean="0"/>
               <a:t>9/18/17</a:t>
             </a:fld>
@@ -3967,7 +3967,7 @@
             </a:lvl1pPr>
           </a:lstStyle>
           <a:p>
-            <a:fld id="{75D3BEDC-3CEA-8A45-B9A8-9D0C7DDD5C51}" type="datetime1">
+            <a:fld id="{323FFE90-B2A0-974B-9CF0-6C848FEEF8F8}" type="datetime1">
               <a:rPr lang="en-US" smtClean="0"/>
               <a:t>9/18/17</a:t>
             </a:fld>
@@ -4088,7 +4088,7 @@
             </a:lvl1pPr>
           </a:lstStyle>
           <a:p>
-            <a:fld id="{AB14A870-7C8C-364A-A868-3BA6420A59C9}" type="datetime1">
+            <a:fld id="{F45A8131-CABD-0948-8E8E-8039B099E576}" type="datetime1">
               <a:rPr lang="en-US" smtClean="0"/>
               <a:t>9/18/17</a:t>
             </a:fld>
@@ -4391,7 +4391,7 @@
             </a:lvl1pPr>
           </a:lstStyle>
           <a:p>
-            <a:fld id="{8CB90B3F-7054-ED4B-8191-38FFC8F8604A}" type="datetime1">
+            <a:fld id="{C9EE2E91-24D1-9A41-8C91-C101AB0A957B}" type="datetime1">
               <a:rPr lang="en-US" smtClean="0"/>
               <a:t>9/18/17</a:t>
             </a:fld>
@@ -4671,7 +4671,7 @@
             </a:lvl1pPr>
           </a:lstStyle>
           <a:p>
-            <a:fld id="{DA606F74-EB4A-554C-AA83-96A9AD58D222}" type="datetime1">
+            <a:fld id="{B1B64426-FA90-154D-B33F-20A0F3B2E348}" type="datetime1">
               <a:rPr lang="en-US" smtClean="0"/>
               <a:t>9/18/17</a:t>
             </a:fld>
@@ -4970,7 +4970,7 @@
             </a:lvl1pPr>
           </a:lstStyle>
           <a:p>
-            <a:fld id="{B02C7A88-7C64-2F46-BDBB-C6CF157B1181}" type="datetime1">
+            <a:fld id="{CC29EA73-53BD-CC4D-9F37-778DD303FA89}" type="datetime1">
               <a:rPr lang="en-US" smtClean="0"/>
               <a:t>9/18/17</a:t>
             </a:fld>
@@ -5877,7 +5877,7 @@
       </p:grpSpPr>
       <p:sp>
         <p:nvSpPr>
-          <p:cNvPr id="16386" name="Title 1"/>
+          <p:cNvPr id="14338" name="Title 9"/>
           <p:cNvSpPr>
             <a:spLocks noGrp="1"/>
           </p:cNvSpPr>
@@ -5894,14 +5894,166 @@
               <a:rPr lang="en-US">
                 <a:latin typeface="Garamond" charset="0"/>
               </a:rPr>
-              <a:t>Flowchart: solution</a:t>
-            </a:r>
-          </a:p>
-        </p:txBody>
-      </p:sp>
-      <p:sp>
-        <p:nvSpPr>
-          <p:cNvPr id="4" name="Date Placeholder 3"/>
+              <a:t>Exercise: Flowchart</a:t>
+            </a:r>
+          </a:p>
+        </p:txBody>
+      </p:sp>
+      <p:sp>
+        <p:nvSpPr>
+          <p:cNvPr id="11" name="Content Placeholder 10"/>
+          <p:cNvSpPr>
+            <a:spLocks noGrp="1"/>
+          </p:cNvSpPr>
+          <p:nvPr>
+            <p:ph idx="1"/>
+          </p:nvPr>
+        </p:nvSpPr>
+        <p:spPr/>
+        <p:txBody>
+          <a:bodyPr>
+            <a:normAutofit/>
+          </a:bodyPr>
+          <a:lstStyle/>
+          <a:p>
+            <a:r>
+              <a:rPr lang="en-US" sz="2800" dirty="0">
+                <a:latin typeface="Arial" charset="0"/>
+              </a:rPr>
+              <a:t>Design a flowchart to solve the following:</a:t>
+            </a:r>
+          </a:p>
+          <a:p>
+            <a:pPr lvl="1"/>
+            <a:r>
+              <a:rPr lang="en-US" sz="2400" dirty="0">
+                <a:latin typeface="Arial" charset="0"/>
+              </a:rPr>
+              <a:t>Prompt a user to enter four numbers on a single line, which represent the contents of a 2x2 array</a:t>
+            </a:r>
+          </a:p>
+          <a:p>
+            <a:pPr lvl="1"/>
+            <a:r>
+              <a:rPr lang="en-US" sz="2400" dirty="0">
+                <a:latin typeface="Arial" charset="0"/>
+              </a:rPr>
+              <a:t>After reading the values, your program should print the matrix represented by these values</a:t>
+            </a:r>
+          </a:p>
+          <a:p>
+            <a:pPr lvl="2"/>
+            <a:r>
+              <a:rPr lang="en-US" sz="2000" dirty="0">
+                <a:latin typeface="Arial" charset="0"/>
+              </a:rPr>
+              <a:t>For example, if the user enters </a:t>
+            </a:r>
+            <a:r>
+              <a:rPr lang="ja-JP" altLang="en-US" sz="2000" dirty="0">
+                <a:latin typeface="Arial" charset="0"/>
+              </a:rPr>
+              <a:t>“</a:t>
+            </a:r>
+            <a:r>
+              <a:rPr lang="en-US" sz="2000" dirty="0">
+                <a:latin typeface="Courier New" charset="0"/>
+                <a:cs typeface="Courier New" charset="0"/>
+              </a:rPr>
+              <a:t>1 2 3 4</a:t>
+            </a:r>
+            <a:r>
+              <a:rPr lang="ja-JP" altLang="en-US" sz="2000" dirty="0">
+                <a:latin typeface="Arial" charset="0"/>
+              </a:rPr>
+              <a:t>”</a:t>
+            </a:r>
+            <a:r>
+              <a:rPr lang="en-US" sz="2000" dirty="0">
+                <a:latin typeface="Arial" charset="0"/>
+              </a:rPr>
+              <a:t>, print:</a:t>
+            </a:r>
+            <a:r>
+              <a:rPr lang="en-US" sz="2000" dirty="0">
+                <a:latin typeface="Courier New" charset="0"/>
+                <a:cs typeface="Courier New" charset="0"/>
+              </a:rPr>
+              <a:t> </a:t>
+            </a:r>
+          </a:p>
+          <a:p>
+            <a:pPr lvl="1">
+              <a:buFont typeface="Wingdings" charset="0"/>
+              <a:buNone/>
+            </a:pPr>
+            <a:r>
+              <a:rPr lang="en-US" sz="2400">
+                <a:latin typeface="Courier New" charset="0"/>
+                <a:cs typeface="Courier New" charset="0"/>
+              </a:rPr>
+              <a:t>      </a:t>
+            </a:r>
+            <a:r>
+              <a:rPr lang="en-US" sz="2400" smtClean="0">
+                <a:latin typeface="Courier New" charset="0"/>
+                <a:cs typeface="Courier New" charset="0"/>
+              </a:rPr>
+              <a:t>1  </a:t>
+            </a:r>
+            <a:r>
+              <a:rPr lang="en-US" sz="2400">
+                <a:latin typeface="Courier New" charset="0"/>
+                <a:cs typeface="Courier New" charset="0"/>
+              </a:rPr>
+              <a:t>2</a:t>
+            </a:r>
+          </a:p>
+          <a:p>
+            <a:pPr lvl="1">
+              <a:buFont typeface="Wingdings" charset="0"/>
+              <a:buNone/>
+            </a:pPr>
+            <a:r>
+              <a:rPr lang="en-US" sz="2400" dirty="0">
+                <a:latin typeface="Courier New" charset="0"/>
+                <a:cs typeface="Courier New" charset="0"/>
+              </a:rPr>
+              <a:t>	    3  4</a:t>
+            </a:r>
+          </a:p>
+          <a:p>
+            <a:pPr lvl="2"/>
+            <a:r>
+              <a:rPr lang="en-US" sz="2000" dirty="0">
+                <a:latin typeface="Arial" charset="0"/>
+              </a:rPr>
+              <a:t>Assume all values have the same number of digits</a:t>
+            </a:r>
+          </a:p>
+          <a:p>
+            <a:pPr lvl="1"/>
+            <a:r>
+              <a:rPr lang="en-US" sz="2400" dirty="0">
+                <a:latin typeface="Arial" charset="0"/>
+              </a:rPr>
+              <a:t>Also, calculate the matrix determinant and print it on a separate line</a:t>
+            </a:r>
+          </a:p>
+          <a:p>
+            <a:pPr lvl="2"/>
+            <a:r>
+              <a:rPr lang="en-US" sz="2000" dirty="0">
+                <a:latin typeface="Arial" charset="0"/>
+              </a:rPr>
+              <a:t>In the example above, determinant = (1x4) - (2x3) = 4-6 = -2</a:t>
+            </a:r>
+          </a:p>
+        </p:txBody>
+      </p:sp>
+      <p:sp>
+        <p:nvSpPr>
+          <p:cNvPr id="7" name="Date Placeholder 6"/>
           <p:cNvSpPr>
             <a:spLocks noGrp="1"/>
           </p:cNvSpPr>
@@ -6030,7 +6182,7 @@
           </a:lstStyle>
           <a:p>
             <a:pPr eaLnBrk="1" hangingPunct="1"/>
-            <a:fld id="{8138E74B-95D3-3A41-862E-9C581FC3A11F}" type="datetime1">
+            <a:fld id="{94C72C4C-4099-3645-B35A-968469754AC7}" type="datetime1">
               <a:rPr lang="en-US" smtClean="0">
                 <a:latin typeface="Garamond" charset="0"/>
               </a:rPr>
@@ -6044,6 +6196,375 @@
       </p:sp>
       <p:sp>
         <p:nvSpPr>
+          <p:cNvPr id="8" name="Footer Placeholder 7"/>
+          <p:cNvSpPr>
+            <a:spLocks noGrp="1"/>
+          </p:cNvSpPr>
+          <p:nvPr>
+            <p:ph type="ftr" sz="quarter" idx="11"/>
+          </p:nvPr>
+        </p:nvSpPr>
+        <p:spPr/>
+        <p:txBody>
+          <a:bodyPr/>
+          <a:lstStyle/>
+          <a:p>
+            <a:pPr>
+              <a:defRPr/>
+            </a:pPr>
+            <a:r>
+              <a:rPr lang="en-US" smtClean="0"/>
+              <a:t>ECE Application Programming: Lecture 6</a:t>
+            </a:r>
+            <a:endParaRPr lang="en-US"/>
+          </a:p>
+        </p:txBody>
+      </p:sp>
+      <p:sp>
+        <p:nvSpPr>
+          <p:cNvPr id="9" name="Slide Number Placeholder 8"/>
+          <p:cNvSpPr>
+            <a:spLocks noGrp="1"/>
+          </p:cNvSpPr>
+          <p:nvPr>
+            <p:ph type="sldNum" sz="quarter" idx="12"/>
+          </p:nvPr>
+        </p:nvSpPr>
+        <p:spPr/>
+        <p:txBody>
+          <a:bodyPr/>
+          <a:lstStyle>
+            <a:lvl1pPr eaLnBrk="0" hangingPunct="0">
+              <a:defRPr>
+                <a:solidFill>
+                  <a:schemeClr val="tx1"/>
+                </a:solidFill>
+                <a:latin typeface="Arial" charset="0"/>
+                <a:ea typeface="ＭＳ Ｐゴシック" charset="0"/>
+                <a:cs typeface="Arial" charset="0"/>
+              </a:defRPr>
+            </a:lvl1pPr>
+            <a:lvl2pPr marL="742950" indent="-285750" eaLnBrk="0" hangingPunct="0">
+              <a:defRPr>
+                <a:solidFill>
+                  <a:schemeClr val="tx1"/>
+                </a:solidFill>
+                <a:latin typeface="Arial" charset="0"/>
+                <a:ea typeface="Arial" charset="0"/>
+                <a:cs typeface="Arial" charset="0"/>
+              </a:defRPr>
+            </a:lvl2pPr>
+            <a:lvl3pPr marL="1143000" indent="-228600" eaLnBrk="0" hangingPunct="0">
+              <a:defRPr>
+                <a:solidFill>
+                  <a:schemeClr val="tx1"/>
+                </a:solidFill>
+                <a:latin typeface="Arial" charset="0"/>
+                <a:ea typeface="Arial" charset="0"/>
+                <a:cs typeface="Arial" charset="0"/>
+              </a:defRPr>
+            </a:lvl3pPr>
+            <a:lvl4pPr marL="1600200" indent="-228600" eaLnBrk="0" hangingPunct="0">
+              <a:defRPr>
+                <a:solidFill>
+                  <a:schemeClr val="tx1"/>
+                </a:solidFill>
+                <a:latin typeface="Arial" charset="0"/>
+                <a:ea typeface="Arial" charset="0"/>
+                <a:cs typeface="Arial" charset="0"/>
+              </a:defRPr>
+            </a:lvl4pPr>
+            <a:lvl5pPr marL="2057400" indent="-228600" eaLnBrk="0" hangingPunct="0">
+              <a:defRPr>
+                <a:solidFill>
+                  <a:schemeClr val="tx1"/>
+                </a:solidFill>
+                <a:latin typeface="Arial" charset="0"/>
+                <a:ea typeface="Arial" charset="0"/>
+                <a:cs typeface="Arial" charset="0"/>
+              </a:defRPr>
+            </a:lvl5pPr>
+            <a:lvl6pPr marL="2514600" indent="-228600" eaLnBrk="0" fontAlgn="base" hangingPunct="0">
+              <a:spcBef>
+                <a:spcPct val="0"/>
+              </a:spcBef>
+              <a:spcAft>
+                <a:spcPct val="0"/>
+              </a:spcAft>
+              <a:defRPr>
+                <a:solidFill>
+                  <a:schemeClr val="tx1"/>
+                </a:solidFill>
+                <a:latin typeface="Arial" charset="0"/>
+                <a:ea typeface="Arial" charset="0"/>
+                <a:cs typeface="Arial" charset="0"/>
+              </a:defRPr>
+            </a:lvl6pPr>
+            <a:lvl7pPr marL="2971800" indent="-228600" eaLnBrk="0" fontAlgn="base" hangingPunct="0">
+              <a:spcBef>
+                <a:spcPct val="0"/>
+              </a:spcBef>
+              <a:spcAft>
+                <a:spcPct val="0"/>
+              </a:spcAft>
+              <a:defRPr>
+                <a:solidFill>
+                  <a:schemeClr val="tx1"/>
+                </a:solidFill>
+                <a:latin typeface="Arial" charset="0"/>
+                <a:ea typeface="Arial" charset="0"/>
+                <a:cs typeface="Arial" charset="0"/>
+              </a:defRPr>
+            </a:lvl7pPr>
+            <a:lvl8pPr marL="3429000" indent="-228600" eaLnBrk="0" fontAlgn="base" hangingPunct="0">
+              <a:spcBef>
+                <a:spcPct val="0"/>
+              </a:spcBef>
+              <a:spcAft>
+                <a:spcPct val="0"/>
+              </a:spcAft>
+              <a:defRPr>
+                <a:solidFill>
+                  <a:schemeClr val="tx1"/>
+                </a:solidFill>
+                <a:latin typeface="Arial" charset="0"/>
+                <a:ea typeface="Arial" charset="0"/>
+                <a:cs typeface="Arial" charset="0"/>
+              </a:defRPr>
+            </a:lvl8pPr>
+            <a:lvl9pPr marL="3886200" indent="-228600" eaLnBrk="0" fontAlgn="base" hangingPunct="0">
+              <a:spcBef>
+                <a:spcPct val="0"/>
+              </a:spcBef>
+              <a:spcAft>
+                <a:spcPct val="0"/>
+              </a:spcAft>
+              <a:defRPr>
+                <a:solidFill>
+                  <a:schemeClr val="tx1"/>
+                </a:solidFill>
+                <a:latin typeface="Arial" charset="0"/>
+                <a:ea typeface="Arial" charset="0"/>
+                <a:cs typeface="Arial" charset="0"/>
+              </a:defRPr>
+            </a:lvl9pPr>
+          </a:lstStyle>
+          <a:p>
+            <a:pPr eaLnBrk="1" hangingPunct="1"/>
+            <a:fld id="{2CB7CD94-676C-A646-B10D-34D18983B456}" type="slidenum">
+              <a:rPr lang="en-US">
+                <a:latin typeface="Garamond" charset="0"/>
+              </a:rPr>
+              <a:pPr eaLnBrk="1" hangingPunct="1"/>
+              <a:t>10</a:t>
+            </a:fld>
+            <a:endParaRPr lang="en-US">
+              <a:latin typeface="Garamond" charset="0"/>
+            </a:endParaRPr>
+          </a:p>
+        </p:txBody>
+      </p:sp>
+    </p:spTree>
+  </p:cSld>
+  <p:clrMapOvr>
+    <a:masterClrMapping/>
+  </p:clrMapOvr>
+  <p:timing>
+    <p:tnLst>
+      <p:par>
+        <p:cTn xmlns:p14="http://schemas.microsoft.com/office/powerpoint/2010/main" id="1" dur="indefinite" restart="never" nodeType="tmRoot"/>
+      </p:par>
+    </p:tnLst>
+  </p:timing>
+</p:sld>
+</file>
+
+<file path=ppt/slides/slide11.xml><?xml version="1.0" encoding="utf-8"?>
+<p:sld xmlns:a="http://schemas.openxmlformats.org/drawingml/2006/main" xmlns:r="http://schemas.openxmlformats.org/officeDocument/2006/relationships" xmlns:p="http://schemas.openxmlformats.org/presentationml/2006/main">
+  <p:cSld>
+    <p:spTree>
+      <p:nvGrpSpPr>
+        <p:cNvPr id="1" name=""/>
+        <p:cNvGrpSpPr/>
+        <p:nvPr/>
+      </p:nvGrpSpPr>
+      <p:grpSpPr>
+        <a:xfrm>
+          <a:off x="0" y="0"/>
+          <a:ext cx="0" cy="0"/>
+          <a:chOff x="0" y="0"/>
+          <a:chExt cx="0" cy="0"/>
+        </a:xfrm>
+      </p:grpSpPr>
+      <p:sp>
+        <p:nvSpPr>
+          <p:cNvPr id="16386" name="Title 1"/>
+          <p:cNvSpPr>
+            <a:spLocks noGrp="1"/>
+          </p:cNvSpPr>
+          <p:nvPr>
+            <p:ph type="title"/>
+          </p:nvPr>
+        </p:nvSpPr>
+        <p:spPr/>
+        <p:txBody>
+          <a:bodyPr/>
+          <a:lstStyle/>
+          <a:p>
+            <a:r>
+              <a:rPr lang="en-US">
+                <a:latin typeface="Garamond" charset="0"/>
+              </a:rPr>
+              <a:t>Flowchart: solution</a:t>
+            </a:r>
+          </a:p>
+        </p:txBody>
+      </p:sp>
+      <p:sp>
+        <p:nvSpPr>
+          <p:cNvPr id="4" name="Date Placeholder 3"/>
+          <p:cNvSpPr>
+            <a:spLocks noGrp="1"/>
+          </p:cNvSpPr>
+          <p:nvPr>
+            <p:ph type="dt" sz="quarter" idx="10"/>
+          </p:nvPr>
+        </p:nvSpPr>
+        <p:spPr/>
+        <p:txBody>
+          <a:bodyPr/>
+          <a:lstStyle>
+            <a:lvl1pPr eaLnBrk="0" hangingPunct="0">
+              <a:defRPr>
+                <a:solidFill>
+                  <a:schemeClr val="tx1"/>
+                </a:solidFill>
+                <a:latin typeface="Arial" charset="0"/>
+                <a:ea typeface="ＭＳ Ｐゴシック" charset="0"/>
+                <a:cs typeface="Arial" charset="0"/>
+              </a:defRPr>
+            </a:lvl1pPr>
+            <a:lvl2pPr marL="742950" indent="-285750" eaLnBrk="0" hangingPunct="0">
+              <a:defRPr>
+                <a:solidFill>
+                  <a:schemeClr val="tx1"/>
+                </a:solidFill>
+                <a:latin typeface="Arial" charset="0"/>
+                <a:ea typeface="Arial" charset="0"/>
+                <a:cs typeface="Arial" charset="0"/>
+              </a:defRPr>
+            </a:lvl2pPr>
+            <a:lvl3pPr marL="1143000" indent="-228600" eaLnBrk="0" hangingPunct="0">
+              <a:defRPr>
+                <a:solidFill>
+                  <a:schemeClr val="tx1"/>
+                </a:solidFill>
+                <a:latin typeface="Arial" charset="0"/>
+                <a:ea typeface="Arial" charset="0"/>
+                <a:cs typeface="Arial" charset="0"/>
+              </a:defRPr>
+            </a:lvl3pPr>
+            <a:lvl4pPr marL="1600200" indent="-228600" eaLnBrk="0" hangingPunct="0">
+              <a:defRPr>
+                <a:solidFill>
+                  <a:schemeClr val="tx1"/>
+                </a:solidFill>
+                <a:latin typeface="Arial" charset="0"/>
+                <a:ea typeface="Arial" charset="0"/>
+                <a:cs typeface="Arial" charset="0"/>
+              </a:defRPr>
+            </a:lvl4pPr>
+            <a:lvl5pPr marL="2057400" indent="-228600" eaLnBrk="0" hangingPunct="0">
+              <a:defRPr>
+                <a:solidFill>
+                  <a:schemeClr val="tx1"/>
+                </a:solidFill>
+                <a:latin typeface="Arial" charset="0"/>
+                <a:ea typeface="Arial" charset="0"/>
+                <a:cs typeface="Arial" charset="0"/>
+              </a:defRPr>
+            </a:lvl5pPr>
+            <a:lvl6pPr marL="2514600" indent="-228600" eaLnBrk="0" fontAlgn="base" hangingPunct="0">
+              <a:spcBef>
+                <a:spcPct val="0"/>
+              </a:spcBef>
+              <a:spcAft>
+                <a:spcPct val="0"/>
+              </a:spcAft>
+              <a:defRPr>
+                <a:solidFill>
+                  <a:schemeClr val="tx1"/>
+                </a:solidFill>
+                <a:latin typeface="Arial" charset="0"/>
+                <a:ea typeface="Arial" charset="0"/>
+                <a:cs typeface="Arial" charset="0"/>
+              </a:defRPr>
+            </a:lvl6pPr>
+            <a:lvl7pPr marL="2971800" indent="-228600" eaLnBrk="0" fontAlgn="base" hangingPunct="0">
+              <a:spcBef>
+                <a:spcPct val="0"/>
+              </a:spcBef>
+              <a:spcAft>
+                <a:spcPct val="0"/>
+              </a:spcAft>
+              <a:defRPr>
+                <a:solidFill>
+                  <a:schemeClr val="tx1"/>
+                </a:solidFill>
+                <a:latin typeface="Arial" charset="0"/>
+                <a:ea typeface="Arial" charset="0"/>
+                <a:cs typeface="Arial" charset="0"/>
+              </a:defRPr>
+            </a:lvl7pPr>
+            <a:lvl8pPr marL="3429000" indent="-228600" eaLnBrk="0" fontAlgn="base" hangingPunct="0">
+              <a:spcBef>
+                <a:spcPct val="0"/>
+              </a:spcBef>
+              <a:spcAft>
+                <a:spcPct val="0"/>
+              </a:spcAft>
+              <a:defRPr>
+                <a:solidFill>
+                  <a:schemeClr val="tx1"/>
+                </a:solidFill>
+                <a:latin typeface="Arial" charset="0"/>
+                <a:ea typeface="Arial" charset="0"/>
+                <a:cs typeface="Arial" charset="0"/>
+              </a:defRPr>
+            </a:lvl8pPr>
+            <a:lvl9pPr marL="3886200" indent="-228600" eaLnBrk="0" fontAlgn="base" hangingPunct="0">
+              <a:spcBef>
+                <a:spcPct val="0"/>
+              </a:spcBef>
+              <a:spcAft>
+                <a:spcPct val="0"/>
+              </a:spcAft>
+              <a:defRPr>
+                <a:solidFill>
+                  <a:schemeClr val="tx1"/>
+                </a:solidFill>
+                <a:latin typeface="Arial" charset="0"/>
+                <a:ea typeface="Arial" charset="0"/>
+                <a:cs typeface="Arial" charset="0"/>
+              </a:defRPr>
+            </a:lvl9pPr>
+          </a:lstStyle>
+          <a:p>
+            <a:pPr eaLnBrk="1" hangingPunct="1"/>
+            <a:fld id="{84A19596-5C3C-1B4D-871D-8AAD027C1959}" type="datetime1">
+              <a:rPr lang="en-US" smtClean="0">
+                <a:latin typeface="Garamond" charset="0"/>
+              </a:rPr>
+              <a:t>9/18/17</a:t>
+            </a:fld>
+            <a:endParaRPr lang="en-US">
+              <a:latin typeface="Garamond" charset="0"/>
+            </a:endParaRPr>
+          </a:p>
+        </p:txBody>
+      </p:sp>
+      <p:sp>
+        <p:nvSpPr>
           <p:cNvPr id="5" name="Footer Placeholder 4"/>
           <p:cNvSpPr>
             <a:spLocks noGrp="1"/>
@@ -6204,7 +6725,7 @@
                 <a:latin typeface="Garamond" charset="0"/>
               </a:rPr>
               <a:pPr eaLnBrk="1" hangingPunct="1"/>
-              <a:t>10</a:t>
+              <a:t>11</a:t>
             </a:fld>
             <a:endParaRPr lang="en-US">
               <a:latin typeface="Garamond" charset="0"/>
@@ -6293,580 +6814,6 @@
 </p:sld>
 </file>
 
-<file path=ppt/slides/slide11.xml><?xml version="1.0" encoding="utf-8"?>
-<p:sld xmlns:a="http://schemas.openxmlformats.org/drawingml/2006/main" xmlns:r="http://schemas.openxmlformats.org/officeDocument/2006/relationships" xmlns:p="http://schemas.openxmlformats.org/presentationml/2006/main">
-  <p:cSld>
-    <p:spTree>
-      <p:nvGrpSpPr>
-        <p:cNvPr id="1" name=""/>
-        <p:cNvGrpSpPr/>
-        <p:nvPr/>
-      </p:nvGrpSpPr>
-      <p:grpSpPr>
-        <a:xfrm>
-          <a:off x="0" y="0"/>
-          <a:ext cx="0" cy="0"/>
-          <a:chOff x="0" y="0"/>
-          <a:chExt cx="0" cy="0"/>
-        </a:xfrm>
-      </p:grpSpPr>
-      <p:sp>
-        <p:nvSpPr>
-          <p:cNvPr id="17410" name="Title 1"/>
-          <p:cNvSpPr>
-            <a:spLocks noGrp="1"/>
-          </p:cNvSpPr>
-          <p:nvPr>
-            <p:ph type="title"/>
-          </p:nvPr>
-        </p:nvSpPr>
-        <p:spPr/>
-        <p:txBody>
-          <a:bodyPr/>
-          <a:lstStyle/>
-          <a:p>
-            <a:r>
-              <a:rPr lang="en-US">
-                <a:latin typeface="Garamond" charset="0"/>
-              </a:rPr>
-              <a:t>Converting flowchart to program</a:t>
-            </a:r>
-          </a:p>
-        </p:txBody>
-      </p:sp>
-      <p:sp>
-        <p:nvSpPr>
-          <p:cNvPr id="3" name="Content Placeholder 2"/>
-          <p:cNvSpPr>
-            <a:spLocks noGrp="1"/>
-          </p:cNvSpPr>
-          <p:nvPr>
-            <p:ph idx="1"/>
-          </p:nvPr>
-        </p:nvSpPr>
-        <p:spPr/>
-        <p:txBody>
-          <a:bodyPr>
-            <a:normAutofit fontScale="92500" lnSpcReduction="20000"/>
-          </a:bodyPr>
-          <a:lstStyle/>
-          <a:p>
-            <a:pPr>
-              <a:buFont typeface="Wingdings" pitchFamily="2" charset="2"/>
-              <a:buChar char="n"/>
-              <a:defRPr/>
-            </a:pPr>
-            <a:r>
-              <a:rPr lang="en-US" dirty="0" smtClean="0">
-                <a:ea typeface="+mn-ea"/>
-              </a:rPr>
-              <a:t>What data are used in the process?</a:t>
-            </a:r>
-          </a:p>
-          <a:p>
-            <a:pPr lvl="1">
-              <a:buFont typeface="Wingdings" pitchFamily="2" charset="2"/>
-              <a:buChar char="q"/>
-              <a:defRPr/>
-            </a:pPr>
-            <a:r>
-              <a:rPr lang="en-US" dirty="0" smtClean="0"/>
-              <a:t>Can those data be represented as constants?</a:t>
-            </a:r>
-          </a:p>
-          <a:p>
-            <a:pPr lvl="1">
-              <a:buFont typeface="Wingdings" pitchFamily="2" charset="2"/>
-              <a:buChar char="q"/>
-              <a:defRPr/>
-            </a:pPr>
-            <a:r>
-              <a:rPr lang="en-US" dirty="0" smtClean="0"/>
-              <a:t>If not, what variables are needed?</a:t>
-            </a:r>
-          </a:p>
-          <a:p>
-            <a:pPr lvl="2">
-              <a:buFont typeface="Wingdings" pitchFamily="2" charset="2"/>
-              <a:buChar char="n"/>
-              <a:defRPr/>
-            </a:pPr>
-            <a:r>
-              <a:rPr lang="en-US" dirty="0" smtClean="0"/>
-              <a:t>How many?</a:t>
-            </a:r>
-          </a:p>
-          <a:p>
-            <a:pPr lvl="2">
-              <a:buFont typeface="Wingdings" pitchFamily="2" charset="2"/>
-              <a:buChar char="n"/>
-              <a:defRPr/>
-            </a:pPr>
-            <a:r>
-              <a:rPr lang="en-US" dirty="0" smtClean="0"/>
-              <a:t>What type(s)?</a:t>
-            </a:r>
-          </a:p>
-          <a:p>
-            <a:pPr lvl="2">
-              <a:buFont typeface="Wingdings" pitchFamily="2" charset="2"/>
-              <a:buChar char="n"/>
-              <a:defRPr/>
-            </a:pPr>
-            <a:r>
-              <a:rPr lang="en-US" dirty="0" smtClean="0"/>
-              <a:t>How should variables be named?</a:t>
-            </a:r>
-          </a:p>
-          <a:p>
-            <a:pPr>
-              <a:buFont typeface="Wingdings" pitchFamily="2" charset="2"/>
-              <a:buChar char="n"/>
-              <a:defRPr/>
-            </a:pPr>
-            <a:r>
-              <a:rPr lang="en-US" dirty="0" smtClean="0">
-                <a:ea typeface="+mn-ea"/>
-              </a:rPr>
-              <a:t>What C statement corresponds to each process step?</a:t>
-            </a:r>
-          </a:p>
-          <a:p>
-            <a:pPr lvl="1">
-              <a:buFont typeface="Wingdings" pitchFamily="2" charset="2"/>
-              <a:buChar char="q"/>
-              <a:defRPr/>
-            </a:pPr>
-            <a:r>
-              <a:rPr lang="en-US" dirty="0" smtClean="0"/>
-              <a:t>Input statements: </a:t>
-            </a:r>
-            <a:r>
-              <a:rPr lang="en-US" dirty="0" err="1" smtClean="0">
-                <a:latin typeface="Courier New" pitchFamily="49" charset="0"/>
-                <a:cs typeface="Courier New" pitchFamily="49" charset="0"/>
-              </a:rPr>
-              <a:t>scanf</a:t>
-            </a:r>
-            <a:r>
-              <a:rPr lang="en-US" dirty="0" smtClean="0">
-                <a:latin typeface="Courier New" pitchFamily="49" charset="0"/>
-                <a:cs typeface="Courier New" pitchFamily="49" charset="0"/>
-              </a:rPr>
-              <a:t>()</a:t>
-            </a:r>
-          </a:p>
-          <a:p>
-            <a:pPr lvl="1">
-              <a:buFont typeface="Wingdings" pitchFamily="2" charset="2"/>
-              <a:buChar char="q"/>
-              <a:defRPr/>
-            </a:pPr>
-            <a:r>
-              <a:rPr lang="en-US" dirty="0" smtClean="0"/>
-              <a:t>Output statements: </a:t>
-            </a:r>
-            <a:r>
-              <a:rPr lang="en-US" dirty="0" err="1" smtClean="0">
-                <a:latin typeface="Courier New" pitchFamily="49" charset="0"/>
-                <a:cs typeface="Courier New" pitchFamily="49" charset="0"/>
-              </a:rPr>
-              <a:t>printf</a:t>
-            </a:r>
-            <a:r>
-              <a:rPr lang="en-US" dirty="0" smtClean="0">
-                <a:latin typeface="Courier New" pitchFamily="49" charset="0"/>
-                <a:cs typeface="Courier New" pitchFamily="49" charset="0"/>
-              </a:rPr>
-              <a:t>()</a:t>
-            </a:r>
-          </a:p>
-          <a:p>
-            <a:pPr lvl="1">
-              <a:buFont typeface="Wingdings" pitchFamily="2" charset="2"/>
-              <a:buChar char="q"/>
-              <a:defRPr/>
-            </a:pPr>
-            <a:r>
-              <a:rPr lang="en-US" dirty="0" smtClean="0"/>
-              <a:t>Terminators: start/end of </a:t>
-            </a:r>
-            <a:r>
-              <a:rPr lang="en-US" dirty="0" smtClean="0">
-                <a:latin typeface="Courier New" pitchFamily="49" charset="0"/>
-                <a:cs typeface="Courier New" pitchFamily="49" charset="0"/>
-              </a:rPr>
-              <a:t>main()</a:t>
-            </a:r>
-            <a:r>
-              <a:rPr lang="en-US" dirty="0" smtClean="0"/>
-              <a:t> function</a:t>
-            </a:r>
-          </a:p>
-          <a:p>
-            <a:pPr lvl="2">
-              <a:buFont typeface="Wingdings" pitchFamily="2" charset="2"/>
-              <a:buChar char="n"/>
-              <a:defRPr/>
-            </a:pPr>
-            <a:r>
-              <a:rPr lang="en-US" dirty="0" smtClean="0"/>
-              <a:t>Will generalize later to any function</a:t>
-            </a:r>
-          </a:p>
-          <a:p>
-            <a:pPr lvl="1">
-              <a:buFont typeface="Wingdings" pitchFamily="2" charset="2"/>
-              <a:buChar char="q"/>
-              <a:defRPr/>
-            </a:pPr>
-            <a:r>
-              <a:rPr lang="en-US" dirty="0" smtClean="0"/>
-              <a:t>General process steps: basic expressions</a:t>
-            </a:r>
-          </a:p>
-          <a:p>
-            <a:pPr lvl="2">
-              <a:buFont typeface="Wingdings" pitchFamily="2" charset="2"/>
-              <a:buChar char="n"/>
-              <a:defRPr/>
-            </a:pPr>
-            <a:r>
-              <a:rPr lang="en-US" dirty="0" smtClean="0"/>
-              <a:t>May need multiple lines of code</a:t>
-            </a:r>
-            <a:endParaRPr lang="en-US" dirty="0"/>
-          </a:p>
-        </p:txBody>
-      </p:sp>
-      <p:sp>
-        <p:nvSpPr>
-          <p:cNvPr id="4" name="Date Placeholder 3"/>
-          <p:cNvSpPr>
-            <a:spLocks noGrp="1"/>
-          </p:cNvSpPr>
-          <p:nvPr>
-            <p:ph type="dt" sz="quarter" idx="10"/>
-          </p:nvPr>
-        </p:nvSpPr>
-        <p:spPr/>
-        <p:txBody>
-          <a:bodyPr/>
-          <a:lstStyle>
-            <a:lvl1pPr eaLnBrk="0" hangingPunct="0">
-              <a:defRPr>
-                <a:solidFill>
-                  <a:schemeClr val="tx1"/>
-                </a:solidFill>
-                <a:latin typeface="Arial" charset="0"/>
-                <a:ea typeface="ＭＳ Ｐゴシック" charset="0"/>
-                <a:cs typeface="Arial" charset="0"/>
-              </a:defRPr>
-            </a:lvl1pPr>
-            <a:lvl2pPr marL="742950" indent="-285750" eaLnBrk="0" hangingPunct="0">
-              <a:defRPr>
-                <a:solidFill>
-                  <a:schemeClr val="tx1"/>
-                </a:solidFill>
-                <a:latin typeface="Arial" charset="0"/>
-                <a:ea typeface="Arial" charset="0"/>
-                <a:cs typeface="Arial" charset="0"/>
-              </a:defRPr>
-            </a:lvl2pPr>
-            <a:lvl3pPr marL="1143000" indent="-228600" eaLnBrk="0" hangingPunct="0">
-              <a:defRPr>
-                <a:solidFill>
-                  <a:schemeClr val="tx1"/>
-                </a:solidFill>
-                <a:latin typeface="Arial" charset="0"/>
-                <a:ea typeface="Arial" charset="0"/>
-                <a:cs typeface="Arial" charset="0"/>
-              </a:defRPr>
-            </a:lvl3pPr>
-            <a:lvl4pPr marL="1600200" indent="-228600" eaLnBrk="0" hangingPunct="0">
-              <a:defRPr>
-                <a:solidFill>
-                  <a:schemeClr val="tx1"/>
-                </a:solidFill>
-                <a:latin typeface="Arial" charset="0"/>
-                <a:ea typeface="Arial" charset="0"/>
-                <a:cs typeface="Arial" charset="0"/>
-              </a:defRPr>
-            </a:lvl4pPr>
-            <a:lvl5pPr marL="2057400" indent="-228600" eaLnBrk="0" hangingPunct="0">
-              <a:defRPr>
-                <a:solidFill>
-                  <a:schemeClr val="tx1"/>
-                </a:solidFill>
-                <a:latin typeface="Arial" charset="0"/>
-                <a:ea typeface="Arial" charset="0"/>
-                <a:cs typeface="Arial" charset="0"/>
-              </a:defRPr>
-            </a:lvl5pPr>
-            <a:lvl6pPr marL="2514600" indent="-228600" eaLnBrk="0" fontAlgn="base" hangingPunct="0">
-              <a:spcBef>
-                <a:spcPct val="0"/>
-              </a:spcBef>
-              <a:spcAft>
-                <a:spcPct val="0"/>
-              </a:spcAft>
-              <a:defRPr>
-                <a:solidFill>
-                  <a:schemeClr val="tx1"/>
-                </a:solidFill>
-                <a:latin typeface="Arial" charset="0"/>
-                <a:ea typeface="Arial" charset="0"/>
-                <a:cs typeface="Arial" charset="0"/>
-              </a:defRPr>
-            </a:lvl6pPr>
-            <a:lvl7pPr marL="2971800" indent="-228600" eaLnBrk="0" fontAlgn="base" hangingPunct="0">
-              <a:spcBef>
-                <a:spcPct val="0"/>
-              </a:spcBef>
-              <a:spcAft>
-                <a:spcPct val="0"/>
-              </a:spcAft>
-              <a:defRPr>
-                <a:solidFill>
-                  <a:schemeClr val="tx1"/>
-                </a:solidFill>
-                <a:latin typeface="Arial" charset="0"/>
-                <a:ea typeface="Arial" charset="0"/>
-                <a:cs typeface="Arial" charset="0"/>
-              </a:defRPr>
-            </a:lvl7pPr>
-            <a:lvl8pPr marL="3429000" indent="-228600" eaLnBrk="0" fontAlgn="base" hangingPunct="0">
-              <a:spcBef>
-                <a:spcPct val="0"/>
-              </a:spcBef>
-              <a:spcAft>
-                <a:spcPct val="0"/>
-              </a:spcAft>
-              <a:defRPr>
-                <a:solidFill>
-                  <a:schemeClr val="tx1"/>
-                </a:solidFill>
-                <a:latin typeface="Arial" charset="0"/>
-                <a:ea typeface="Arial" charset="0"/>
-                <a:cs typeface="Arial" charset="0"/>
-              </a:defRPr>
-            </a:lvl8pPr>
-            <a:lvl9pPr marL="3886200" indent="-228600" eaLnBrk="0" fontAlgn="base" hangingPunct="0">
-              <a:spcBef>
-                <a:spcPct val="0"/>
-              </a:spcBef>
-              <a:spcAft>
-                <a:spcPct val="0"/>
-              </a:spcAft>
-              <a:defRPr>
-                <a:solidFill>
-                  <a:schemeClr val="tx1"/>
-                </a:solidFill>
-                <a:latin typeface="Arial" charset="0"/>
-                <a:ea typeface="Arial" charset="0"/>
-                <a:cs typeface="Arial" charset="0"/>
-              </a:defRPr>
-            </a:lvl9pPr>
-          </a:lstStyle>
-          <a:p>
-            <a:pPr eaLnBrk="1" hangingPunct="1"/>
-            <a:fld id="{DF13CF6E-BDE5-7549-B50E-C3A1A085038C}" type="datetime1">
-              <a:rPr lang="en-US" smtClean="0">
-                <a:latin typeface="Garamond" charset="0"/>
-              </a:rPr>
-              <a:t>9/18/17</a:t>
-            </a:fld>
-            <a:endParaRPr lang="en-US">
-              <a:latin typeface="Garamond" charset="0"/>
-            </a:endParaRPr>
-          </a:p>
-        </p:txBody>
-      </p:sp>
-      <p:sp>
-        <p:nvSpPr>
-          <p:cNvPr id="5" name="Footer Placeholder 4"/>
-          <p:cNvSpPr>
-            <a:spLocks noGrp="1"/>
-          </p:cNvSpPr>
-          <p:nvPr>
-            <p:ph type="ftr" sz="quarter" idx="11"/>
-          </p:nvPr>
-        </p:nvSpPr>
-        <p:spPr/>
-        <p:txBody>
-          <a:bodyPr/>
-          <a:lstStyle/>
-          <a:p>
-            <a:pPr>
-              <a:defRPr/>
-            </a:pPr>
-            <a:r>
-              <a:rPr lang="en-US" altLang="en-US" smtClean="0"/>
-              <a:t>ECE Application Programming: Lecture 6</a:t>
-            </a:r>
-            <a:endParaRPr lang="en-US" altLang="en-US"/>
-          </a:p>
-        </p:txBody>
-      </p:sp>
-      <p:sp>
-        <p:nvSpPr>
-          <p:cNvPr id="6" name="Slide Number Placeholder 5"/>
-          <p:cNvSpPr>
-            <a:spLocks noGrp="1"/>
-          </p:cNvSpPr>
-          <p:nvPr>
-            <p:ph type="sldNum" sz="quarter" idx="12"/>
-          </p:nvPr>
-        </p:nvSpPr>
-        <p:spPr/>
-        <p:txBody>
-          <a:bodyPr/>
-          <a:lstStyle>
-            <a:lvl1pPr eaLnBrk="0" hangingPunct="0">
-              <a:defRPr>
-                <a:solidFill>
-                  <a:schemeClr val="tx1"/>
-                </a:solidFill>
-                <a:latin typeface="Arial" charset="0"/>
-                <a:ea typeface="ＭＳ Ｐゴシック" charset="0"/>
-                <a:cs typeface="Arial" charset="0"/>
-              </a:defRPr>
-            </a:lvl1pPr>
-            <a:lvl2pPr marL="742950" indent="-285750" eaLnBrk="0" hangingPunct="0">
-              <a:defRPr>
-                <a:solidFill>
-                  <a:schemeClr val="tx1"/>
-                </a:solidFill>
-                <a:latin typeface="Arial" charset="0"/>
-                <a:ea typeface="Arial" charset="0"/>
-                <a:cs typeface="Arial" charset="0"/>
-              </a:defRPr>
-            </a:lvl2pPr>
-            <a:lvl3pPr marL="1143000" indent="-228600" eaLnBrk="0" hangingPunct="0">
-              <a:defRPr>
-                <a:solidFill>
-                  <a:schemeClr val="tx1"/>
-                </a:solidFill>
-                <a:latin typeface="Arial" charset="0"/>
-                <a:ea typeface="Arial" charset="0"/>
-                <a:cs typeface="Arial" charset="0"/>
-              </a:defRPr>
-            </a:lvl3pPr>
-            <a:lvl4pPr marL="1600200" indent="-228600" eaLnBrk="0" hangingPunct="0">
-              <a:defRPr>
-                <a:solidFill>
-                  <a:schemeClr val="tx1"/>
-                </a:solidFill>
-                <a:latin typeface="Arial" charset="0"/>
-                <a:ea typeface="Arial" charset="0"/>
-                <a:cs typeface="Arial" charset="0"/>
-              </a:defRPr>
-            </a:lvl4pPr>
-            <a:lvl5pPr marL="2057400" indent="-228600" eaLnBrk="0" hangingPunct="0">
-              <a:defRPr>
-                <a:solidFill>
-                  <a:schemeClr val="tx1"/>
-                </a:solidFill>
-                <a:latin typeface="Arial" charset="0"/>
-                <a:ea typeface="Arial" charset="0"/>
-                <a:cs typeface="Arial" charset="0"/>
-              </a:defRPr>
-            </a:lvl5pPr>
-            <a:lvl6pPr marL="2514600" indent="-228600" eaLnBrk="0" fontAlgn="base" hangingPunct="0">
-              <a:spcBef>
-                <a:spcPct val="0"/>
-              </a:spcBef>
-              <a:spcAft>
-                <a:spcPct val="0"/>
-              </a:spcAft>
-              <a:defRPr>
-                <a:solidFill>
-                  <a:schemeClr val="tx1"/>
-                </a:solidFill>
-                <a:latin typeface="Arial" charset="0"/>
-                <a:ea typeface="Arial" charset="0"/>
-                <a:cs typeface="Arial" charset="0"/>
-              </a:defRPr>
-            </a:lvl6pPr>
-            <a:lvl7pPr marL="2971800" indent="-228600" eaLnBrk="0" fontAlgn="base" hangingPunct="0">
-              <a:spcBef>
-                <a:spcPct val="0"/>
-              </a:spcBef>
-              <a:spcAft>
-                <a:spcPct val="0"/>
-              </a:spcAft>
-              <a:defRPr>
-                <a:solidFill>
-                  <a:schemeClr val="tx1"/>
-                </a:solidFill>
-                <a:latin typeface="Arial" charset="0"/>
-                <a:ea typeface="Arial" charset="0"/>
-                <a:cs typeface="Arial" charset="0"/>
-              </a:defRPr>
-            </a:lvl7pPr>
-            <a:lvl8pPr marL="3429000" indent="-228600" eaLnBrk="0" fontAlgn="base" hangingPunct="0">
-              <a:spcBef>
-                <a:spcPct val="0"/>
-              </a:spcBef>
-              <a:spcAft>
-                <a:spcPct val="0"/>
-              </a:spcAft>
-              <a:defRPr>
-                <a:solidFill>
-                  <a:schemeClr val="tx1"/>
-                </a:solidFill>
-                <a:latin typeface="Arial" charset="0"/>
-                <a:ea typeface="Arial" charset="0"/>
-                <a:cs typeface="Arial" charset="0"/>
-              </a:defRPr>
-            </a:lvl8pPr>
-            <a:lvl9pPr marL="3886200" indent="-228600" eaLnBrk="0" fontAlgn="base" hangingPunct="0">
-              <a:spcBef>
-                <a:spcPct val="0"/>
-              </a:spcBef>
-              <a:spcAft>
-                <a:spcPct val="0"/>
-              </a:spcAft>
-              <a:defRPr>
-                <a:solidFill>
-                  <a:schemeClr val="tx1"/>
-                </a:solidFill>
-                <a:latin typeface="Arial" charset="0"/>
-                <a:ea typeface="Arial" charset="0"/>
-                <a:cs typeface="Arial" charset="0"/>
-              </a:defRPr>
-            </a:lvl9pPr>
-          </a:lstStyle>
-          <a:p>
-            <a:pPr eaLnBrk="1" hangingPunct="1"/>
-            <a:fld id="{ED717274-A51A-4040-92B1-2EDF7663E2A5}" type="slidenum">
-              <a:rPr lang="en-US">
-                <a:latin typeface="Garamond" charset="0"/>
-              </a:rPr>
-              <a:pPr eaLnBrk="1" hangingPunct="1"/>
-              <a:t>11</a:t>
-            </a:fld>
-            <a:endParaRPr lang="en-US">
-              <a:latin typeface="Garamond" charset="0"/>
-            </a:endParaRPr>
-          </a:p>
-        </p:txBody>
-      </p:sp>
-    </p:spTree>
-  </p:cSld>
-  <p:clrMapOvr>
-    <a:masterClrMapping/>
-  </p:clrMapOvr>
-  <p:timing>
-    <p:tnLst>
-      <p:par>
-        <p:cTn xmlns:p14="http://schemas.microsoft.com/office/powerpoint/2010/main" id="1" dur="indefinite" restart="never" nodeType="tmRoot"/>
-      </p:par>
-    </p:tnLst>
-  </p:timing>
-</p:sld>
-</file>
-
 <file path=ppt/slides/slide12.xml><?xml version="1.0" encoding="utf-8"?>
 <p:sld xmlns:a="http://schemas.openxmlformats.org/drawingml/2006/main" xmlns:r="http://schemas.openxmlformats.org/officeDocument/2006/relationships" xmlns:p="http://schemas.openxmlformats.org/presentationml/2006/main">
   <p:cSld>
@@ -6886,7 +6833,7 @@
       </p:grpSpPr>
       <p:sp>
         <p:nvSpPr>
-          <p:cNvPr id="18434" name="Title 1"/>
+          <p:cNvPr id="17410" name="Title 1"/>
           <p:cNvSpPr>
             <a:spLocks noGrp="1"/>
           </p:cNvSpPr>
@@ -6903,7 +6850,7 @@
               <a:rPr lang="en-US">
                 <a:latin typeface="Garamond" charset="0"/>
               </a:rPr>
-              <a:t>Debugging</a:t>
+              <a:t>Converting flowchart to program</a:t>
             </a:r>
           </a:p>
         </p:txBody>
@@ -6934,16 +6881,7 @@
               <a:rPr lang="en-US" dirty="0" smtClean="0">
                 <a:ea typeface="+mn-ea"/>
               </a:rPr>
-              <a:t>Most IDEs allow ability to view state of program while running through </a:t>
-            </a:r>
-            <a:r>
-              <a:rPr lang="en-US" dirty="0" smtClean="0">
-                <a:solidFill>
-                  <a:srgbClr val="0000FF"/>
-                </a:solidFill>
-                <a:ea typeface="+mn-ea"/>
-              </a:rPr>
-              <a:t>debugger</a:t>
+              <a:t>What data are used in the process?</a:t>
             </a:r>
           </a:p>
           <a:p>
@@ -6954,7 +6892,7 @@
             </a:pPr>
             <a:r>
               <a:rPr lang="en-US" dirty="0" smtClean="0"/>
-              <a:t>View variable values</a:t>
+              <a:t>Can those data be represented as constants?</a:t>
             </a:r>
           </a:p>
           <a:p>
@@ -6965,7 +6903,7 @@
             </a:pPr>
             <a:r>
               <a:rPr lang="en-US" dirty="0" smtClean="0"/>
-              <a:t>Execute program:</a:t>
+              <a:t>If not, what variables are needed?</a:t>
             </a:r>
           </a:p>
           <a:p>
@@ -6976,19 +6914,7 @@
             </a:pPr>
             <a:r>
               <a:rPr lang="en-US" dirty="0" smtClean="0"/>
-              <a:t>One line at a time (</a:t>
-            </a:r>
-            <a:r>
-              <a:rPr lang="en-US" dirty="0" smtClean="0">
-                <a:solidFill>
-                  <a:srgbClr val="0000FF"/>
-                </a:solidFill>
-              </a:rPr>
-              <a:t>single step</a:t>
-            </a:r>
-            <a:r>
-              <a:rPr lang="en-US" dirty="0" smtClean="0"/>
-              <a:t>)</a:t>
+              <a:t>How many?</a:t>
             </a:r>
           </a:p>
           <a:p>
@@ -6999,19 +6925,18 @@
             </a:pPr>
             <a:r>
               <a:rPr lang="en-US" dirty="0" smtClean="0"/>
-              <a:t>By running until reaching a pre-defined stopping point (</a:t>
-            </a:r>
-            <a:r>
-              <a:rPr lang="en-US" dirty="0" smtClean="0">
-                <a:solidFill>
-                  <a:srgbClr val="0000FF"/>
-                </a:solidFill>
-              </a:rPr>
-              <a:t>breakpoint</a:t>
-            </a:r>
+              <a:t>What type(s)?</a:t>
+            </a:r>
+          </a:p>
+          <a:p>
+            <a:pPr lvl="2">
+              <a:buFont typeface="Wingdings" pitchFamily="2" charset="2"/>
+              <a:buChar char="n"/>
+              <a:defRPr/>
+            </a:pPr>
             <a:r>
               <a:rPr lang="en-US" dirty="0" smtClean="0"/>
-              <a:t>)</a:t>
+              <a:t>How should variables be named?</a:t>
             </a:r>
           </a:p>
           <a:p>
@@ -7024,7 +6949,7 @@
               <a:rPr lang="en-US" dirty="0" smtClean="0">
                 <a:ea typeface="+mn-ea"/>
               </a:rPr>
-              <a:t>Can isolate bugs without altering program</a:t>
+              <a:t>What C statement corresponds to each process step?</a:t>
             </a:r>
           </a:p>
           <a:p>
@@ -7035,7 +6960,21 @@
             </a:pPr>
             <a:r>
               <a:rPr lang="en-US" dirty="0" smtClean="0"/>
-              <a:t>Alternate solution: inserting print statements to show program state at various points</a:t>
+              <a:t>Input statements: </a:t>
+            </a:r>
+            <a:r>
+              <a:rPr lang="en-US" dirty="0" err="1" smtClean="0">
+                <a:latin typeface="Courier New" pitchFamily="49" charset="0"/>
+                <a:cs typeface="Courier New" pitchFamily="49" charset="0"/>
+              </a:rPr>
+              <a:t>scanf</a:t>
+            </a:r>
+            <a:r>
+              <a:rPr lang="en-US" dirty="0" smtClean="0">
+                <a:latin typeface="Courier New" pitchFamily="49" charset="0"/>
+                <a:cs typeface="Courier New" pitchFamily="49" charset="0"/>
+              </a:rPr>
+              <a:t>()</a:t>
             </a:r>
           </a:p>
           <a:p>
@@ -7046,7 +6985,43 @@
             </a:pPr>
             <a:r>
               <a:rPr lang="en-US" dirty="0" smtClean="0"/>
-              <a:t>Disadvantages</a:t>
+              <a:t>Output statements: </a:t>
+            </a:r>
+            <a:r>
+              <a:rPr lang="en-US" dirty="0" err="1" smtClean="0">
+                <a:latin typeface="Courier New" pitchFamily="49" charset="0"/>
+                <a:cs typeface="Courier New" pitchFamily="49" charset="0"/>
+              </a:rPr>
+              <a:t>printf</a:t>
+            </a:r>
+            <a:r>
+              <a:rPr lang="en-US" dirty="0" smtClean="0">
+                <a:latin typeface="Courier New" pitchFamily="49" charset="0"/>
+                <a:cs typeface="Courier New" pitchFamily="49" charset="0"/>
+              </a:rPr>
+              <a:t>()</a:t>
+            </a:r>
+          </a:p>
+          <a:p>
+            <a:pPr lvl="1">
+              <a:buFont typeface="Wingdings" pitchFamily="2" charset="2"/>
+              <a:buChar char="q"/>
+              <a:defRPr/>
+            </a:pPr>
+            <a:r>
+              <a:rPr lang="en-US" dirty="0" smtClean="0"/>
+              <a:t>Terminators: start/end of </a:t>
+            </a:r>
+            <a:r>
+              <a:rPr lang="en-US" dirty="0" smtClean="0">
+                <a:latin typeface="Courier New" pitchFamily="49" charset="0"/>
+                <a:cs typeface="Courier New" pitchFamily="49" charset="0"/>
+              </a:rPr>
+              <a:t>main()</a:t>
+            </a:r>
+            <a:r>
+              <a:rPr lang="en-US" dirty="0" smtClean="0"/>
+              <a:t> function</a:t>
             </a:r>
           </a:p>
           <a:p>
@@ -7057,7 +7032,18 @@
             </a:pPr>
             <a:r>
               <a:rPr lang="en-US" dirty="0" smtClean="0"/>
-              <a:t>Inefficient--repeated compilation, must keep adding statements</a:t>
+              <a:t>Will generalize later to any function</a:t>
+            </a:r>
+          </a:p>
+          <a:p>
+            <a:pPr lvl="1">
+              <a:buFont typeface="Wingdings" pitchFamily="2" charset="2"/>
+              <a:buChar char="q"/>
+              <a:defRPr/>
+            </a:pPr>
+            <a:r>
+              <a:rPr lang="en-US" dirty="0" smtClean="0"/>
+              <a:t>General process steps: basic expressions</a:t>
             </a:r>
           </a:p>
           <a:p>
@@ -7068,8 +7054,9 @@
             </a:pPr>
             <a:r>
               <a:rPr lang="en-US" dirty="0" smtClean="0"/>
-              <a:t>May actually alter operation of other statements</a:t>
-            </a:r>
+              <a:t>May need multiple lines of code</a:t>
+            </a:r>
+            <a:endParaRPr lang="en-US" dirty="0"/>
           </a:p>
         </p:txBody>
       </p:sp>
@@ -7204,7 +7191,7 @@
           </a:lstStyle>
           <a:p>
             <a:pPr eaLnBrk="1" hangingPunct="1"/>
-            <a:fld id="{1CB88FE2-EF11-7B4B-A7EC-A475A361F651}" type="datetime1">
+            <a:fld id="{80F57172-13EF-6B4B-B885-F0FDCD545A71}" type="datetime1">
               <a:rPr lang="en-US" smtClean="0">
                 <a:latin typeface="Garamond" charset="0"/>
               </a:rPr>
@@ -7373,7 +7360,7 @@
           </a:lstStyle>
           <a:p>
             <a:pPr eaLnBrk="1" hangingPunct="1"/>
-            <a:fld id="{3992467D-A545-7545-B1A9-C912DDFF68B3}" type="slidenum">
+            <a:fld id="{ED717274-A51A-4040-92B1-2EDF7663E2A5}" type="slidenum">
               <a:rPr lang="en-US">
                 <a:latin typeface="Garamond" charset="0"/>
               </a:rPr>
@@ -7420,7 +7407,7 @@
       </p:grpSpPr>
       <p:sp>
         <p:nvSpPr>
-          <p:cNvPr id="19458" name="Title 1"/>
+          <p:cNvPr id="18434" name="Title 1"/>
           <p:cNvSpPr>
             <a:spLocks noGrp="1"/>
           </p:cNvSpPr>
@@ -7437,14 +7424,14 @@
               <a:rPr lang="en-US">
                 <a:latin typeface="Garamond" charset="0"/>
               </a:rPr>
-              <a:t>Debugger demonstration</a:t>
-            </a:r>
-          </a:p>
-        </p:txBody>
-      </p:sp>
-      <p:sp>
-        <p:nvSpPr>
-          <p:cNvPr id="19459" name="Content Placeholder 2"/>
+              <a:t>Debugging</a:t>
+            </a:r>
+          </a:p>
+        </p:txBody>
+      </p:sp>
+      <p:sp>
+        <p:nvSpPr>
+          <p:cNvPr id="3" name="Content Placeholder 2"/>
           <p:cNvSpPr>
             <a:spLocks noGrp="1"/>
           </p:cNvSpPr>
@@ -7454,110 +7441,156 @@
         </p:nvSpPr>
         <p:spPr/>
         <p:txBody>
-          <a:bodyPr/>
+          <a:bodyPr>
+            <a:normAutofit fontScale="92500" lnSpcReduction="20000"/>
+          </a:bodyPr>
           <a:lstStyle/>
           <a:p>
-            <a:r>
-              <a:rPr lang="en-US">
-                <a:latin typeface="Arial" charset="0"/>
-              </a:rPr>
-              <a:t>Demonstration of Visual Studio debugger</a:t>
-            </a:r>
-          </a:p>
-          <a:p>
-            <a:pPr lvl="1"/>
-            <a:r>
-              <a:rPr lang="en-US">
-                <a:latin typeface="Arial" charset="0"/>
-              </a:rPr>
-              <a:t>Variables</a:t>
-            </a:r>
-          </a:p>
-          <a:p>
-            <a:pPr lvl="2"/>
-            <a:r>
-              <a:rPr lang="en-US">
-                <a:latin typeface="Arial" charset="0"/>
-              </a:rPr>
-              <a:t>Watch window</a:t>
-            </a:r>
-          </a:p>
-          <a:p>
-            <a:pPr lvl="2"/>
-            <a:r>
-              <a:rPr lang="en-US">
-                <a:latin typeface="Arial" charset="0"/>
-              </a:rPr>
-              <a:t>Autos window</a:t>
-            </a:r>
-          </a:p>
-          <a:p>
-            <a:pPr lvl="2"/>
-            <a:r>
-              <a:rPr lang="en-US">
-                <a:latin typeface="Arial" charset="0"/>
-              </a:rPr>
-              <a:t>Locals window</a:t>
-            </a:r>
-          </a:p>
-          <a:p>
-            <a:pPr lvl="1"/>
-            <a:r>
-              <a:rPr lang="en-US">
-                <a:latin typeface="Arial" charset="0"/>
-              </a:rPr>
-              <a:t>Single step options</a:t>
-            </a:r>
-          </a:p>
-          <a:p>
-            <a:pPr lvl="2"/>
-            <a:r>
-              <a:rPr lang="en-US">
-                <a:latin typeface="Arial" charset="0"/>
-              </a:rPr>
-              <a:t>Step over</a:t>
-            </a:r>
-          </a:p>
-          <a:p>
-            <a:pPr lvl="2"/>
-            <a:r>
-              <a:rPr lang="en-US">
-                <a:latin typeface="Arial" charset="0"/>
-              </a:rPr>
-              <a:t>Step into/step out</a:t>
-            </a:r>
-          </a:p>
-          <a:p>
-            <a:pPr lvl="1"/>
-            <a:r>
-              <a:rPr lang="en-US">
-                <a:latin typeface="Arial" charset="0"/>
-              </a:rPr>
-              <a:t>Breakpoints</a:t>
-            </a:r>
-          </a:p>
-          <a:p>
-            <a:pPr lvl="2"/>
-            <a:r>
-              <a:rPr lang="en-US">
-                <a:latin typeface="Arial" charset="0"/>
-              </a:rPr>
-              <a:t>Setting breakpoints</a:t>
-            </a:r>
-          </a:p>
-          <a:p>
-            <a:pPr lvl="2"/>
-            <a:r>
-              <a:rPr lang="en-US">
-                <a:latin typeface="Arial" charset="0"/>
-              </a:rPr>
-              <a:t>Running to next breakpoint</a:t>
-            </a:r>
-          </a:p>
-          <a:p>
-            <a:endParaRPr lang="en-US">
-              <a:latin typeface="Arial" charset="0"/>
-            </a:endParaRPr>
+            <a:pPr>
+              <a:buFont typeface="Wingdings" pitchFamily="2" charset="2"/>
+              <a:buChar char="n"/>
+              <a:defRPr/>
+            </a:pPr>
+            <a:r>
+              <a:rPr lang="en-US" dirty="0" smtClean="0">
+                <a:ea typeface="+mn-ea"/>
+              </a:rPr>
+              <a:t>Most IDEs allow ability to view state of program while running through </a:t>
+            </a:r>
+            <a:r>
+              <a:rPr lang="en-US" dirty="0" smtClean="0">
+                <a:solidFill>
+                  <a:srgbClr val="0000FF"/>
+                </a:solidFill>
+                <a:ea typeface="+mn-ea"/>
+              </a:rPr>
+              <a:t>debugger</a:t>
+            </a:r>
+          </a:p>
+          <a:p>
+            <a:pPr lvl="1">
+              <a:buFont typeface="Wingdings" pitchFamily="2" charset="2"/>
+              <a:buChar char="q"/>
+              <a:defRPr/>
+            </a:pPr>
+            <a:r>
+              <a:rPr lang="en-US" dirty="0" smtClean="0"/>
+              <a:t>View variable values</a:t>
+            </a:r>
+          </a:p>
+          <a:p>
+            <a:pPr lvl="1">
+              <a:buFont typeface="Wingdings" pitchFamily="2" charset="2"/>
+              <a:buChar char="q"/>
+              <a:defRPr/>
+            </a:pPr>
+            <a:r>
+              <a:rPr lang="en-US" dirty="0" smtClean="0"/>
+              <a:t>Execute program:</a:t>
+            </a:r>
+          </a:p>
+          <a:p>
+            <a:pPr lvl="2">
+              <a:buFont typeface="Wingdings" pitchFamily="2" charset="2"/>
+              <a:buChar char="n"/>
+              <a:defRPr/>
+            </a:pPr>
+            <a:r>
+              <a:rPr lang="en-US" dirty="0" smtClean="0"/>
+              <a:t>One line at a time (</a:t>
+            </a:r>
+            <a:r>
+              <a:rPr lang="en-US" dirty="0" smtClean="0">
+                <a:solidFill>
+                  <a:srgbClr val="0000FF"/>
+                </a:solidFill>
+              </a:rPr>
+              <a:t>single step</a:t>
+            </a:r>
+            <a:r>
+              <a:rPr lang="en-US" dirty="0" smtClean="0"/>
+              <a:t>)</a:t>
+            </a:r>
+          </a:p>
+          <a:p>
+            <a:pPr lvl="2">
+              <a:buFont typeface="Wingdings" pitchFamily="2" charset="2"/>
+              <a:buChar char="n"/>
+              <a:defRPr/>
+            </a:pPr>
+            <a:r>
+              <a:rPr lang="en-US" dirty="0" smtClean="0"/>
+              <a:t>By running until reaching a pre-defined stopping point (</a:t>
+            </a:r>
+            <a:r>
+              <a:rPr lang="en-US" dirty="0" smtClean="0">
+                <a:solidFill>
+                  <a:srgbClr val="0000FF"/>
+                </a:solidFill>
+              </a:rPr>
+              <a:t>breakpoint</a:t>
+            </a:r>
+            <a:r>
+              <a:rPr lang="en-US" dirty="0" smtClean="0"/>
+              <a:t>)</a:t>
+            </a:r>
+          </a:p>
+          <a:p>
+            <a:pPr>
+              <a:buFont typeface="Wingdings" pitchFamily="2" charset="2"/>
+              <a:buChar char="n"/>
+              <a:defRPr/>
+            </a:pPr>
+            <a:r>
+              <a:rPr lang="en-US" dirty="0" smtClean="0">
+                <a:ea typeface="+mn-ea"/>
+              </a:rPr>
+              <a:t>Can isolate bugs without altering program</a:t>
+            </a:r>
+          </a:p>
+          <a:p>
+            <a:pPr lvl="1">
+              <a:buFont typeface="Wingdings" pitchFamily="2" charset="2"/>
+              <a:buChar char="q"/>
+              <a:defRPr/>
+            </a:pPr>
+            <a:r>
+              <a:rPr lang="en-US" dirty="0" smtClean="0"/>
+              <a:t>Alternate solution: inserting print statements to show program state at various points</a:t>
+            </a:r>
+          </a:p>
+          <a:p>
+            <a:pPr lvl="1">
+              <a:buFont typeface="Wingdings" pitchFamily="2" charset="2"/>
+              <a:buChar char="q"/>
+              <a:defRPr/>
+            </a:pPr>
+            <a:r>
+              <a:rPr lang="en-US" dirty="0" smtClean="0"/>
+              <a:t>Disadvantages</a:t>
+            </a:r>
+          </a:p>
+          <a:p>
+            <a:pPr lvl="2">
+              <a:buFont typeface="Wingdings" pitchFamily="2" charset="2"/>
+              <a:buChar char="n"/>
+              <a:defRPr/>
+            </a:pPr>
+            <a:r>
+              <a:rPr lang="en-US" dirty="0" smtClean="0"/>
+              <a:t>Inefficient--repeated compilation, must keep adding statements</a:t>
+            </a:r>
+          </a:p>
+          <a:p>
+            <a:pPr lvl="2">
+              <a:buFont typeface="Wingdings" pitchFamily="2" charset="2"/>
+              <a:buChar char="n"/>
+              <a:defRPr/>
+            </a:pPr>
+            <a:r>
+              <a:rPr lang="en-US" dirty="0" smtClean="0"/>
+              <a:t>May actually alter operation of other statements</a:t>
+            </a:r>
           </a:p>
         </p:txBody>
       </p:sp>
@@ -7692,7 +7725,7 @@
           </a:lstStyle>
           <a:p>
             <a:pPr eaLnBrk="1" hangingPunct="1"/>
-            <a:fld id="{0F637B01-DA74-CA44-A321-A35C3F6D4C57}" type="datetime1">
+            <a:fld id="{E20F870F-DD64-7447-B26C-99694F36900F}" type="datetime1">
               <a:rPr lang="en-US" smtClean="0">
                 <a:latin typeface="Garamond" charset="0"/>
               </a:rPr>
@@ -7861,7 +7894,7 @@
           </a:lstStyle>
           <a:p>
             <a:pPr eaLnBrk="1" hangingPunct="1"/>
-            <a:fld id="{54672413-27EC-A348-99F2-7DA6CF70FB20}" type="slidenum">
+            <a:fld id="{3992467D-A545-7545-B1A9-C912DDFF68B3}" type="slidenum">
               <a:rPr lang="en-US">
                 <a:latin typeface="Garamond" charset="0"/>
               </a:rPr>
@@ -7981,13 +8014,7 @@
               <a:rPr lang="en-US" dirty="0" smtClean="0">
                 <a:latin typeface="Arial" charset="0"/>
               </a:rPr>
-              <a:t>due 9/</a:t>
-            </a:r>
-            <a:r>
-              <a:rPr lang="en-US" dirty="0" smtClean="0">
-                <a:latin typeface="Arial" charset="0"/>
-              </a:rPr>
-              <a:t>20</a:t>
+              <a:t>due 9/20</a:t>
             </a:r>
           </a:p>
           <a:p>
@@ -8194,7 +8221,7 @@
           </a:lstStyle>
           <a:p>
             <a:pPr eaLnBrk="1" hangingPunct="1"/>
-            <a:fld id="{FA91F521-73CC-5E4B-B0A3-2FF7A5DBDBB0}" type="datetime1">
+            <a:fld id="{247B2B20-0A0E-B740-B6BA-ACBD1B12813D}" type="datetime1">
               <a:rPr lang="en-US" smtClean="0">
                 <a:latin typeface="Garamond" charset="0"/>
               </a:rPr>
@@ -8466,13 +8493,7 @@
               <a:rPr lang="en-US" dirty="0" smtClean="0">
                 <a:latin typeface="Arial" charset="0"/>
               </a:rPr>
-              <a:t>due 9/</a:t>
-            </a:r>
-            <a:r>
-              <a:rPr lang="en-US" dirty="0" smtClean="0">
-                <a:latin typeface="Arial" charset="0"/>
-              </a:rPr>
-              <a:t>20</a:t>
+              <a:t>due 9/20</a:t>
             </a:r>
           </a:p>
           <a:p>
@@ -8728,7 +8749,7 @@
           </a:lstStyle>
           <a:p>
             <a:pPr eaLnBrk="1" hangingPunct="1"/>
-            <a:fld id="{AD836E37-6291-7542-B6A3-A20D2684B90B}" type="datetime1">
+            <a:fld id="{C509BDCA-5EC7-1B4B-ABD0-E8414D7725F2}" type="datetime1">
               <a:rPr lang="en-US" smtClean="0">
                 <a:latin typeface="Garamond" charset="0"/>
               </a:rPr>
@@ -9185,7 +9206,7 @@
           </a:lstStyle>
           <a:p>
             <a:pPr eaLnBrk="1" hangingPunct="1"/>
-            <a:fld id="{39445159-99CE-DB41-8196-86D4CBD5B10F}" type="datetime1">
+            <a:fld id="{1505E142-A25B-3740-921B-A5604AEB49F7}" type="datetime1">
               <a:rPr lang="en-US" smtClean="0">
                 <a:latin typeface="Garamond" charset="0"/>
               </a:rPr>
@@ -9401,7 +9422,147 @@
       </p:grpSpPr>
       <p:sp>
         <p:nvSpPr>
-          <p:cNvPr id="7170" name="Title 1"/>
+          <p:cNvPr id="3" name="Content Placeholder 2"/>
+          <p:cNvSpPr>
+            <a:spLocks noGrp="1"/>
+          </p:cNvSpPr>
+          <p:nvPr>
+            <p:ph idx="1"/>
+          </p:nvPr>
+        </p:nvSpPr>
+        <p:spPr/>
+        <p:txBody>
+          <a:bodyPr/>
+          <a:lstStyle/>
+          <a:p>
+            <a:r>
+              <a:rPr lang="en-US">
+                <a:latin typeface="Arial" charset="0"/>
+              </a:rPr>
+              <a:t>Visual Studio users will see an error message when using scanf()</a:t>
+            </a:r>
+          </a:p>
+          <a:p>
+            <a:pPr lvl="1"/>
+            <a:r>
+              <a:rPr lang="en-US">
+                <a:latin typeface="Arial" charset="0"/>
+              </a:rPr>
+              <a:t>Function is technically not secure (not that it matters for our purposes)</a:t>
+            </a:r>
+          </a:p>
+          <a:p>
+            <a:pPr lvl="1"/>
+            <a:r>
+              <a:rPr lang="en-US">
+                <a:latin typeface="Arial" charset="0"/>
+              </a:rPr>
+              <a:t>Suggests use of scanf_s()</a:t>
+            </a:r>
+          </a:p>
+          <a:p>
+            <a:pPr lvl="2"/>
+            <a:r>
+              <a:rPr lang="en-US">
+                <a:latin typeface="Arial" charset="0"/>
+              </a:rPr>
+              <a:t>Windows-specific </a:t>
+            </a:r>
+            <a:r>
+              <a:rPr lang="ja-JP" altLang="en-US">
+                <a:latin typeface="Arial" charset="0"/>
+              </a:rPr>
+              <a:t>“</a:t>
+            </a:r>
+            <a:r>
+              <a:rPr lang="en-US">
+                <a:latin typeface="Arial" charset="0"/>
+              </a:rPr>
+              <a:t>secure</a:t>
+            </a:r>
+            <a:r>
+              <a:rPr lang="ja-JP" altLang="en-US">
+                <a:latin typeface="Arial" charset="0"/>
+              </a:rPr>
+              <a:t>”</a:t>
+            </a:r>
+            <a:r>
+              <a:rPr lang="en-US">
+                <a:latin typeface="Arial" charset="0"/>
+              </a:rPr>
+              <a:t> scan function</a:t>
+            </a:r>
+          </a:p>
+          <a:p>
+            <a:r>
+              <a:rPr lang="en-US">
+                <a:latin typeface="Arial" charset="0"/>
+              </a:rPr>
+              <a:t>Preferred method of removing warnings:</a:t>
+            </a:r>
+          </a:p>
+          <a:p>
+            <a:pPr lvl="1">
+              <a:buFont typeface="Wingdings" charset="0"/>
+              <a:buNone/>
+            </a:pPr>
+            <a:r>
+              <a:rPr lang="en-US" b="1">
+                <a:solidFill>
+                  <a:srgbClr val="0000FF"/>
+                </a:solidFill>
+                <a:latin typeface="Courier New" charset="0"/>
+                <a:cs typeface="Courier New" charset="0"/>
+              </a:rPr>
+              <a:t>#define </a:t>
+            </a:r>
+            <a:r>
+              <a:rPr lang="en-US" b="1">
+                <a:latin typeface="Courier New" charset="0"/>
+                <a:cs typeface="Courier New" charset="0"/>
+              </a:rPr>
+              <a:t>_CRT_SECURE_NO_WARNINGS</a:t>
+            </a:r>
+          </a:p>
+          <a:p>
+            <a:r>
+              <a:rPr lang="en-US">
+                <a:latin typeface="Arial" charset="0"/>
+              </a:rPr>
+              <a:t>That line must come before</a:t>
+            </a:r>
+          </a:p>
+          <a:p>
+            <a:pPr lvl="1">
+              <a:buFont typeface="Wingdings" charset="0"/>
+              <a:buNone/>
+            </a:pPr>
+            <a:r>
+              <a:rPr lang="en-US" b="1">
+                <a:solidFill>
+                  <a:srgbClr val="0000FF"/>
+                </a:solidFill>
+                <a:latin typeface="Courier New" charset="0"/>
+                <a:cs typeface="Courier New" charset="0"/>
+              </a:rPr>
+              <a:t>#include </a:t>
+            </a:r>
+            <a:r>
+              <a:rPr lang="en-US" b="1">
+                <a:solidFill>
+                  <a:srgbClr val="FF0000"/>
+                </a:solidFill>
+                <a:latin typeface="Courier New" charset="0"/>
+                <a:cs typeface="Courier New" charset="0"/>
+              </a:rPr>
+              <a:t>&lt;stdio.h&gt;</a:t>
+            </a:r>
+          </a:p>
+        </p:txBody>
+      </p:sp>
+      <p:sp>
+        <p:nvSpPr>
+          <p:cNvPr id="18435" name="Title 1"/>
           <p:cNvSpPr>
             <a:spLocks noGrp="1"/>
           </p:cNvSpPr>
@@ -9418,253 +9579,8 @@
               <a:rPr lang="en-US">
                 <a:latin typeface="Garamond" charset="0"/>
               </a:rPr>
-              <a:t>Example</a:t>
-            </a:r>
-          </a:p>
-        </p:txBody>
-      </p:sp>
-      <p:sp>
-        <p:nvSpPr>
-          <p:cNvPr id="7171" name="Content Placeholder 2"/>
-          <p:cNvSpPr>
-            <a:spLocks noGrp="1"/>
-          </p:cNvSpPr>
-          <p:nvPr>
-            <p:ph idx="1"/>
-          </p:nvPr>
-        </p:nvSpPr>
-        <p:spPr/>
-        <p:txBody>
-          <a:bodyPr/>
-          <a:lstStyle/>
-          <a:p>
-            <a:r>
-              <a:rPr lang="en-US">
-                <a:latin typeface="Arial" charset="0"/>
-              </a:rPr>
-              <a:t>Variables: </a:t>
-            </a:r>
-            <a:r>
-              <a:rPr lang="en-US">
-                <a:latin typeface="Courier New" charset="0"/>
-                <a:cs typeface="Courier New" charset="0"/>
-              </a:rPr>
-              <a:t>int i; double d; char c;</a:t>
-            </a:r>
-          </a:p>
-          <a:p>
-            <a:r>
-              <a:rPr lang="en-US">
-                <a:latin typeface="Arial" charset="0"/>
-                <a:cs typeface="Courier New" charset="0"/>
-              </a:rPr>
-              <a:t>What values are read for each of the following inputs and </a:t>
-            </a:r>
-            <a:r>
-              <a:rPr lang="en-US">
-                <a:latin typeface="Courier New" charset="0"/>
-                <a:cs typeface="Courier New" charset="0"/>
-              </a:rPr>
-              <a:t>scanf()</a:t>
-            </a:r>
-            <a:r>
-              <a:rPr lang="en-US">
-                <a:latin typeface="Arial" charset="0"/>
-                <a:cs typeface="Courier New" charset="0"/>
-              </a:rPr>
-              <a:t> calls? Assume the input is as follows: </a:t>
-            </a:r>
-            <a:r>
-              <a:rPr lang="en-US">
-                <a:latin typeface="Courier New" charset="0"/>
-                <a:cs typeface="Courier New" charset="0"/>
-              </a:rPr>
-              <a:t>34 5.7</a:t>
-            </a:r>
-          </a:p>
-          <a:p>
-            <a:pPr lvl="1"/>
-            <a:r>
-              <a:rPr lang="en-US">
-                <a:latin typeface="Courier New" charset="0"/>
-                <a:cs typeface="Courier New" charset="0"/>
-              </a:rPr>
-              <a:t>scanf("%d%lf", &amp;i, &amp;d) </a:t>
-            </a:r>
-            <a:endParaRPr lang="en-US">
-              <a:latin typeface="Courier New" charset="0"/>
-              <a:cs typeface="Courier New" charset="0"/>
-              <a:sym typeface="Wingdings" charset="0"/>
-            </a:endParaRPr>
-          </a:p>
-          <a:p>
-            <a:pPr lvl="1"/>
-            <a:r>
-              <a:rPr lang="en-US">
-                <a:latin typeface="Courier New" charset="0"/>
-                <a:cs typeface="Courier New" charset="0"/>
-                <a:sym typeface="Wingdings" charset="0"/>
-              </a:rPr>
-              <a:t>scanf(</a:t>
-            </a:r>
-            <a:r>
-              <a:rPr lang="en-US">
-                <a:latin typeface="Courier New" charset="0"/>
-                <a:cs typeface="Courier New" charset="0"/>
-              </a:rPr>
-              <a:t>"</a:t>
-            </a:r>
-            <a:r>
-              <a:rPr lang="en-US">
-                <a:latin typeface="Courier New" charset="0"/>
-                <a:cs typeface="Courier New" charset="0"/>
-                <a:sym typeface="Wingdings" charset="0"/>
-              </a:rPr>
-              <a:t>%d       %lf</a:t>
-            </a:r>
-            <a:r>
-              <a:rPr lang="en-US">
-                <a:latin typeface="Courier New" charset="0"/>
-                <a:cs typeface="Courier New" charset="0"/>
-              </a:rPr>
-              <a:t>"</a:t>
-            </a:r>
-            <a:r>
-              <a:rPr lang="en-US">
-                <a:latin typeface="Courier New" charset="0"/>
-                <a:cs typeface="Courier New" charset="0"/>
-                <a:sym typeface="Wingdings" charset="0"/>
-              </a:rPr>
-              <a:t>, &amp;i, &amp;d) </a:t>
-            </a:r>
-          </a:p>
-          <a:p>
-            <a:pPr lvl="1"/>
-            <a:r>
-              <a:rPr lang="en-US">
-                <a:latin typeface="Courier New" charset="0"/>
-                <a:cs typeface="Courier New" charset="0"/>
-                <a:sym typeface="Wingdings" charset="0"/>
-              </a:rPr>
-              <a:t>scanf(</a:t>
-            </a:r>
-            <a:r>
-              <a:rPr lang="en-US">
-                <a:latin typeface="Courier New" charset="0"/>
-                <a:cs typeface="Courier New" charset="0"/>
-              </a:rPr>
-              <a:t>"</a:t>
-            </a:r>
-            <a:r>
-              <a:rPr lang="en-US">
-                <a:latin typeface="Courier New" charset="0"/>
-                <a:cs typeface="Courier New" charset="0"/>
-                <a:sym typeface="Wingdings" charset="0"/>
-              </a:rPr>
-              <a:t>%lf%d</a:t>
-            </a:r>
-            <a:r>
-              <a:rPr lang="en-US">
-                <a:latin typeface="Courier New" charset="0"/>
-                <a:cs typeface="Courier New" charset="0"/>
-              </a:rPr>
-              <a:t>"</a:t>
-            </a:r>
-            <a:r>
-              <a:rPr lang="en-US">
-                <a:latin typeface="Courier New" charset="0"/>
-                <a:cs typeface="Courier New" charset="0"/>
-                <a:sym typeface="Wingdings" charset="0"/>
-              </a:rPr>
-              <a:t>, &amp;d, &amp;i) </a:t>
-            </a:r>
-          </a:p>
-          <a:p>
-            <a:pPr lvl="1"/>
-            <a:r>
-              <a:rPr lang="en-US">
-                <a:latin typeface="Courier New" charset="0"/>
-                <a:cs typeface="Courier New" charset="0"/>
-                <a:sym typeface="Wingdings" charset="0"/>
-              </a:rPr>
-              <a:t>scanf(</a:t>
-            </a:r>
-            <a:r>
-              <a:rPr lang="en-US">
-                <a:latin typeface="Courier New" charset="0"/>
-                <a:cs typeface="Courier New" charset="0"/>
-              </a:rPr>
-              <a:t>"</a:t>
-            </a:r>
-            <a:r>
-              <a:rPr lang="en-US">
-                <a:latin typeface="Courier New" charset="0"/>
-                <a:cs typeface="Courier New" charset="0"/>
-                <a:sym typeface="Wingdings" charset="0"/>
-              </a:rPr>
-              <a:t>%d%c</a:t>
-            </a:r>
-            <a:r>
-              <a:rPr lang="en-US">
-                <a:latin typeface="Courier New" charset="0"/>
-                <a:cs typeface="Courier New" charset="0"/>
-              </a:rPr>
-              <a:t>"</a:t>
-            </a:r>
-            <a:r>
-              <a:rPr lang="en-US">
-                <a:latin typeface="Courier New" charset="0"/>
-                <a:cs typeface="Courier New" charset="0"/>
-                <a:sym typeface="Wingdings" charset="0"/>
-              </a:rPr>
-              <a:t>, &amp;i, &amp;c) </a:t>
-            </a:r>
-          </a:p>
-          <a:p>
-            <a:pPr lvl="1"/>
-            <a:r>
-              <a:rPr lang="en-US">
-                <a:latin typeface="Courier New" charset="0"/>
-                <a:cs typeface="Courier New" charset="0"/>
-                <a:sym typeface="Wingdings" charset="0"/>
-              </a:rPr>
-              <a:t>scanf(</a:t>
-            </a:r>
-            <a:r>
-              <a:rPr lang="en-US">
-                <a:latin typeface="Courier New" charset="0"/>
-                <a:cs typeface="Courier New" charset="0"/>
-              </a:rPr>
-              <a:t>"</a:t>
-            </a:r>
-            <a:r>
-              <a:rPr lang="en-US">
-                <a:latin typeface="Courier New" charset="0"/>
-                <a:cs typeface="Courier New" charset="0"/>
-                <a:sym typeface="Wingdings" charset="0"/>
-              </a:rPr>
-              <a:t>%d %c</a:t>
-            </a:r>
-            <a:r>
-              <a:rPr lang="en-US">
-                <a:latin typeface="Courier New" charset="0"/>
-                <a:cs typeface="Courier New" charset="0"/>
-              </a:rPr>
-              <a:t>"</a:t>
-            </a:r>
-            <a:r>
-              <a:rPr lang="en-US">
-                <a:latin typeface="Courier New" charset="0"/>
-                <a:cs typeface="Courier New" charset="0"/>
-                <a:sym typeface="Wingdings" charset="0"/>
-              </a:rPr>
-              <a:t>, &amp;i, &amp;c) </a:t>
-            </a:r>
-          </a:p>
-          <a:p>
-            <a:endParaRPr lang="en-US">
-              <a:latin typeface="Arial" charset="0"/>
-            </a:endParaRPr>
+              <a:t>scanf() and scanf_s()</a:t>
+            </a:r>
           </a:p>
         </p:txBody>
       </p:sp>
@@ -9799,7 +9715,7 @@
           </a:lstStyle>
           <a:p>
             <a:pPr eaLnBrk="1" hangingPunct="1"/>
-            <a:fld id="{813DCA8E-3A74-B340-A688-95BB68EFD7E4}" type="datetime1">
+            <a:fld id="{A2A6B716-FEA8-AB4E-ADDB-365126E2A891}" type="datetime1">
               <a:rPr lang="en-US" smtClean="0">
                 <a:latin typeface="Garamond" charset="0"/>
               </a:rPr>
@@ -9968,7 +9884,7 @@
           </a:lstStyle>
           <a:p>
             <a:pPr eaLnBrk="1" hangingPunct="1"/>
-            <a:fld id="{5EC87FFD-9EEC-8145-9D1C-51F23A5669FF}" type="slidenum">
+            <a:fld id="{6F7FFB39-6A75-984D-96DE-C2375AE4B24D}" type="slidenum">
               <a:rPr lang="en-US">
                 <a:latin typeface="Garamond" charset="0"/>
               </a:rPr>
@@ -9982,6 +9898,11 @@
         </p:txBody>
       </p:sp>
     </p:spTree>
+    <p:extLst>
+      <p:ext uri="{BB962C8B-B14F-4D97-AF65-F5344CB8AC3E}">
+        <p14:creationId xmlns:p14="http://schemas.microsoft.com/office/powerpoint/2010/main" val="1205646712"/>
+      </p:ext>
+    </p:extLst>
   </p:cSld>
   <p:clrMapOvr>
     <a:masterClrMapping/>
@@ -10015,7 +9936,7 @@
       </p:grpSpPr>
       <p:sp>
         <p:nvSpPr>
-          <p:cNvPr id="8194" name="Title 1"/>
+          <p:cNvPr id="7170" name="Title 1"/>
           <p:cNvSpPr>
             <a:spLocks noGrp="1"/>
           </p:cNvSpPr>
@@ -10032,14 +9953,14 @@
               <a:rPr lang="en-US">
                 <a:latin typeface="Garamond" charset="0"/>
               </a:rPr>
-              <a:t>Example solution</a:t>
-            </a:r>
-          </a:p>
-        </p:txBody>
-      </p:sp>
-      <p:sp>
-        <p:nvSpPr>
-          <p:cNvPr id="3" name="Content Placeholder 2"/>
+              <a:t>Example</a:t>
+            </a:r>
+          </a:p>
+        </p:txBody>
+      </p:sp>
+      <p:sp>
+        <p:nvSpPr>
+          <p:cNvPr id="7171" name="Content Placeholder 2"/>
           <p:cNvSpPr>
             <a:spLocks noGrp="1"/>
           </p:cNvSpPr>
@@ -10049,464 +9970,235 @@
         </p:nvSpPr>
         <p:spPr/>
         <p:txBody>
-          <a:bodyPr>
-            <a:normAutofit fontScale="92500" lnSpcReduction="10000"/>
-          </a:bodyPr>
+          <a:bodyPr/>
           <a:lstStyle/>
           <a:p>
-            <a:pPr>
-              <a:buFont typeface="Wingdings" pitchFamily="2" charset="2"/>
-              <a:buChar char="n"/>
-              <a:defRPr/>
-            </a:pPr>
-            <a:r>
-              <a:rPr lang="en-US" dirty="0" smtClean="0">
-                <a:ea typeface="+mn-ea"/>
-                <a:cs typeface="Courier New" pitchFamily="49" charset="0"/>
+            <a:r>
+              <a:rPr lang="en-US">
+                <a:latin typeface="Arial" charset="0"/>
+              </a:rPr>
+              <a:t>Variables: </a:t>
+            </a:r>
+            <a:r>
+              <a:rPr lang="en-US">
+                <a:latin typeface="Courier New" charset="0"/>
+                <a:cs typeface="Courier New" charset="0"/>
+              </a:rPr>
+              <a:t>int i; double d; char c;</a:t>
+            </a:r>
+          </a:p>
+          <a:p>
+            <a:r>
+              <a:rPr lang="en-US">
+                <a:latin typeface="Arial" charset="0"/>
+                <a:cs typeface="Courier New" charset="0"/>
               </a:rPr>
               <a:t>What values are read for each of the following inputs and </a:t>
             </a:r>
             <a:r>
-              <a:rPr lang="en-US" dirty="0" err="1" smtClean="0">
-                <a:latin typeface="Courier New" pitchFamily="49" charset="0"/>
-                <a:ea typeface="+mn-ea"/>
-                <a:cs typeface="Courier New" pitchFamily="49" charset="0"/>
-              </a:rPr>
-              <a:t>scanf</a:t>
-            </a:r>
-            <a:r>
-              <a:rPr lang="en-US" dirty="0" smtClean="0">
-                <a:latin typeface="Courier New" pitchFamily="49" charset="0"/>
-                <a:ea typeface="+mn-ea"/>
-                <a:cs typeface="Courier New" pitchFamily="49" charset="0"/>
-              </a:rPr>
-              <a:t>()</a:t>
-            </a:r>
-            <a:r>
-              <a:rPr lang="en-US" dirty="0" smtClean="0">
-                <a:ea typeface="+mn-ea"/>
-                <a:cs typeface="Courier New" pitchFamily="49" charset="0"/>
-              </a:rPr>
-              <a:t> calls?</a:t>
-            </a:r>
-          </a:p>
-          <a:p>
-            <a:pPr lvl="1">
-              <a:buFont typeface="Wingdings" pitchFamily="2" charset="2"/>
-              <a:buChar char="q"/>
-              <a:defRPr/>
-            </a:pPr>
-            <a:r>
-              <a:rPr lang="en-US" dirty="0" err="1" smtClean="0">
-                <a:latin typeface="Courier New" pitchFamily="49" charset="0"/>
-                <a:cs typeface="Courier New" pitchFamily="49" charset="0"/>
-              </a:rPr>
-              <a:t>scanf</a:t>
-            </a:r>
-            <a:r>
-              <a:rPr lang="en-US" dirty="0" smtClean="0">
-                <a:latin typeface="Courier New" pitchFamily="49" charset="0"/>
-                <a:cs typeface="Courier New" pitchFamily="49" charset="0"/>
-              </a:rPr>
-              <a:t>(</a:t>
-            </a:r>
-            <a:r>
-              <a:rPr lang="en-US" dirty="0">
-                <a:latin typeface="Courier New" pitchFamily="49" charset="0"/>
-                <a:cs typeface="Courier New" pitchFamily="49" charset="0"/>
+              <a:rPr lang="en-US">
+                <a:latin typeface="Courier New" charset="0"/>
+                <a:cs typeface="Courier New" charset="0"/>
+              </a:rPr>
+              <a:t>scanf()</a:t>
+            </a:r>
+            <a:r>
+              <a:rPr lang="en-US">
+                <a:latin typeface="Arial" charset="0"/>
+                <a:cs typeface="Courier New" charset="0"/>
+              </a:rPr>
+              <a:t> calls? Assume the input is as follows: </a:t>
+            </a:r>
+            <a:r>
+              <a:rPr lang="en-US">
+                <a:latin typeface="Courier New" charset="0"/>
+                <a:cs typeface="Courier New" charset="0"/>
+              </a:rPr>
+              <a:t>34 5.7</a:t>
+            </a:r>
+          </a:p>
+          <a:p>
+            <a:pPr lvl="1"/>
+            <a:r>
+              <a:rPr lang="en-US">
+                <a:latin typeface="Courier New" charset="0"/>
+                <a:cs typeface="Courier New" charset="0"/>
+              </a:rPr>
+              <a:t>scanf("%d%lf", &amp;i, &amp;d) </a:t>
+            </a:r>
+            <a:endParaRPr lang="en-US">
+              <a:latin typeface="Courier New" charset="0"/>
+              <a:cs typeface="Courier New" charset="0"/>
+              <a:sym typeface="Wingdings" charset="0"/>
+            </a:endParaRPr>
+          </a:p>
+          <a:p>
+            <a:pPr lvl="1"/>
+            <a:r>
+              <a:rPr lang="en-US">
+                <a:latin typeface="Courier New" charset="0"/>
+                <a:cs typeface="Courier New" charset="0"/>
+                <a:sym typeface="Wingdings" charset="0"/>
+              </a:rPr>
+              <a:t>scanf(</a:t>
+            </a:r>
+            <a:r>
+              <a:rPr lang="en-US">
+                <a:latin typeface="Courier New" charset="0"/>
+                <a:cs typeface="Courier New" charset="0"/>
               </a:rPr>
               <a:t>"</a:t>
             </a:r>
             <a:r>
-              <a:rPr lang="en-US" dirty="0" smtClean="0">
-                <a:latin typeface="Courier New" pitchFamily="49" charset="0"/>
-                <a:cs typeface="Courier New" pitchFamily="49" charset="0"/>
-              </a:rPr>
-              <a:t>%</a:t>
-            </a:r>
-            <a:r>
-              <a:rPr lang="en-US" dirty="0" err="1" smtClean="0">
-                <a:latin typeface="Courier New" pitchFamily="49" charset="0"/>
-                <a:cs typeface="Courier New" pitchFamily="49" charset="0"/>
-              </a:rPr>
-              <a:t>d%lf</a:t>
-            </a:r>
-            <a:r>
-              <a:rPr lang="en-US" dirty="0">
-                <a:latin typeface="Courier New" pitchFamily="49" charset="0"/>
-                <a:cs typeface="Courier New" pitchFamily="49" charset="0"/>
+              <a:rPr lang="en-US">
+                <a:latin typeface="Courier New" charset="0"/>
+                <a:cs typeface="Courier New" charset="0"/>
+                <a:sym typeface="Wingdings" charset="0"/>
+              </a:rPr>
+              <a:t>%d       %lf</a:t>
+            </a:r>
+            <a:r>
+              <a:rPr lang="en-US">
+                <a:latin typeface="Courier New" charset="0"/>
+                <a:cs typeface="Courier New" charset="0"/>
               </a:rPr>
               <a:t>"</a:t>
             </a:r>
             <a:r>
-              <a:rPr lang="en-US" dirty="0" smtClean="0">
-                <a:latin typeface="Courier New" pitchFamily="49" charset="0"/>
-                <a:cs typeface="Courier New" pitchFamily="49" charset="0"/>
+              <a:rPr lang="en-US">
+                <a:latin typeface="Courier New" charset="0"/>
+                <a:cs typeface="Courier New" charset="0"/>
+                <a:sym typeface="Wingdings" charset="0"/>
               </a:rPr>
               <a:t>, &amp;i, &amp;d) </a:t>
             </a:r>
           </a:p>
           <a:p>
-            <a:pPr marL="344487" lvl="1" indent="0">
-              <a:buFont typeface="Wingdings" pitchFamily="2" charset="2"/>
-              <a:buNone/>
-              <a:defRPr/>
-            </a:pPr>
-            <a:r>
-              <a:rPr lang="en-US" dirty="0">
-                <a:latin typeface="Courier New" pitchFamily="49" charset="0"/>
-                <a:cs typeface="Courier New" pitchFamily="49" charset="0"/>
-                <a:sym typeface="Wingdings" pitchFamily="2" charset="2"/>
-              </a:rPr>
-              <a:t>	</a:t>
-            </a:r>
-            <a:r>
-              <a:rPr lang="en-US" dirty="0" smtClean="0">
-                <a:latin typeface="Courier New" pitchFamily="49" charset="0"/>
-                <a:cs typeface="Courier New" pitchFamily="49" charset="0"/>
-                <a:sym typeface="Wingdings" pitchFamily="2" charset="2"/>
-              </a:rPr>
-              <a:t> i = 34, d = 5.7</a:t>
-            </a:r>
-          </a:p>
-          <a:p>
-            <a:pPr lvl="1">
-              <a:buFont typeface="Wingdings" pitchFamily="2" charset="2"/>
-              <a:buChar char="q"/>
-              <a:defRPr/>
-            </a:pPr>
-            <a:r>
-              <a:rPr lang="en-US" dirty="0" err="1" smtClean="0">
-                <a:latin typeface="Courier New" pitchFamily="49" charset="0"/>
-                <a:cs typeface="Courier New" pitchFamily="49" charset="0"/>
-                <a:sym typeface="Wingdings" pitchFamily="2" charset="2"/>
-              </a:rPr>
-              <a:t>scanf</a:t>
-            </a:r>
-            <a:r>
-              <a:rPr lang="en-US" dirty="0" smtClean="0">
-                <a:latin typeface="Courier New" pitchFamily="49" charset="0"/>
-                <a:cs typeface="Courier New" pitchFamily="49" charset="0"/>
-                <a:sym typeface="Wingdings" pitchFamily="2" charset="2"/>
-              </a:rPr>
-              <a:t>(</a:t>
-            </a:r>
-            <a:r>
-              <a:rPr lang="en-US" dirty="0">
-                <a:latin typeface="Courier New" pitchFamily="49" charset="0"/>
-                <a:cs typeface="Courier New" pitchFamily="49" charset="0"/>
+            <a:pPr lvl="1"/>
+            <a:r>
+              <a:rPr lang="en-US">
+                <a:latin typeface="Courier New" charset="0"/>
+                <a:cs typeface="Courier New" charset="0"/>
+                <a:sym typeface="Wingdings" charset="0"/>
+              </a:rPr>
+              <a:t>scanf(</a:t>
+            </a:r>
+            <a:r>
+              <a:rPr lang="en-US">
+                <a:latin typeface="Courier New" charset="0"/>
+                <a:cs typeface="Courier New" charset="0"/>
               </a:rPr>
               <a:t>"</a:t>
             </a:r>
             <a:r>
-              <a:rPr lang="en-US" dirty="0" smtClean="0">
-                <a:latin typeface="Courier New" pitchFamily="49" charset="0"/>
-                <a:cs typeface="Courier New" pitchFamily="49" charset="0"/>
-                <a:sym typeface="Wingdings" pitchFamily="2" charset="2"/>
-              </a:rPr>
-              <a:t>%d       %lf</a:t>
-            </a:r>
-            <a:r>
-              <a:rPr lang="en-US" dirty="0">
-                <a:latin typeface="Courier New" pitchFamily="49" charset="0"/>
-                <a:cs typeface="Courier New" pitchFamily="49" charset="0"/>
+              <a:rPr lang="en-US">
+                <a:latin typeface="Courier New" charset="0"/>
+                <a:cs typeface="Courier New" charset="0"/>
+                <a:sym typeface="Wingdings" charset="0"/>
+              </a:rPr>
+              <a:t>%lf%d</a:t>
+            </a:r>
+            <a:r>
+              <a:rPr lang="en-US">
+                <a:latin typeface="Courier New" charset="0"/>
+                <a:cs typeface="Courier New" charset="0"/>
               </a:rPr>
               <a:t>"</a:t>
             </a:r>
             <a:r>
-              <a:rPr lang="en-US" dirty="0" smtClean="0">
-                <a:latin typeface="Courier New" pitchFamily="49" charset="0"/>
-                <a:cs typeface="Courier New" pitchFamily="49" charset="0"/>
-                <a:sym typeface="Wingdings" pitchFamily="2" charset="2"/>
-              </a:rPr>
-              <a:t>, &amp;i, &amp;d) </a:t>
-            </a:r>
-          </a:p>
-          <a:p>
-            <a:pPr marL="344487" lvl="1" indent="0">
-              <a:buFont typeface="Wingdings" pitchFamily="2" charset="2"/>
-              <a:buNone/>
-              <a:defRPr/>
-            </a:pPr>
-            <a:r>
-              <a:rPr lang="en-US" dirty="0">
-                <a:latin typeface="Courier New" pitchFamily="49" charset="0"/>
-                <a:cs typeface="Courier New" pitchFamily="49" charset="0"/>
-                <a:sym typeface="Wingdings" pitchFamily="2" charset="2"/>
-              </a:rPr>
-              <a:t>	</a:t>
-            </a:r>
-            <a:r>
-              <a:rPr lang="en-US" dirty="0" smtClean="0">
-                <a:latin typeface="Courier New" pitchFamily="49" charset="0"/>
-                <a:cs typeface="Courier New" pitchFamily="49" charset="0"/>
-                <a:sym typeface="Wingdings" pitchFamily="2" charset="2"/>
-              </a:rPr>
-              <a:t> i = 34, d = 5.7</a:t>
-            </a:r>
-          </a:p>
-          <a:p>
-            <a:pPr lvl="1">
-              <a:buFont typeface="Wingdings" pitchFamily="2" charset="2"/>
-              <a:buChar char="q"/>
-              <a:defRPr/>
-            </a:pPr>
-            <a:r>
-              <a:rPr lang="en-US" dirty="0" err="1" smtClean="0">
-                <a:latin typeface="Courier New" pitchFamily="49" charset="0"/>
-                <a:cs typeface="Courier New" pitchFamily="49" charset="0"/>
-                <a:sym typeface="Wingdings" pitchFamily="2" charset="2"/>
-              </a:rPr>
-              <a:t>scanf</a:t>
-            </a:r>
-            <a:r>
-              <a:rPr lang="en-US" dirty="0" smtClean="0">
-                <a:latin typeface="Courier New" pitchFamily="49" charset="0"/>
-                <a:cs typeface="Courier New" pitchFamily="49" charset="0"/>
-                <a:sym typeface="Wingdings" pitchFamily="2" charset="2"/>
-              </a:rPr>
-              <a:t>(</a:t>
-            </a:r>
-            <a:r>
-              <a:rPr lang="en-US" dirty="0">
-                <a:latin typeface="Courier New" pitchFamily="49" charset="0"/>
-                <a:cs typeface="Courier New" pitchFamily="49" charset="0"/>
+              <a:rPr lang="en-US">
+                <a:latin typeface="Courier New" charset="0"/>
+                <a:cs typeface="Courier New" charset="0"/>
+                <a:sym typeface="Wingdings" charset="0"/>
+              </a:rPr>
+              <a:t>, &amp;d, &amp;i) </a:t>
+            </a:r>
+          </a:p>
+          <a:p>
+            <a:pPr lvl="1"/>
+            <a:r>
+              <a:rPr lang="en-US">
+                <a:latin typeface="Courier New" charset="0"/>
+                <a:cs typeface="Courier New" charset="0"/>
+                <a:sym typeface="Wingdings" charset="0"/>
+              </a:rPr>
+              <a:t>scanf(</a:t>
+            </a:r>
+            <a:r>
+              <a:rPr lang="en-US">
+                <a:latin typeface="Courier New" charset="0"/>
+                <a:cs typeface="Courier New" charset="0"/>
               </a:rPr>
               <a:t>"</a:t>
             </a:r>
             <a:r>
-              <a:rPr lang="en-US" dirty="0" smtClean="0">
-                <a:latin typeface="Courier New" pitchFamily="49" charset="0"/>
-                <a:cs typeface="Courier New" pitchFamily="49" charset="0"/>
-                <a:sym typeface="Wingdings" pitchFamily="2" charset="2"/>
-              </a:rPr>
-              <a:t>%</a:t>
-            </a:r>
-            <a:r>
-              <a:rPr lang="en-US" dirty="0" err="1" smtClean="0">
-                <a:latin typeface="Courier New" pitchFamily="49" charset="0"/>
-                <a:cs typeface="Courier New" pitchFamily="49" charset="0"/>
-                <a:sym typeface="Wingdings" pitchFamily="2" charset="2"/>
-              </a:rPr>
-              <a:t>lf%d</a:t>
-            </a:r>
-            <a:r>
-              <a:rPr lang="en-US" dirty="0">
-                <a:latin typeface="Courier New" pitchFamily="49" charset="0"/>
-                <a:cs typeface="Courier New" pitchFamily="49" charset="0"/>
+              <a:rPr lang="en-US">
+                <a:latin typeface="Courier New" charset="0"/>
+                <a:cs typeface="Courier New" charset="0"/>
+                <a:sym typeface="Wingdings" charset="0"/>
+              </a:rPr>
+              <a:t>%d%c</a:t>
+            </a:r>
+            <a:r>
+              <a:rPr lang="en-US">
+                <a:latin typeface="Courier New" charset="0"/>
+                <a:cs typeface="Courier New" charset="0"/>
               </a:rPr>
               <a:t>"</a:t>
             </a:r>
             <a:r>
-              <a:rPr lang="en-US" dirty="0" smtClean="0">
-                <a:latin typeface="Courier New" pitchFamily="49" charset="0"/>
-                <a:cs typeface="Courier New" pitchFamily="49" charset="0"/>
-                <a:sym typeface="Wingdings" pitchFamily="2" charset="2"/>
-              </a:rPr>
-              <a:t>, &amp;d, &amp;i) </a:t>
-            </a:r>
-          </a:p>
-          <a:p>
-            <a:pPr marL="344487" lvl="1" indent="0">
-              <a:buFont typeface="Wingdings" pitchFamily="2" charset="2"/>
-              <a:buNone/>
-              <a:defRPr/>
-            </a:pPr>
-            <a:r>
-              <a:rPr lang="en-US" dirty="0">
-                <a:latin typeface="Courier New" pitchFamily="49" charset="0"/>
-                <a:cs typeface="Courier New" pitchFamily="49" charset="0"/>
-                <a:sym typeface="Wingdings" pitchFamily="2" charset="2"/>
-              </a:rPr>
-              <a:t>	</a:t>
-            </a:r>
-            <a:r>
-              <a:rPr lang="en-US" dirty="0" smtClean="0">
-                <a:latin typeface="Courier New" pitchFamily="49" charset="0"/>
-                <a:cs typeface="Courier New" pitchFamily="49" charset="0"/>
-                <a:sym typeface="Wingdings" pitchFamily="2" charset="2"/>
-              </a:rPr>
-              <a:t> d = 34, i = 5</a:t>
-            </a:r>
-          </a:p>
-          <a:p>
-            <a:pPr lvl="1">
-              <a:buFont typeface="Wingdings" pitchFamily="2" charset="2"/>
-              <a:buChar char="q"/>
-              <a:defRPr/>
-            </a:pPr>
-            <a:r>
-              <a:rPr lang="en-US" dirty="0" err="1" smtClean="0">
-                <a:latin typeface="Courier New" pitchFamily="49" charset="0"/>
-                <a:cs typeface="Courier New" pitchFamily="49" charset="0"/>
-                <a:sym typeface="Wingdings" pitchFamily="2" charset="2"/>
-              </a:rPr>
-              <a:t>scanf</a:t>
-            </a:r>
-            <a:r>
-              <a:rPr lang="en-US" dirty="0" smtClean="0">
-                <a:latin typeface="Courier New" pitchFamily="49" charset="0"/>
-                <a:cs typeface="Courier New" pitchFamily="49" charset="0"/>
-                <a:sym typeface="Wingdings" pitchFamily="2" charset="2"/>
-              </a:rPr>
-              <a:t>(</a:t>
-            </a:r>
-            <a:r>
-              <a:rPr lang="en-US" dirty="0">
-                <a:latin typeface="Courier New" pitchFamily="49" charset="0"/>
-                <a:cs typeface="Courier New" pitchFamily="49" charset="0"/>
+              <a:rPr lang="en-US">
+                <a:latin typeface="Courier New" charset="0"/>
+                <a:cs typeface="Courier New" charset="0"/>
+                <a:sym typeface="Wingdings" charset="0"/>
+              </a:rPr>
+              <a:t>, &amp;i, &amp;c) </a:t>
+            </a:r>
+          </a:p>
+          <a:p>
+            <a:pPr lvl="1"/>
+            <a:r>
+              <a:rPr lang="en-US">
+                <a:latin typeface="Courier New" charset="0"/>
+                <a:cs typeface="Courier New" charset="0"/>
+                <a:sym typeface="Wingdings" charset="0"/>
+              </a:rPr>
+              <a:t>scanf(</a:t>
+            </a:r>
+            <a:r>
+              <a:rPr lang="en-US">
+                <a:latin typeface="Courier New" charset="0"/>
+                <a:cs typeface="Courier New" charset="0"/>
               </a:rPr>
               <a:t>"</a:t>
             </a:r>
             <a:r>
-              <a:rPr lang="en-US" dirty="0" smtClean="0">
-                <a:latin typeface="Courier New" pitchFamily="49" charset="0"/>
-                <a:cs typeface="Courier New" pitchFamily="49" charset="0"/>
-                <a:sym typeface="Wingdings" pitchFamily="2" charset="2"/>
-              </a:rPr>
-              <a:t>%</a:t>
-            </a:r>
-            <a:r>
-              <a:rPr lang="en-US" dirty="0" err="1" smtClean="0">
-                <a:latin typeface="Courier New" pitchFamily="49" charset="0"/>
-                <a:cs typeface="Courier New" pitchFamily="49" charset="0"/>
-                <a:sym typeface="Wingdings" pitchFamily="2" charset="2"/>
-              </a:rPr>
-              <a:t>d%c</a:t>
-            </a:r>
-            <a:r>
-              <a:rPr lang="en-US" dirty="0">
-                <a:latin typeface="Courier New" pitchFamily="49" charset="0"/>
-                <a:cs typeface="Courier New" pitchFamily="49" charset="0"/>
+              <a:rPr lang="en-US">
+                <a:latin typeface="Courier New" charset="0"/>
+                <a:cs typeface="Courier New" charset="0"/>
+                <a:sym typeface="Wingdings" charset="0"/>
+              </a:rPr>
+              <a:t>%d %c</a:t>
+            </a:r>
+            <a:r>
+              <a:rPr lang="en-US">
+                <a:latin typeface="Courier New" charset="0"/>
+                <a:cs typeface="Courier New" charset="0"/>
               </a:rPr>
               <a:t>"</a:t>
             </a:r>
             <a:r>
-              <a:rPr lang="en-US" dirty="0" smtClean="0">
-                <a:latin typeface="Courier New" pitchFamily="49" charset="0"/>
-                <a:cs typeface="Courier New" pitchFamily="49" charset="0"/>
-                <a:sym typeface="Wingdings" pitchFamily="2" charset="2"/>
+              <a:rPr lang="en-US">
+                <a:latin typeface="Courier New" charset="0"/>
+                <a:cs typeface="Courier New" charset="0"/>
+                <a:sym typeface="Wingdings" charset="0"/>
               </a:rPr>
               <a:t>, &amp;i, &amp;c) </a:t>
             </a:r>
           </a:p>
           <a:p>
-            <a:pPr marL="344487" lvl="1" indent="0">
-              <a:buFont typeface="Wingdings" pitchFamily="2" charset="2"/>
-              <a:buNone/>
-              <a:defRPr/>
-            </a:pPr>
-            <a:r>
-              <a:rPr lang="en-US" dirty="0">
-                <a:latin typeface="Courier New" pitchFamily="49" charset="0"/>
-                <a:cs typeface="Courier New" pitchFamily="49" charset="0"/>
-                <a:sym typeface="Wingdings" pitchFamily="2" charset="2"/>
-              </a:rPr>
-              <a:t>	</a:t>
-            </a:r>
-            <a:r>
-              <a:rPr lang="en-US" dirty="0" smtClean="0">
-                <a:latin typeface="Courier New" pitchFamily="49" charset="0"/>
-                <a:cs typeface="Courier New" pitchFamily="49" charset="0"/>
-                <a:sym typeface="Wingdings" pitchFamily="2" charset="2"/>
-              </a:rPr>
-              <a:t> i = 34, c = ' ' </a:t>
-            </a:r>
-            <a:r>
-              <a:rPr lang="en-US" dirty="0" smtClean="0">
-                <a:cs typeface="Courier New" pitchFamily="49" charset="0"/>
-                <a:sym typeface="Wingdings" pitchFamily="2" charset="2"/>
-              </a:rPr>
-              <a:t>(space)</a:t>
-            </a:r>
-          </a:p>
-          <a:p>
-            <a:pPr lvl="1">
-              <a:buFont typeface="Wingdings" pitchFamily="2" charset="2"/>
-              <a:buChar char="q"/>
-              <a:defRPr/>
-            </a:pPr>
-            <a:r>
-              <a:rPr lang="en-US" dirty="0" err="1" smtClean="0">
-                <a:latin typeface="Courier New" pitchFamily="49" charset="0"/>
-                <a:cs typeface="Courier New" pitchFamily="49" charset="0"/>
-                <a:sym typeface="Wingdings" pitchFamily="2" charset="2"/>
-              </a:rPr>
-              <a:t>scanf</a:t>
-            </a:r>
-            <a:r>
-              <a:rPr lang="en-US" dirty="0" smtClean="0">
-                <a:latin typeface="Courier New" pitchFamily="49" charset="0"/>
-                <a:cs typeface="Courier New" pitchFamily="49" charset="0"/>
-                <a:sym typeface="Wingdings" pitchFamily="2" charset="2"/>
-              </a:rPr>
-              <a:t>(</a:t>
-            </a:r>
-            <a:r>
-              <a:rPr lang="en-US" dirty="0">
-                <a:latin typeface="Courier New" pitchFamily="49" charset="0"/>
-                <a:cs typeface="Courier New" pitchFamily="49" charset="0"/>
-              </a:rPr>
-              <a:t>"</a:t>
-            </a:r>
-            <a:r>
-              <a:rPr lang="en-US" dirty="0" smtClean="0">
-                <a:latin typeface="Courier New" pitchFamily="49" charset="0"/>
-                <a:cs typeface="Courier New" pitchFamily="49" charset="0"/>
-                <a:sym typeface="Wingdings" pitchFamily="2" charset="2"/>
-              </a:rPr>
-              <a:t>%d %c</a:t>
-            </a:r>
-            <a:r>
-              <a:rPr lang="en-US" dirty="0">
-                <a:latin typeface="Courier New" pitchFamily="49" charset="0"/>
-                <a:cs typeface="Courier New" pitchFamily="49" charset="0"/>
-              </a:rPr>
-              <a:t>"</a:t>
-            </a:r>
-            <a:r>
-              <a:rPr lang="en-US" dirty="0" smtClean="0">
-                <a:latin typeface="Courier New" pitchFamily="49" charset="0"/>
-                <a:cs typeface="Courier New" pitchFamily="49" charset="0"/>
-                <a:sym typeface="Wingdings" pitchFamily="2" charset="2"/>
-              </a:rPr>
-              <a:t>, &amp;i, &amp;c) </a:t>
-            </a:r>
-          </a:p>
-          <a:p>
-            <a:pPr marL="344487" lvl="1" indent="0">
-              <a:buFont typeface="Wingdings" pitchFamily="2" charset="2"/>
-              <a:buNone/>
-              <a:defRPr/>
-            </a:pPr>
-            <a:r>
-              <a:rPr lang="en-US" dirty="0">
-                <a:latin typeface="Courier New" pitchFamily="49" charset="0"/>
-                <a:cs typeface="Courier New" pitchFamily="49" charset="0"/>
-                <a:sym typeface="Wingdings" pitchFamily="2" charset="2"/>
-              </a:rPr>
-              <a:t>	</a:t>
-            </a:r>
-            <a:r>
-              <a:rPr lang="en-US" dirty="0" smtClean="0">
-                <a:latin typeface="Courier New" pitchFamily="49" charset="0"/>
-                <a:cs typeface="Courier New" pitchFamily="49" charset="0"/>
-                <a:sym typeface="Wingdings" pitchFamily="2" charset="2"/>
-              </a:rPr>
-              <a:t> i = 34, c </a:t>
-            </a:r>
-            <a:r>
-              <a:rPr lang="en-US" smtClean="0">
-                <a:latin typeface="Courier New" pitchFamily="49" charset="0"/>
-                <a:cs typeface="Courier New" pitchFamily="49" charset="0"/>
-                <a:sym typeface="Wingdings" pitchFamily="2" charset="2"/>
-              </a:rPr>
-              <a:t>= '5'</a:t>
-            </a:r>
-            <a:endParaRPr lang="en-US" dirty="0" smtClean="0">
-              <a:latin typeface="Courier New" pitchFamily="49" charset="0"/>
-              <a:cs typeface="Courier New" pitchFamily="49" charset="0"/>
-              <a:sym typeface="Wingdings" pitchFamily="2" charset="2"/>
+            <a:endParaRPr lang="en-US">
+              <a:latin typeface="Arial" charset="0"/>
             </a:endParaRPr>
           </a:p>
         </p:txBody>
@@ -10642,7 +10334,7 @@
           </a:lstStyle>
           <a:p>
             <a:pPr eaLnBrk="1" hangingPunct="1"/>
-            <a:fld id="{119356FE-782F-7742-A4C5-B2D1B557BD49}" type="datetime1">
+            <a:fld id="{66EB42EA-CF1E-E549-831E-49AD270290DD}" type="datetime1">
               <a:rPr lang="en-US" smtClean="0">
                 <a:latin typeface="Garamond" charset="0"/>
               </a:rPr>
@@ -10811,7 +10503,7 @@
           </a:lstStyle>
           <a:p>
             <a:pPr eaLnBrk="1" hangingPunct="1"/>
-            <a:fld id="{D5A2CD54-270B-CE42-B05F-1FE50264FFA0}" type="slidenum">
+            <a:fld id="{5EC87FFD-9EEC-8145-9D1C-51F23A5669FF}" type="slidenum">
               <a:rPr lang="en-US">
                 <a:latin typeface="Garamond" charset="0"/>
               </a:rPr>
@@ -10858,7 +10550,7 @@
       </p:grpSpPr>
       <p:sp>
         <p:nvSpPr>
-          <p:cNvPr id="11266" name="Title 1"/>
+          <p:cNvPr id="8194" name="Title 1"/>
           <p:cNvSpPr>
             <a:spLocks noGrp="1"/>
           </p:cNvSpPr>
@@ -10875,14 +10567,14 @@
               <a:rPr lang="en-US">
                 <a:latin typeface="Garamond" charset="0"/>
               </a:rPr>
-              <a:t>Flowcharts</a:t>
-            </a:r>
-          </a:p>
-        </p:txBody>
-      </p:sp>
-      <p:sp>
-        <p:nvSpPr>
-          <p:cNvPr id="11267" name="Content Placeholder 2"/>
+              <a:t>Example solution</a:t>
+            </a:r>
+          </a:p>
+        </p:txBody>
+      </p:sp>
+      <p:sp>
+        <p:nvSpPr>
+          <p:cNvPr id="3" name="Content Placeholder 2"/>
           <p:cNvSpPr>
             <a:spLocks noGrp="1"/>
           </p:cNvSpPr>
@@ -10892,41 +10584,465 @@
         </p:nvSpPr>
         <p:spPr/>
         <p:txBody>
-          <a:bodyPr/>
+          <a:bodyPr>
+            <a:normAutofit fontScale="92500" lnSpcReduction="10000"/>
+          </a:bodyPr>
           <a:lstStyle/>
           <a:p>
-            <a:r>
-              <a:rPr lang="en-US">
-                <a:latin typeface="Arial" charset="0"/>
-              </a:rPr>
-              <a:t>Graphical representation of process</a:t>
-            </a:r>
-          </a:p>
-          <a:p>
-            <a:pPr lvl="1"/>
-            <a:r>
-              <a:rPr lang="en-US">
-                <a:latin typeface="Arial" charset="0"/>
-              </a:rPr>
-              <a:t>Shows all steps and their order</a:t>
-            </a:r>
-          </a:p>
-          <a:p>
-            <a:pPr lvl="1"/>
-            <a:r>
-              <a:rPr lang="en-US">
-                <a:latin typeface="Arial" charset="0"/>
-              </a:rPr>
-              <a:t>In programming, use to organize program before writing code</a:t>
-            </a:r>
-          </a:p>
-          <a:p>
-            <a:r>
-              <a:rPr lang="en-US">
-                <a:latin typeface="Arial" charset="0"/>
-              </a:rPr>
-              <a:t>Basic elements</a:t>
-            </a:r>
+            <a:pPr>
+              <a:buFont typeface="Wingdings" pitchFamily="2" charset="2"/>
+              <a:buChar char="n"/>
+              <a:defRPr/>
+            </a:pPr>
+            <a:r>
+              <a:rPr lang="en-US" dirty="0" smtClean="0">
+                <a:ea typeface="+mn-ea"/>
+                <a:cs typeface="Courier New" pitchFamily="49" charset="0"/>
+              </a:rPr>
+              <a:t>What values are read for each of the following inputs and </a:t>
+            </a:r>
+            <a:r>
+              <a:rPr lang="en-US" dirty="0" err="1" smtClean="0">
+                <a:latin typeface="Courier New" pitchFamily="49" charset="0"/>
+                <a:ea typeface="+mn-ea"/>
+                <a:cs typeface="Courier New" pitchFamily="49" charset="0"/>
+              </a:rPr>
+              <a:t>scanf</a:t>
+            </a:r>
+            <a:r>
+              <a:rPr lang="en-US" dirty="0" smtClean="0">
+                <a:latin typeface="Courier New" pitchFamily="49" charset="0"/>
+                <a:ea typeface="+mn-ea"/>
+                <a:cs typeface="Courier New" pitchFamily="49" charset="0"/>
+              </a:rPr>
+              <a:t>()</a:t>
+            </a:r>
+            <a:r>
+              <a:rPr lang="en-US" dirty="0" smtClean="0">
+                <a:ea typeface="+mn-ea"/>
+                <a:cs typeface="Courier New" pitchFamily="49" charset="0"/>
+              </a:rPr>
+              <a:t> calls?</a:t>
+            </a:r>
+          </a:p>
+          <a:p>
+            <a:pPr lvl="1">
+              <a:buFont typeface="Wingdings" pitchFamily="2" charset="2"/>
+              <a:buChar char="q"/>
+              <a:defRPr/>
+            </a:pPr>
+            <a:r>
+              <a:rPr lang="en-US" dirty="0" err="1" smtClean="0">
+                <a:latin typeface="Courier New" pitchFamily="49" charset="0"/>
+                <a:cs typeface="Courier New" pitchFamily="49" charset="0"/>
+              </a:rPr>
+              <a:t>scanf</a:t>
+            </a:r>
+            <a:r>
+              <a:rPr lang="en-US" dirty="0" smtClean="0">
+                <a:latin typeface="Courier New" pitchFamily="49" charset="0"/>
+                <a:cs typeface="Courier New" pitchFamily="49" charset="0"/>
+              </a:rPr>
+              <a:t>(</a:t>
+            </a:r>
+            <a:r>
+              <a:rPr lang="en-US" dirty="0">
+                <a:latin typeface="Courier New" pitchFamily="49" charset="0"/>
+                <a:cs typeface="Courier New" pitchFamily="49" charset="0"/>
+              </a:rPr>
+              <a:t>"</a:t>
+            </a:r>
+            <a:r>
+              <a:rPr lang="en-US" dirty="0" smtClean="0">
+                <a:latin typeface="Courier New" pitchFamily="49" charset="0"/>
+                <a:cs typeface="Courier New" pitchFamily="49" charset="0"/>
+              </a:rPr>
+              <a:t>%</a:t>
+            </a:r>
+            <a:r>
+              <a:rPr lang="en-US" dirty="0" err="1" smtClean="0">
+                <a:latin typeface="Courier New" pitchFamily="49" charset="0"/>
+                <a:cs typeface="Courier New" pitchFamily="49" charset="0"/>
+              </a:rPr>
+              <a:t>d%lf</a:t>
+            </a:r>
+            <a:r>
+              <a:rPr lang="en-US" dirty="0">
+                <a:latin typeface="Courier New" pitchFamily="49" charset="0"/>
+                <a:cs typeface="Courier New" pitchFamily="49" charset="0"/>
+              </a:rPr>
+              <a:t>"</a:t>
+            </a:r>
+            <a:r>
+              <a:rPr lang="en-US" dirty="0" smtClean="0">
+                <a:latin typeface="Courier New" pitchFamily="49" charset="0"/>
+                <a:cs typeface="Courier New" pitchFamily="49" charset="0"/>
+              </a:rPr>
+              <a:t>, &amp;i, &amp;d) </a:t>
+            </a:r>
+          </a:p>
+          <a:p>
+            <a:pPr marL="344487" lvl="1" indent="0">
+              <a:buFont typeface="Wingdings" pitchFamily="2" charset="2"/>
+              <a:buNone/>
+              <a:defRPr/>
+            </a:pPr>
+            <a:r>
+              <a:rPr lang="en-US" dirty="0">
+                <a:latin typeface="Courier New" pitchFamily="49" charset="0"/>
+                <a:cs typeface="Courier New" pitchFamily="49" charset="0"/>
+                <a:sym typeface="Wingdings" pitchFamily="2" charset="2"/>
+              </a:rPr>
+              <a:t>	</a:t>
+            </a:r>
+            <a:r>
+              <a:rPr lang="en-US" dirty="0" smtClean="0">
+                <a:latin typeface="Courier New" pitchFamily="49" charset="0"/>
+                <a:cs typeface="Courier New" pitchFamily="49" charset="0"/>
+                <a:sym typeface="Wingdings" pitchFamily="2" charset="2"/>
+              </a:rPr>
+              <a:t> i = 34, d = 5.7</a:t>
+            </a:r>
+          </a:p>
+          <a:p>
+            <a:pPr lvl="1">
+              <a:buFont typeface="Wingdings" pitchFamily="2" charset="2"/>
+              <a:buChar char="q"/>
+              <a:defRPr/>
+            </a:pPr>
+            <a:r>
+              <a:rPr lang="en-US" dirty="0" err="1" smtClean="0">
+                <a:latin typeface="Courier New" pitchFamily="49" charset="0"/>
+                <a:cs typeface="Courier New" pitchFamily="49" charset="0"/>
+                <a:sym typeface="Wingdings" pitchFamily="2" charset="2"/>
+              </a:rPr>
+              <a:t>scanf</a:t>
+            </a:r>
+            <a:r>
+              <a:rPr lang="en-US" dirty="0" smtClean="0">
+                <a:latin typeface="Courier New" pitchFamily="49" charset="0"/>
+                <a:cs typeface="Courier New" pitchFamily="49" charset="0"/>
+                <a:sym typeface="Wingdings" pitchFamily="2" charset="2"/>
+              </a:rPr>
+              <a:t>(</a:t>
+            </a:r>
+            <a:r>
+              <a:rPr lang="en-US" dirty="0">
+                <a:latin typeface="Courier New" pitchFamily="49" charset="0"/>
+                <a:cs typeface="Courier New" pitchFamily="49" charset="0"/>
+              </a:rPr>
+              <a:t>"</a:t>
+            </a:r>
+            <a:r>
+              <a:rPr lang="en-US" dirty="0" smtClean="0">
+                <a:latin typeface="Courier New" pitchFamily="49" charset="0"/>
+                <a:cs typeface="Courier New" pitchFamily="49" charset="0"/>
+                <a:sym typeface="Wingdings" pitchFamily="2" charset="2"/>
+              </a:rPr>
+              <a:t>%d       %lf</a:t>
+            </a:r>
+            <a:r>
+              <a:rPr lang="en-US" dirty="0">
+                <a:latin typeface="Courier New" pitchFamily="49" charset="0"/>
+                <a:cs typeface="Courier New" pitchFamily="49" charset="0"/>
+              </a:rPr>
+              <a:t>"</a:t>
+            </a:r>
+            <a:r>
+              <a:rPr lang="en-US" dirty="0" smtClean="0">
+                <a:latin typeface="Courier New" pitchFamily="49" charset="0"/>
+                <a:cs typeface="Courier New" pitchFamily="49" charset="0"/>
+                <a:sym typeface="Wingdings" pitchFamily="2" charset="2"/>
+              </a:rPr>
+              <a:t>, &amp;i, &amp;d) </a:t>
+            </a:r>
+          </a:p>
+          <a:p>
+            <a:pPr marL="344487" lvl="1" indent="0">
+              <a:buFont typeface="Wingdings" pitchFamily="2" charset="2"/>
+              <a:buNone/>
+              <a:defRPr/>
+            </a:pPr>
+            <a:r>
+              <a:rPr lang="en-US" dirty="0">
+                <a:latin typeface="Courier New" pitchFamily="49" charset="0"/>
+                <a:cs typeface="Courier New" pitchFamily="49" charset="0"/>
+                <a:sym typeface="Wingdings" pitchFamily="2" charset="2"/>
+              </a:rPr>
+              <a:t>	</a:t>
+            </a:r>
+            <a:r>
+              <a:rPr lang="en-US" dirty="0" smtClean="0">
+                <a:latin typeface="Courier New" pitchFamily="49" charset="0"/>
+                <a:cs typeface="Courier New" pitchFamily="49" charset="0"/>
+                <a:sym typeface="Wingdings" pitchFamily="2" charset="2"/>
+              </a:rPr>
+              <a:t> i = 34, d = 5.7</a:t>
+            </a:r>
+          </a:p>
+          <a:p>
+            <a:pPr lvl="1">
+              <a:buFont typeface="Wingdings" pitchFamily="2" charset="2"/>
+              <a:buChar char="q"/>
+              <a:defRPr/>
+            </a:pPr>
+            <a:r>
+              <a:rPr lang="en-US" dirty="0" err="1" smtClean="0">
+                <a:latin typeface="Courier New" pitchFamily="49" charset="0"/>
+                <a:cs typeface="Courier New" pitchFamily="49" charset="0"/>
+                <a:sym typeface="Wingdings" pitchFamily="2" charset="2"/>
+              </a:rPr>
+              <a:t>scanf</a:t>
+            </a:r>
+            <a:r>
+              <a:rPr lang="en-US" dirty="0" smtClean="0">
+                <a:latin typeface="Courier New" pitchFamily="49" charset="0"/>
+                <a:cs typeface="Courier New" pitchFamily="49" charset="0"/>
+                <a:sym typeface="Wingdings" pitchFamily="2" charset="2"/>
+              </a:rPr>
+              <a:t>(</a:t>
+            </a:r>
+            <a:r>
+              <a:rPr lang="en-US" dirty="0">
+                <a:latin typeface="Courier New" pitchFamily="49" charset="0"/>
+                <a:cs typeface="Courier New" pitchFamily="49" charset="0"/>
+              </a:rPr>
+              <a:t>"</a:t>
+            </a:r>
+            <a:r>
+              <a:rPr lang="en-US" dirty="0" smtClean="0">
+                <a:latin typeface="Courier New" pitchFamily="49" charset="0"/>
+                <a:cs typeface="Courier New" pitchFamily="49" charset="0"/>
+                <a:sym typeface="Wingdings" pitchFamily="2" charset="2"/>
+              </a:rPr>
+              <a:t>%</a:t>
+            </a:r>
+            <a:r>
+              <a:rPr lang="en-US" dirty="0" err="1" smtClean="0">
+                <a:latin typeface="Courier New" pitchFamily="49" charset="0"/>
+                <a:cs typeface="Courier New" pitchFamily="49" charset="0"/>
+                <a:sym typeface="Wingdings" pitchFamily="2" charset="2"/>
+              </a:rPr>
+              <a:t>lf%d</a:t>
+            </a:r>
+            <a:r>
+              <a:rPr lang="en-US" dirty="0">
+                <a:latin typeface="Courier New" pitchFamily="49" charset="0"/>
+                <a:cs typeface="Courier New" pitchFamily="49" charset="0"/>
+              </a:rPr>
+              <a:t>"</a:t>
+            </a:r>
+            <a:r>
+              <a:rPr lang="en-US" dirty="0" smtClean="0">
+                <a:latin typeface="Courier New" pitchFamily="49" charset="0"/>
+                <a:cs typeface="Courier New" pitchFamily="49" charset="0"/>
+                <a:sym typeface="Wingdings" pitchFamily="2" charset="2"/>
+              </a:rPr>
+              <a:t>, &amp;d, &amp;i) </a:t>
+            </a:r>
+          </a:p>
+          <a:p>
+            <a:pPr marL="344487" lvl="1" indent="0">
+              <a:buFont typeface="Wingdings" pitchFamily="2" charset="2"/>
+              <a:buNone/>
+              <a:defRPr/>
+            </a:pPr>
+            <a:r>
+              <a:rPr lang="en-US" dirty="0">
+                <a:latin typeface="Courier New" pitchFamily="49" charset="0"/>
+                <a:cs typeface="Courier New" pitchFamily="49" charset="0"/>
+                <a:sym typeface="Wingdings" pitchFamily="2" charset="2"/>
+              </a:rPr>
+              <a:t>	</a:t>
+            </a:r>
+            <a:r>
+              <a:rPr lang="en-US" dirty="0" smtClean="0">
+                <a:latin typeface="Courier New" pitchFamily="49" charset="0"/>
+                <a:cs typeface="Courier New" pitchFamily="49" charset="0"/>
+                <a:sym typeface="Wingdings" pitchFamily="2" charset="2"/>
+              </a:rPr>
+              <a:t> d = 34, i = 5</a:t>
+            </a:r>
+          </a:p>
+          <a:p>
+            <a:pPr lvl="1">
+              <a:buFont typeface="Wingdings" pitchFamily="2" charset="2"/>
+              <a:buChar char="q"/>
+              <a:defRPr/>
+            </a:pPr>
+            <a:r>
+              <a:rPr lang="en-US" dirty="0" err="1" smtClean="0">
+                <a:latin typeface="Courier New" pitchFamily="49" charset="0"/>
+                <a:cs typeface="Courier New" pitchFamily="49" charset="0"/>
+                <a:sym typeface="Wingdings" pitchFamily="2" charset="2"/>
+              </a:rPr>
+              <a:t>scanf</a:t>
+            </a:r>
+            <a:r>
+              <a:rPr lang="en-US" dirty="0" smtClean="0">
+                <a:latin typeface="Courier New" pitchFamily="49" charset="0"/>
+                <a:cs typeface="Courier New" pitchFamily="49" charset="0"/>
+                <a:sym typeface="Wingdings" pitchFamily="2" charset="2"/>
+              </a:rPr>
+              <a:t>(</a:t>
+            </a:r>
+            <a:r>
+              <a:rPr lang="en-US" dirty="0">
+                <a:latin typeface="Courier New" pitchFamily="49" charset="0"/>
+                <a:cs typeface="Courier New" pitchFamily="49" charset="0"/>
+              </a:rPr>
+              <a:t>"</a:t>
+            </a:r>
+            <a:r>
+              <a:rPr lang="en-US" dirty="0" smtClean="0">
+                <a:latin typeface="Courier New" pitchFamily="49" charset="0"/>
+                <a:cs typeface="Courier New" pitchFamily="49" charset="0"/>
+                <a:sym typeface="Wingdings" pitchFamily="2" charset="2"/>
+              </a:rPr>
+              <a:t>%</a:t>
+            </a:r>
+            <a:r>
+              <a:rPr lang="en-US" dirty="0" err="1" smtClean="0">
+                <a:latin typeface="Courier New" pitchFamily="49" charset="0"/>
+                <a:cs typeface="Courier New" pitchFamily="49" charset="0"/>
+                <a:sym typeface="Wingdings" pitchFamily="2" charset="2"/>
+              </a:rPr>
+              <a:t>d%c</a:t>
+            </a:r>
+            <a:r>
+              <a:rPr lang="en-US" dirty="0">
+                <a:latin typeface="Courier New" pitchFamily="49" charset="0"/>
+                <a:cs typeface="Courier New" pitchFamily="49" charset="0"/>
+              </a:rPr>
+              <a:t>"</a:t>
+            </a:r>
+            <a:r>
+              <a:rPr lang="en-US" dirty="0" smtClean="0">
+                <a:latin typeface="Courier New" pitchFamily="49" charset="0"/>
+                <a:cs typeface="Courier New" pitchFamily="49" charset="0"/>
+                <a:sym typeface="Wingdings" pitchFamily="2" charset="2"/>
+              </a:rPr>
+              <a:t>, &amp;i, &amp;c) </a:t>
+            </a:r>
+          </a:p>
+          <a:p>
+            <a:pPr marL="344487" lvl="1" indent="0">
+              <a:buFont typeface="Wingdings" pitchFamily="2" charset="2"/>
+              <a:buNone/>
+              <a:defRPr/>
+            </a:pPr>
+            <a:r>
+              <a:rPr lang="en-US" dirty="0">
+                <a:latin typeface="Courier New" pitchFamily="49" charset="0"/>
+                <a:cs typeface="Courier New" pitchFamily="49" charset="0"/>
+                <a:sym typeface="Wingdings" pitchFamily="2" charset="2"/>
+              </a:rPr>
+              <a:t>	</a:t>
+            </a:r>
+            <a:r>
+              <a:rPr lang="en-US" dirty="0" smtClean="0">
+                <a:latin typeface="Courier New" pitchFamily="49" charset="0"/>
+                <a:cs typeface="Courier New" pitchFamily="49" charset="0"/>
+                <a:sym typeface="Wingdings" pitchFamily="2" charset="2"/>
+              </a:rPr>
+              <a:t> i = 34, c = ' ' </a:t>
+            </a:r>
+            <a:r>
+              <a:rPr lang="en-US" dirty="0" smtClean="0">
+                <a:cs typeface="Courier New" pitchFamily="49" charset="0"/>
+                <a:sym typeface="Wingdings" pitchFamily="2" charset="2"/>
+              </a:rPr>
+              <a:t>(space)</a:t>
+            </a:r>
+          </a:p>
+          <a:p>
+            <a:pPr lvl="1">
+              <a:buFont typeface="Wingdings" pitchFamily="2" charset="2"/>
+              <a:buChar char="q"/>
+              <a:defRPr/>
+            </a:pPr>
+            <a:r>
+              <a:rPr lang="en-US" dirty="0" err="1" smtClean="0">
+                <a:latin typeface="Courier New" pitchFamily="49" charset="0"/>
+                <a:cs typeface="Courier New" pitchFamily="49" charset="0"/>
+                <a:sym typeface="Wingdings" pitchFamily="2" charset="2"/>
+              </a:rPr>
+              <a:t>scanf</a:t>
+            </a:r>
+            <a:r>
+              <a:rPr lang="en-US" dirty="0" smtClean="0">
+                <a:latin typeface="Courier New" pitchFamily="49" charset="0"/>
+                <a:cs typeface="Courier New" pitchFamily="49" charset="0"/>
+                <a:sym typeface="Wingdings" pitchFamily="2" charset="2"/>
+              </a:rPr>
+              <a:t>(</a:t>
+            </a:r>
+            <a:r>
+              <a:rPr lang="en-US" dirty="0">
+                <a:latin typeface="Courier New" pitchFamily="49" charset="0"/>
+                <a:cs typeface="Courier New" pitchFamily="49" charset="0"/>
+              </a:rPr>
+              <a:t>"</a:t>
+            </a:r>
+            <a:r>
+              <a:rPr lang="en-US" dirty="0" smtClean="0">
+                <a:latin typeface="Courier New" pitchFamily="49" charset="0"/>
+                <a:cs typeface="Courier New" pitchFamily="49" charset="0"/>
+                <a:sym typeface="Wingdings" pitchFamily="2" charset="2"/>
+              </a:rPr>
+              <a:t>%d %c</a:t>
+            </a:r>
+            <a:r>
+              <a:rPr lang="en-US" dirty="0">
+                <a:latin typeface="Courier New" pitchFamily="49" charset="0"/>
+                <a:cs typeface="Courier New" pitchFamily="49" charset="0"/>
+              </a:rPr>
+              <a:t>"</a:t>
+            </a:r>
+            <a:r>
+              <a:rPr lang="en-US" dirty="0" smtClean="0">
+                <a:latin typeface="Courier New" pitchFamily="49" charset="0"/>
+                <a:cs typeface="Courier New" pitchFamily="49" charset="0"/>
+                <a:sym typeface="Wingdings" pitchFamily="2" charset="2"/>
+              </a:rPr>
+              <a:t>, &amp;i, &amp;c) </a:t>
+            </a:r>
+          </a:p>
+          <a:p>
+            <a:pPr marL="344487" lvl="1" indent="0">
+              <a:buFont typeface="Wingdings" pitchFamily="2" charset="2"/>
+              <a:buNone/>
+              <a:defRPr/>
+            </a:pPr>
+            <a:r>
+              <a:rPr lang="en-US" dirty="0">
+                <a:latin typeface="Courier New" pitchFamily="49" charset="0"/>
+                <a:cs typeface="Courier New" pitchFamily="49" charset="0"/>
+                <a:sym typeface="Wingdings" pitchFamily="2" charset="2"/>
+              </a:rPr>
+              <a:t>	</a:t>
+            </a:r>
+            <a:r>
+              <a:rPr lang="en-US" dirty="0" smtClean="0">
+                <a:latin typeface="Courier New" pitchFamily="49" charset="0"/>
+                <a:cs typeface="Courier New" pitchFamily="49" charset="0"/>
+                <a:sym typeface="Wingdings" pitchFamily="2" charset="2"/>
+              </a:rPr>
+              <a:t> i = 34, c </a:t>
+            </a:r>
+            <a:r>
+              <a:rPr lang="en-US" smtClean="0">
+                <a:latin typeface="Courier New" pitchFamily="49" charset="0"/>
+                <a:cs typeface="Courier New" pitchFamily="49" charset="0"/>
+                <a:sym typeface="Wingdings" pitchFamily="2" charset="2"/>
+              </a:rPr>
+              <a:t>= '5'</a:t>
+            </a:r>
+            <a:endParaRPr lang="en-US" dirty="0" smtClean="0">
+              <a:latin typeface="Courier New" pitchFamily="49" charset="0"/>
+              <a:cs typeface="Courier New" pitchFamily="49" charset="0"/>
+              <a:sym typeface="Wingdings" pitchFamily="2" charset="2"/>
+            </a:endParaRPr>
           </a:p>
         </p:txBody>
       </p:sp>
@@ -11061,7 +11177,7 @@
           </a:lstStyle>
           <a:p>
             <a:pPr eaLnBrk="1" hangingPunct="1"/>
-            <a:fld id="{6F42A189-2435-6046-B923-1F0670970DDE}" type="datetime1">
+            <a:fld id="{75BC4684-049F-434D-A0C3-542C593EB77F}" type="datetime1">
               <a:rPr lang="en-US" smtClean="0">
                 <a:latin typeface="Garamond" charset="0"/>
               </a:rPr>
@@ -11230,7 +11346,7 @@
           </a:lstStyle>
           <a:p>
             <a:pPr eaLnBrk="1" hangingPunct="1"/>
-            <a:fld id="{62FA24FA-708E-2F43-AF89-AB905AA28E32}" type="slidenum">
+            <a:fld id="{D5A2CD54-270B-CE42-B05F-1FE50264FFA0}" type="slidenum">
               <a:rPr lang="en-US">
                 <a:latin typeface="Garamond" charset="0"/>
               </a:rPr>
@@ -11240,1086 +11356,6 @@
             <a:endParaRPr lang="en-US">
               <a:latin typeface="Garamond" charset="0"/>
             </a:endParaRPr>
-          </a:p>
-        </p:txBody>
-      </p:sp>
-      <p:sp>
-        <p:nvSpPr>
-          <p:cNvPr id="11271" name="AutoShape 4"/>
-          <p:cNvSpPr>
-            <a:spLocks noChangeArrowheads="1"/>
-          </p:cNvSpPr>
-          <p:nvPr/>
-        </p:nvSpPr>
-        <p:spPr bwMode="auto">
-          <a:xfrm>
-            <a:off x="1295400" y="3657600"/>
-            <a:ext cx="1371600" cy="457200"/>
-          </a:xfrm>
-          <a:prstGeom prst="flowChartProcess">
-            <a:avLst/>
-          </a:prstGeom>
-          <a:solidFill>
-            <a:schemeClr val="accent1"/>
-          </a:solidFill>
-          <a:ln w="9525">
-            <a:solidFill>
-              <a:schemeClr val="tx1"/>
-            </a:solidFill>
-            <a:miter lim="800000"/>
-            <a:headEnd/>
-            <a:tailEnd/>
-          </a:ln>
-        </p:spPr>
-        <p:txBody>
-          <a:bodyPr wrap="none" anchor="ctr"/>
-          <a:lstStyle/>
-          <a:p>
-            <a:endParaRPr lang="en-US"/>
-          </a:p>
-        </p:txBody>
-      </p:sp>
-      <p:sp>
-        <p:nvSpPr>
-          <p:cNvPr id="11272" name="AutoShape 5"/>
-          <p:cNvSpPr>
-            <a:spLocks noChangeArrowheads="1"/>
-          </p:cNvSpPr>
-          <p:nvPr/>
-        </p:nvSpPr>
-        <p:spPr bwMode="auto">
-          <a:xfrm>
-            <a:off x="1295400" y="5257800"/>
-            <a:ext cx="1371600" cy="457200"/>
-          </a:xfrm>
-          <a:prstGeom prst="flowChartDecision">
-            <a:avLst/>
-          </a:prstGeom>
-          <a:solidFill>
-            <a:schemeClr val="accent1"/>
-          </a:solidFill>
-          <a:ln w="9525">
-            <a:solidFill>
-              <a:schemeClr val="tx1"/>
-            </a:solidFill>
-            <a:miter lim="800000"/>
-            <a:headEnd/>
-            <a:tailEnd/>
-          </a:ln>
-        </p:spPr>
-        <p:txBody>
-          <a:bodyPr wrap="none" anchor="ctr"/>
-          <a:lstStyle/>
-          <a:p>
-            <a:endParaRPr lang="en-US"/>
-          </a:p>
-        </p:txBody>
-      </p:sp>
-      <p:sp>
-        <p:nvSpPr>
-          <p:cNvPr id="11273" name="AutoShape 7"/>
-          <p:cNvSpPr>
-            <a:spLocks noChangeArrowheads="1"/>
-          </p:cNvSpPr>
-          <p:nvPr/>
-        </p:nvSpPr>
-        <p:spPr bwMode="auto">
-          <a:xfrm>
-            <a:off x="1295400" y="4495800"/>
-            <a:ext cx="1371600" cy="457200"/>
-          </a:xfrm>
-          <a:prstGeom prst="flowChartInputOutput">
-            <a:avLst/>
-          </a:prstGeom>
-          <a:solidFill>
-            <a:schemeClr val="accent1"/>
-          </a:solidFill>
-          <a:ln w="9525">
-            <a:solidFill>
-              <a:schemeClr val="tx1"/>
-            </a:solidFill>
-            <a:miter lim="800000"/>
-            <a:headEnd/>
-            <a:tailEnd/>
-          </a:ln>
-        </p:spPr>
-        <p:txBody>
-          <a:bodyPr wrap="none" anchor="ctr"/>
-          <a:lstStyle/>
-          <a:p>
-            <a:endParaRPr lang="en-US"/>
-          </a:p>
-        </p:txBody>
-      </p:sp>
-      <p:sp>
-        <p:nvSpPr>
-          <p:cNvPr id="11274" name="AutoShape 9"/>
-          <p:cNvSpPr>
-            <a:spLocks noChangeArrowheads="1"/>
-          </p:cNvSpPr>
-          <p:nvPr/>
-        </p:nvSpPr>
-        <p:spPr bwMode="auto">
-          <a:xfrm>
-            <a:off x="4495800" y="3733800"/>
-            <a:ext cx="1371600" cy="304800"/>
-          </a:xfrm>
-          <a:prstGeom prst="flowChartTerminator">
-            <a:avLst/>
-          </a:prstGeom>
-          <a:solidFill>
-            <a:schemeClr val="accent1"/>
-          </a:solidFill>
-          <a:ln w="9525">
-            <a:solidFill>
-              <a:schemeClr val="tx1"/>
-            </a:solidFill>
-            <a:miter lim="800000"/>
-            <a:headEnd/>
-            <a:tailEnd/>
-          </a:ln>
-        </p:spPr>
-        <p:txBody>
-          <a:bodyPr wrap="none" anchor="ctr"/>
-          <a:lstStyle/>
-          <a:p>
-            <a:endParaRPr lang="en-US"/>
-          </a:p>
-        </p:txBody>
-      </p:sp>
-      <p:sp>
-        <p:nvSpPr>
-          <p:cNvPr id="11275" name="AutoShape 10"/>
-          <p:cNvSpPr>
-            <a:spLocks noChangeArrowheads="1"/>
-          </p:cNvSpPr>
-          <p:nvPr/>
-        </p:nvSpPr>
-        <p:spPr bwMode="auto">
-          <a:xfrm>
-            <a:off x="4876800" y="4495800"/>
-            <a:ext cx="457200" cy="457200"/>
-          </a:xfrm>
-          <a:prstGeom prst="flowChartConnector">
-            <a:avLst/>
-          </a:prstGeom>
-          <a:solidFill>
-            <a:schemeClr val="accent1"/>
-          </a:solidFill>
-          <a:ln w="9525">
-            <a:solidFill>
-              <a:schemeClr val="tx1"/>
-            </a:solidFill>
-            <a:round/>
-            <a:headEnd/>
-            <a:tailEnd/>
-          </a:ln>
-        </p:spPr>
-        <p:txBody>
-          <a:bodyPr wrap="none" anchor="ctr"/>
-          <a:lstStyle/>
-          <a:p>
-            <a:endParaRPr lang="en-US"/>
-          </a:p>
-        </p:txBody>
-      </p:sp>
-      <p:sp>
-        <p:nvSpPr>
-          <p:cNvPr id="11276" name="AutoShape 11"/>
-          <p:cNvSpPr>
-            <a:spLocks noChangeArrowheads="1"/>
-          </p:cNvSpPr>
-          <p:nvPr/>
-        </p:nvSpPr>
-        <p:spPr bwMode="auto">
-          <a:xfrm>
-            <a:off x="4906963" y="5257800"/>
-            <a:ext cx="381000" cy="457200"/>
-          </a:xfrm>
-          <a:prstGeom prst="flowChartOffpageConnector">
-            <a:avLst/>
-          </a:prstGeom>
-          <a:solidFill>
-            <a:schemeClr val="accent1"/>
-          </a:solidFill>
-          <a:ln w="9525">
-            <a:solidFill>
-              <a:schemeClr val="tx1"/>
-            </a:solidFill>
-            <a:miter lim="800000"/>
-            <a:headEnd/>
-            <a:tailEnd/>
-          </a:ln>
-        </p:spPr>
-        <p:txBody>
-          <a:bodyPr wrap="none" anchor="ctr"/>
-          <a:lstStyle/>
-          <a:p>
-            <a:endParaRPr lang="en-US"/>
-          </a:p>
-        </p:txBody>
-      </p:sp>
-      <p:sp>
-        <p:nvSpPr>
-          <p:cNvPr id="11277" name="Text Box 14"/>
-          <p:cNvSpPr txBox="1">
-            <a:spLocks noChangeArrowheads="1"/>
-          </p:cNvSpPr>
-          <p:nvPr/>
-        </p:nvSpPr>
-        <p:spPr bwMode="auto">
-          <a:xfrm>
-            <a:off x="2667000" y="3657600"/>
-            <a:ext cx="1447800" cy="457200"/>
-          </a:xfrm>
-          <a:prstGeom prst="rect">
-            <a:avLst/>
-          </a:prstGeom>
-          <a:noFill/>
-          <a:ln>
-            <a:noFill/>
-          </a:ln>
-          <a:extLst>
-            <a:ext uri="{909E8E84-426E-40dd-AFC4-6F175D3DCCD1}">
-              <a14:hiddenFill xmlns:a14="http://schemas.microsoft.com/office/drawing/2010/main">
-                <a:solidFill>
-                  <a:srgbClr val="FFFFFF"/>
-                </a:solidFill>
-              </a14:hiddenFill>
-            </a:ext>
-            <a:ext uri="{91240B29-F687-4f45-9708-019B960494DF}">
-              <a14:hiddenLine xmlns:a14="http://schemas.microsoft.com/office/drawing/2010/main" w="9525">
-                <a:solidFill>
-                  <a:srgbClr val="000000"/>
-                </a:solidFill>
-                <a:miter lim="800000"/>
-                <a:headEnd/>
-                <a:tailEnd/>
-              </a14:hiddenLine>
-            </a:ext>
-          </a:extLst>
-        </p:spPr>
-        <p:txBody>
-          <a:bodyPr>
-            <a:spAutoFit/>
-          </a:bodyPr>
-          <a:lstStyle>
-            <a:lvl1pPr>
-              <a:defRPr sz="3000">
-                <a:solidFill>
-                  <a:schemeClr val="tx1"/>
-                </a:solidFill>
-                <a:latin typeface="Arial" charset="0"/>
-                <a:ea typeface="ＭＳ Ｐゴシック" charset="0"/>
-              </a:defRPr>
-            </a:lvl1pPr>
-            <a:lvl2pPr marL="742950" indent="-285750">
-              <a:defRPr sz="2600">
-                <a:solidFill>
-                  <a:schemeClr val="tx1"/>
-                </a:solidFill>
-                <a:latin typeface="Arial" charset="0"/>
-                <a:ea typeface="ＭＳ Ｐゴシック" charset="0"/>
-              </a:defRPr>
-            </a:lvl2pPr>
-            <a:lvl3pPr marL="1143000" indent="-228600">
-              <a:defRPr sz="2200">
-                <a:solidFill>
-                  <a:schemeClr val="tx1"/>
-                </a:solidFill>
-                <a:latin typeface="Arial" charset="0"/>
-                <a:ea typeface="ＭＳ Ｐゴシック" charset="0"/>
-              </a:defRPr>
-            </a:lvl3pPr>
-            <a:lvl4pPr marL="1600200" indent="-228600">
-              <a:defRPr sz="2000">
-                <a:solidFill>
-                  <a:schemeClr val="tx1"/>
-                </a:solidFill>
-                <a:latin typeface="Arial" charset="0"/>
-                <a:ea typeface="ＭＳ Ｐゴシック" charset="0"/>
-              </a:defRPr>
-            </a:lvl4pPr>
-            <a:lvl5pPr marL="2057400" indent="-228600">
-              <a:defRPr sz="2000">
-                <a:solidFill>
-                  <a:schemeClr val="tx1"/>
-                </a:solidFill>
-                <a:latin typeface="Arial" charset="0"/>
-                <a:ea typeface="ＭＳ Ｐゴシック" charset="0"/>
-              </a:defRPr>
-            </a:lvl5pPr>
-            <a:lvl6pPr marL="2514600" indent="-228600" eaLnBrk="0" hangingPunct="0">
-              <a:buFont typeface="Wingdings" charset="0"/>
-              <a:defRPr sz="2000">
-                <a:solidFill>
-                  <a:schemeClr val="tx1"/>
-                </a:solidFill>
-                <a:latin typeface="Arial" charset="0"/>
-                <a:ea typeface="ＭＳ Ｐゴシック" charset="0"/>
-              </a:defRPr>
-            </a:lvl6pPr>
-            <a:lvl7pPr marL="2971800" indent="-228600" eaLnBrk="0" hangingPunct="0">
-              <a:buFont typeface="Wingdings" charset="0"/>
-              <a:defRPr sz="2000">
-                <a:solidFill>
-                  <a:schemeClr val="tx1"/>
-                </a:solidFill>
-                <a:latin typeface="Arial" charset="0"/>
-                <a:ea typeface="ＭＳ Ｐゴシック" charset="0"/>
-              </a:defRPr>
-            </a:lvl7pPr>
-            <a:lvl8pPr marL="3429000" indent="-228600" eaLnBrk="0" hangingPunct="0">
-              <a:buFont typeface="Wingdings" charset="0"/>
-              <a:defRPr sz="2000">
-                <a:solidFill>
-                  <a:schemeClr val="tx1"/>
-                </a:solidFill>
-                <a:latin typeface="Arial" charset="0"/>
-                <a:ea typeface="ＭＳ Ｐゴシック" charset="0"/>
-              </a:defRPr>
-            </a:lvl8pPr>
-            <a:lvl9pPr marL="3886200" indent="-228600" eaLnBrk="0" hangingPunct="0">
-              <a:buFont typeface="Wingdings" charset="0"/>
-              <a:defRPr sz="2000">
-                <a:solidFill>
-                  <a:schemeClr val="tx1"/>
-                </a:solidFill>
-                <a:latin typeface="Arial" charset="0"/>
-                <a:ea typeface="ＭＳ Ｐゴシック" charset="0"/>
-              </a:defRPr>
-            </a:lvl9pPr>
-          </a:lstStyle>
-          <a:p>
-            <a:pPr>
-              <a:spcBef>
-                <a:spcPct val="50000"/>
-              </a:spcBef>
-            </a:pPr>
-            <a:r>
-              <a:rPr lang="en-US" sz="1800"/>
-              <a:t>Process</a:t>
-            </a:r>
-          </a:p>
-        </p:txBody>
-      </p:sp>
-      <p:sp>
-        <p:nvSpPr>
-          <p:cNvPr id="11278" name="Text Box 17"/>
-          <p:cNvSpPr txBox="1">
-            <a:spLocks noChangeArrowheads="1"/>
-          </p:cNvSpPr>
-          <p:nvPr/>
-        </p:nvSpPr>
-        <p:spPr bwMode="auto">
-          <a:xfrm>
-            <a:off x="2667000" y="5257800"/>
-            <a:ext cx="2057400" cy="369888"/>
-          </a:xfrm>
-          <a:prstGeom prst="rect">
-            <a:avLst/>
-          </a:prstGeom>
-          <a:noFill/>
-          <a:ln>
-            <a:noFill/>
-          </a:ln>
-          <a:extLst>
-            <a:ext uri="{909E8E84-426E-40dd-AFC4-6F175D3DCCD1}">
-              <a14:hiddenFill xmlns:a14="http://schemas.microsoft.com/office/drawing/2010/main">
-                <a:solidFill>
-                  <a:srgbClr val="FFFFFF"/>
-                </a:solidFill>
-              </a14:hiddenFill>
-            </a:ext>
-            <a:ext uri="{91240B29-F687-4f45-9708-019B960494DF}">
-              <a14:hiddenLine xmlns:a14="http://schemas.microsoft.com/office/drawing/2010/main" w="9525">
-                <a:solidFill>
-                  <a:srgbClr val="000000"/>
-                </a:solidFill>
-                <a:miter lim="800000"/>
-                <a:headEnd/>
-                <a:tailEnd/>
-              </a14:hiddenLine>
-            </a:ext>
-          </a:extLst>
-        </p:spPr>
-        <p:txBody>
-          <a:bodyPr>
-            <a:spAutoFit/>
-          </a:bodyPr>
-          <a:lstStyle>
-            <a:lvl1pPr>
-              <a:defRPr sz="3000">
-                <a:solidFill>
-                  <a:schemeClr val="tx1"/>
-                </a:solidFill>
-                <a:latin typeface="Arial" charset="0"/>
-                <a:ea typeface="ＭＳ Ｐゴシック" charset="0"/>
-              </a:defRPr>
-            </a:lvl1pPr>
-            <a:lvl2pPr marL="742950" indent="-285750">
-              <a:defRPr sz="2600">
-                <a:solidFill>
-                  <a:schemeClr val="tx1"/>
-                </a:solidFill>
-                <a:latin typeface="Arial" charset="0"/>
-                <a:ea typeface="ＭＳ Ｐゴシック" charset="0"/>
-              </a:defRPr>
-            </a:lvl2pPr>
-            <a:lvl3pPr marL="1143000" indent="-228600">
-              <a:defRPr sz="2200">
-                <a:solidFill>
-                  <a:schemeClr val="tx1"/>
-                </a:solidFill>
-                <a:latin typeface="Arial" charset="0"/>
-                <a:ea typeface="ＭＳ Ｐゴシック" charset="0"/>
-              </a:defRPr>
-            </a:lvl3pPr>
-            <a:lvl4pPr marL="1600200" indent="-228600">
-              <a:defRPr sz="2000">
-                <a:solidFill>
-                  <a:schemeClr val="tx1"/>
-                </a:solidFill>
-                <a:latin typeface="Arial" charset="0"/>
-                <a:ea typeface="ＭＳ Ｐゴシック" charset="0"/>
-              </a:defRPr>
-            </a:lvl4pPr>
-            <a:lvl5pPr marL="2057400" indent="-228600">
-              <a:defRPr sz="2000">
-                <a:solidFill>
-                  <a:schemeClr val="tx1"/>
-                </a:solidFill>
-                <a:latin typeface="Arial" charset="0"/>
-                <a:ea typeface="ＭＳ Ｐゴシック" charset="0"/>
-              </a:defRPr>
-            </a:lvl5pPr>
-            <a:lvl6pPr marL="2514600" indent="-228600" eaLnBrk="0" hangingPunct="0">
-              <a:buFont typeface="Wingdings" charset="0"/>
-              <a:defRPr sz="2000">
-                <a:solidFill>
-                  <a:schemeClr val="tx1"/>
-                </a:solidFill>
-                <a:latin typeface="Arial" charset="0"/>
-                <a:ea typeface="ＭＳ Ｐゴシック" charset="0"/>
-              </a:defRPr>
-            </a:lvl6pPr>
-            <a:lvl7pPr marL="2971800" indent="-228600" eaLnBrk="0" hangingPunct="0">
-              <a:buFont typeface="Wingdings" charset="0"/>
-              <a:defRPr sz="2000">
-                <a:solidFill>
-                  <a:schemeClr val="tx1"/>
-                </a:solidFill>
-                <a:latin typeface="Arial" charset="0"/>
-                <a:ea typeface="ＭＳ Ｐゴシック" charset="0"/>
-              </a:defRPr>
-            </a:lvl7pPr>
-            <a:lvl8pPr marL="3429000" indent="-228600" eaLnBrk="0" hangingPunct="0">
-              <a:buFont typeface="Wingdings" charset="0"/>
-              <a:defRPr sz="2000">
-                <a:solidFill>
-                  <a:schemeClr val="tx1"/>
-                </a:solidFill>
-                <a:latin typeface="Arial" charset="0"/>
-                <a:ea typeface="ＭＳ Ｐゴシック" charset="0"/>
-              </a:defRPr>
-            </a:lvl8pPr>
-            <a:lvl9pPr marL="3886200" indent="-228600" eaLnBrk="0" hangingPunct="0">
-              <a:buFont typeface="Wingdings" charset="0"/>
-              <a:defRPr sz="2000">
-                <a:solidFill>
-                  <a:schemeClr val="tx1"/>
-                </a:solidFill>
-                <a:latin typeface="Arial" charset="0"/>
-                <a:ea typeface="ＭＳ Ｐゴシック" charset="0"/>
-              </a:defRPr>
-            </a:lvl9pPr>
-          </a:lstStyle>
-          <a:p>
-            <a:pPr>
-              <a:spcBef>
-                <a:spcPct val="50000"/>
-              </a:spcBef>
-            </a:pPr>
-            <a:r>
-              <a:rPr lang="en-US" sz="1800"/>
-              <a:t>Decision</a:t>
-            </a:r>
-          </a:p>
-        </p:txBody>
-      </p:sp>
-      <p:sp>
-        <p:nvSpPr>
-          <p:cNvPr id="11279" name="Text Box 19"/>
-          <p:cNvSpPr txBox="1">
-            <a:spLocks noChangeArrowheads="1"/>
-          </p:cNvSpPr>
-          <p:nvPr/>
-        </p:nvSpPr>
-        <p:spPr bwMode="auto">
-          <a:xfrm>
-            <a:off x="2667000" y="4495800"/>
-            <a:ext cx="2057400" cy="457200"/>
-          </a:xfrm>
-          <a:prstGeom prst="rect">
-            <a:avLst/>
-          </a:prstGeom>
-          <a:noFill/>
-          <a:ln>
-            <a:noFill/>
-          </a:ln>
-          <a:extLst>
-            <a:ext uri="{909E8E84-426E-40dd-AFC4-6F175D3DCCD1}">
-              <a14:hiddenFill xmlns:a14="http://schemas.microsoft.com/office/drawing/2010/main">
-                <a:solidFill>
-                  <a:srgbClr val="FFFFFF"/>
-                </a:solidFill>
-              </a14:hiddenFill>
-            </a:ext>
-            <a:ext uri="{91240B29-F687-4f45-9708-019B960494DF}">
-              <a14:hiddenLine xmlns:a14="http://schemas.microsoft.com/office/drawing/2010/main" w="9525">
-                <a:solidFill>
-                  <a:srgbClr val="000000"/>
-                </a:solidFill>
-                <a:miter lim="800000"/>
-                <a:headEnd/>
-                <a:tailEnd/>
-              </a14:hiddenLine>
-            </a:ext>
-          </a:extLst>
-        </p:spPr>
-        <p:txBody>
-          <a:bodyPr>
-            <a:spAutoFit/>
-          </a:bodyPr>
-          <a:lstStyle>
-            <a:lvl1pPr>
-              <a:defRPr sz="3000">
-                <a:solidFill>
-                  <a:schemeClr val="tx1"/>
-                </a:solidFill>
-                <a:latin typeface="Arial" charset="0"/>
-                <a:ea typeface="ＭＳ Ｐゴシック" charset="0"/>
-              </a:defRPr>
-            </a:lvl1pPr>
-            <a:lvl2pPr marL="742950" indent="-285750">
-              <a:defRPr sz="2600">
-                <a:solidFill>
-                  <a:schemeClr val="tx1"/>
-                </a:solidFill>
-                <a:latin typeface="Arial" charset="0"/>
-                <a:ea typeface="ＭＳ Ｐゴシック" charset="0"/>
-              </a:defRPr>
-            </a:lvl2pPr>
-            <a:lvl3pPr marL="1143000" indent="-228600">
-              <a:defRPr sz="2200">
-                <a:solidFill>
-                  <a:schemeClr val="tx1"/>
-                </a:solidFill>
-                <a:latin typeface="Arial" charset="0"/>
-                <a:ea typeface="ＭＳ Ｐゴシック" charset="0"/>
-              </a:defRPr>
-            </a:lvl3pPr>
-            <a:lvl4pPr marL="1600200" indent="-228600">
-              <a:defRPr sz="2000">
-                <a:solidFill>
-                  <a:schemeClr val="tx1"/>
-                </a:solidFill>
-                <a:latin typeface="Arial" charset="0"/>
-                <a:ea typeface="ＭＳ Ｐゴシック" charset="0"/>
-              </a:defRPr>
-            </a:lvl4pPr>
-            <a:lvl5pPr marL="2057400" indent="-228600">
-              <a:defRPr sz="2000">
-                <a:solidFill>
-                  <a:schemeClr val="tx1"/>
-                </a:solidFill>
-                <a:latin typeface="Arial" charset="0"/>
-                <a:ea typeface="ＭＳ Ｐゴシック" charset="0"/>
-              </a:defRPr>
-            </a:lvl5pPr>
-            <a:lvl6pPr marL="2514600" indent="-228600" eaLnBrk="0" hangingPunct="0">
-              <a:buFont typeface="Wingdings" charset="0"/>
-              <a:defRPr sz="2000">
-                <a:solidFill>
-                  <a:schemeClr val="tx1"/>
-                </a:solidFill>
-                <a:latin typeface="Arial" charset="0"/>
-                <a:ea typeface="ＭＳ Ｐゴシック" charset="0"/>
-              </a:defRPr>
-            </a:lvl6pPr>
-            <a:lvl7pPr marL="2971800" indent="-228600" eaLnBrk="0" hangingPunct="0">
-              <a:buFont typeface="Wingdings" charset="0"/>
-              <a:defRPr sz="2000">
-                <a:solidFill>
-                  <a:schemeClr val="tx1"/>
-                </a:solidFill>
-                <a:latin typeface="Arial" charset="0"/>
-                <a:ea typeface="ＭＳ Ｐゴシック" charset="0"/>
-              </a:defRPr>
-            </a:lvl7pPr>
-            <a:lvl8pPr marL="3429000" indent="-228600" eaLnBrk="0" hangingPunct="0">
-              <a:buFont typeface="Wingdings" charset="0"/>
-              <a:defRPr sz="2000">
-                <a:solidFill>
-                  <a:schemeClr val="tx1"/>
-                </a:solidFill>
-                <a:latin typeface="Arial" charset="0"/>
-                <a:ea typeface="ＭＳ Ｐゴシック" charset="0"/>
-              </a:defRPr>
-            </a:lvl8pPr>
-            <a:lvl9pPr marL="3886200" indent="-228600" eaLnBrk="0" hangingPunct="0">
-              <a:buFont typeface="Wingdings" charset="0"/>
-              <a:defRPr sz="2000">
-                <a:solidFill>
-                  <a:schemeClr val="tx1"/>
-                </a:solidFill>
-                <a:latin typeface="Arial" charset="0"/>
-                <a:ea typeface="ＭＳ Ｐゴシック" charset="0"/>
-              </a:defRPr>
-            </a:lvl9pPr>
-          </a:lstStyle>
-          <a:p>
-            <a:pPr>
-              <a:spcBef>
-                <a:spcPct val="50000"/>
-              </a:spcBef>
-            </a:pPr>
-            <a:r>
-              <a:rPr lang="en-US" sz="1800"/>
-              <a:t>Input/Output</a:t>
-            </a:r>
-          </a:p>
-        </p:txBody>
-      </p:sp>
-      <p:sp>
-        <p:nvSpPr>
-          <p:cNvPr id="11280" name="Text Box 21"/>
-          <p:cNvSpPr txBox="1">
-            <a:spLocks noChangeArrowheads="1"/>
-          </p:cNvSpPr>
-          <p:nvPr/>
-        </p:nvSpPr>
-        <p:spPr bwMode="auto">
-          <a:xfrm>
-            <a:off x="5867400" y="3657600"/>
-            <a:ext cx="2590800" cy="369888"/>
-          </a:xfrm>
-          <a:prstGeom prst="rect">
-            <a:avLst/>
-          </a:prstGeom>
-          <a:noFill/>
-          <a:ln>
-            <a:noFill/>
-          </a:ln>
-          <a:extLst>
-            <a:ext uri="{909E8E84-426E-40dd-AFC4-6F175D3DCCD1}">
-              <a14:hiddenFill xmlns:a14="http://schemas.microsoft.com/office/drawing/2010/main">
-                <a:solidFill>
-                  <a:srgbClr val="FFFFFF"/>
-                </a:solidFill>
-              </a14:hiddenFill>
-            </a:ext>
-            <a:ext uri="{91240B29-F687-4f45-9708-019B960494DF}">
-              <a14:hiddenLine xmlns:a14="http://schemas.microsoft.com/office/drawing/2010/main" w="9525">
-                <a:solidFill>
-                  <a:srgbClr val="000000"/>
-                </a:solidFill>
-                <a:miter lim="800000"/>
-                <a:headEnd/>
-                <a:tailEnd/>
-              </a14:hiddenLine>
-            </a:ext>
-          </a:extLst>
-        </p:spPr>
-        <p:txBody>
-          <a:bodyPr>
-            <a:spAutoFit/>
-          </a:bodyPr>
-          <a:lstStyle>
-            <a:lvl1pPr>
-              <a:defRPr sz="3000">
-                <a:solidFill>
-                  <a:schemeClr val="tx1"/>
-                </a:solidFill>
-                <a:latin typeface="Arial" charset="0"/>
-                <a:ea typeface="ＭＳ Ｐゴシック" charset="0"/>
-              </a:defRPr>
-            </a:lvl1pPr>
-            <a:lvl2pPr marL="742950" indent="-285750">
-              <a:defRPr sz="2600">
-                <a:solidFill>
-                  <a:schemeClr val="tx1"/>
-                </a:solidFill>
-                <a:latin typeface="Arial" charset="0"/>
-                <a:ea typeface="ＭＳ Ｐゴシック" charset="0"/>
-              </a:defRPr>
-            </a:lvl2pPr>
-            <a:lvl3pPr marL="1143000" indent="-228600">
-              <a:defRPr sz="2200">
-                <a:solidFill>
-                  <a:schemeClr val="tx1"/>
-                </a:solidFill>
-                <a:latin typeface="Arial" charset="0"/>
-                <a:ea typeface="ＭＳ Ｐゴシック" charset="0"/>
-              </a:defRPr>
-            </a:lvl3pPr>
-            <a:lvl4pPr marL="1600200" indent="-228600">
-              <a:defRPr sz="2000">
-                <a:solidFill>
-                  <a:schemeClr val="tx1"/>
-                </a:solidFill>
-                <a:latin typeface="Arial" charset="0"/>
-                <a:ea typeface="ＭＳ Ｐゴシック" charset="0"/>
-              </a:defRPr>
-            </a:lvl4pPr>
-            <a:lvl5pPr marL="2057400" indent="-228600">
-              <a:defRPr sz="2000">
-                <a:solidFill>
-                  <a:schemeClr val="tx1"/>
-                </a:solidFill>
-                <a:latin typeface="Arial" charset="0"/>
-                <a:ea typeface="ＭＳ Ｐゴシック" charset="0"/>
-              </a:defRPr>
-            </a:lvl5pPr>
-            <a:lvl6pPr marL="2514600" indent="-228600" eaLnBrk="0" hangingPunct="0">
-              <a:buFont typeface="Wingdings" charset="0"/>
-              <a:defRPr sz="2000">
-                <a:solidFill>
-                  <a:schemeClr val="tx1"/>
-                </a:solidFill>
-                <a:latin typeface="Arial" charset="0"/>
-                <a:ea typeface="ＭＳ Ｐゴシック" charset="0"/>
-              </a:defRPr>
-            </a:lvl6pPr>
-            <a:lvl7pPr marL="2971800" indent="-228600" eaLnBrk="0" hangingPunct="0">
-              <a:buFont typeface="Wingdings" charset="0"/>
-              <a:defRPr sz="2000">
-                <a:solidFill>
-                  <a:schemeClr val="tx1"/>
-                </a:solidFill>
-                <a:latin typeface="Arial" charset="0"/>
-                <a:ea typeface="ＭＳ Ｐゴシック" charset="0"/>
-              </a:defRPr>
-            </a:lvl7pPr>
-            <a:lvl8pPr marL="3429000" indent="-228600" eaLnBrk="0" hangingPunct="0">
-              <a:buFont typeface="Wingdings" charset="0"/>
-              <a:defRPr sz="2000">
-                <a:solidFill>
-                  <a:schemeClr val="tx1"/>
-                </a:solidFill>
-                <a:latin typeface="Arial" charset="0"/>
-                <a:ea typeface="ＭＳ Ｐゴシック" charset="0"/>
-              </a:defRPr>
-            </a:lvl8pPr>
-            <a:lvl9pPr marL="3886200" indent="-228600" eaLnBrk="0" hangingPunct="0">
-              <a:buFont typeface="Wingdings" charset="0"/>
-              <a:defRPr sz="2000">
-                <a:solidFill>
-                  <a:schemeClr val="tx1"/>
-                </a:solidFill>
-                <a:latin typeface="Arial" charset="0"/>
-                <a:ea typeface="ＭＳ Ｐゴシック" charset="0"/>
-              </a:defRPr>
-            </a:lvl9pPr>
-          </a:lstStyle>
-          <a:p>
-            <a:pPr>
-              <a:spcBef>
-                <a:spcPct val="50000"/>
-              </a:spcBef>
-            </a:pPr>
-            <a:r>
-              <a:rPr lang="en-US" sz="1800"/>
-              <a:t>Terminator (start/end)</a:t>
-            </a:r>
-          </a:p>
-        </p:txBody>
-      </p:sp>
-      <p:sp>
-        <p:nvSpPr>
-          <p:cNvPr id="11281" name="Text Box 22"/>
-          <p:cNvSpPr txBox="1">
-            <a:spLocks noChangeArrowheads="1"/>
-          </p:cNvSpPr>
-          <p:nvPr/>
-        </p:nvSpPr>
-        <p:spPr bwMode="auto">
-          <a:xfrm>
-            <a:off x="5867400" y="4495800"/>
-            <a:ext cx="2590800" cy="457200"/>
-          </a:xfrm>
-          <a:prstGeom prst="rect">
-            <a:avLst/>
-          </a:prstGeom>
-          <a:noFill/>
-          <a:ln>
-            <a:noFill/>
-          </a:ln>
-          <a:extLst>
-            <a:ext uri="{909E8E84-426E-40dd-AFC4-6F175D3DCCD1}">
-              <a14:hiddenFill xmlns:a14="http://schemas.microsoft.com/office/drawing/2010/main">
-                <a:solidFill>
-                  <a:srgbClr val="FFFFFF"/>
-                </a:solidFill>
-              </a14:hiddenFill>
-            </a:ext>
-            <a:ext uri="{91240B29-F687-4f45-9708-019B960494DF}">
-              <a14:hiddenLine xmlns:a14="http://schemas.microsoft.com/office/drawing/2010/main" w="9525">
-                <a:solidFill>
-                  <a:srgbClr val="000000"/>
-                </a:solidFill>
-                <a:miter lim="800000"/>
-                <a:headEnd/>
-                <a:tailEnd/>
-              </a14:hiddenLine>
-            </a:ext>
-          </a:extLst>
-        </p:spPr>
-        <p:txBody>
-          <a:bodyPr>
-            <a:spAutoFit/>
-          </a:bodyPr>
-          <a:lstStyle>
-            <a:lvl1pPr>
-              <a:defRPr sz="3000">
-                <a:solidFill>
-                  <a:schemeClr val="tx1"/>
-                </a:solidFill>
-                <a:latin typeface="Arial" charset="0"/>
-                <a:ea typeface="ＭＳ Ｐゴシック" charset="0"/>
-              </a:defRPr>
-            </a:lvl1pPr>
-            <a:lvl2pPr marL="742950" indent="-285750">
-              <a:defRPr sz="2600">
-                <a:solidFill>
-                  <a:schemeClr val="tx1"/>
-                </a:solidFill>
-                <a:latin typeface="Arial" charset="0"/>
-                <a:ea typeface="ＭＳ Ｐゴシック" charset="0"/>
-              </a:defRPr>
-            </a:lvl2pPr>
-            <a:lvl3pPr marL="1143000" indent="-228600">
-              <a:defRPr sz="2200">
-                <a:solidFill>
-                  <a:schemeClr val="tx1"/>
-                </a:solidFill>
-                <a:latin typeface="Arial" charset="0"/>
-                <a:ea typeface="ＭＳ Ｐゴシック" charset="0"/>
-              </a:defRPr>
-            </a:lvl3pPr>
-            <a:lvl4pPr marL="1600200" indent="-228600">
-              <a:defRPr sz="2000">
-                <a:solidFill>
-                  <a:schemeClr val="tx1"/>
-                </a:solidFill>
-                <a:latin typeface="Arial" charset="0"/>
-                <a:ea typeface="ＭＳ Ｐゴシック" charset="0"/>
-              </a:defRPr>
-            </a:lvl4pPr>
-            <a:lvl5pPr marL="2057400" indent="-228600">
-              <a:defRPr sz="2000">
-                <a:solidFill>
-                  <a:schemeClr val="tx1"/>
-                </a:solidFill>
-                <a:latin typeface="Arial" charset="0"/>
-                <a:ea typeface="ＭＳ Ｐゴシック" charset="0"/>
-              </a:defRPr>
-            </a:lvl5pPr>
-            <a:lvl6pPr marL="2514600" indent="-228600" eaLnBrk="0" hangingPunct="0">
-              <a:buFont typeface="Wingdings" charset="0"/>
-              <a:defRPr sz="2000">
-                <a:solidFill>
-                  <a:schemeClr val="tx1"/>
-                </a:solidFill>
-                <a:latin typeface="Arial" charset="0"/>
-                <a:ea typeface="ＭＳ Ｐゴシック" charset="0"/>
-              </a:defRPr>
-            </a:lvl6pPr>
-            <a:lvl7pPr marL="2971800" indent="-228600" eaLnBrk="0" hangingPunct="0">
-              <a:buFont typeface="Wingdings" charset="0"/>
-              <a:defRPr sz="2000">
-                <a:solidFill>
-                  <a:schemeClr val="tx1"/>
-                </a:solidFill>
-                <a:latin typeface="Arial" charset="0"/>
-                <a:ea typeface="ＭＳ Ｐゴシック" charset="0"/>
-              </a:defRPr>
-            </a:lvl7pPr>
-            <a:lvl8pPr marL="3429000" indent="-228600" eaLnBrk="0" hangingPunct="0">
-              <a:buFont typeface="Wingdings" charset="0"/>
-              <a:defRPr sz="2000">
-                <a:solidFill>
-                  <a:schemeClr val="tx1"/>
-                </a:solidFill>
-                <a:latin typeface="Arial" charset="0"/>
-                <a:ea typeface="ＭＳ Ｐゴシック" charset="0"/>
-              </a:defRPr>
-            </a:lvl8pPr>
-            <a:lvl9pPr marL="3886200" indent="-228600" eaLnBrk="0" hangingPunct="0">
-              <a:buFont typeface="Wingdings" charset="0"/>
-              <a:defRPr sz="2000">
-                <a:solidFill>
-                  <a:schemeClr val="tx1"/>
-                </a:solidFill>
-                <a:latin typeface="Arial" charset="0"/>
-                <a:ea typeface="ＭＳ Ｐゴシック" charset="0"/>
-              </a:defRPr>
-            </a:lvl9pPr>
-          </a:lstStyle>
-          <a:p>
-            <a:pPr>
-              <a:spcBef>
-                <a:spcPct val="50000"/>
-              </a:spcBef>
-            </a:pPr>
-            <a:r>
-              <a:rPr lang="en-US" sz="1800"/>
-              <a:t>Connector</a:t>
-            </a:r>
-          </a:p>
-        </p:txBody>
-      </p:sp>
-      <p:sp>
-        <p:nvSpPr>
-          <p:cNvPr id="11282" name="Text Box 23"/>
-          <p:cNvSpPr txBox="1">
-            <a:spLocks noChangeArrowheads="1"/>
-          </p:cNvSpPr>
-          <p:nvPr/>
-        </p:nvSpPr>
-        <p:spPr bwMode="auto">
-          <a:xfrm>
-            <a:off x="5867400" y="5257800"/>
-            <a:ext cx="2819400" cy="457200"/>
-          </a:xfrm>
-          <a:prstGeom prst="rect">
-            <a:avLst/>
-          </a:prstGeom>
-          <a:noFill/>
-          <a:ln>
-            <a:noFill/>
-          </a:ln>
-          <a:extLst>
-            <a:ext uri="{909E8E84-426E-40dd-AFC4-6F175D3DCCD1}">
-              <a14:hiddenFill xmlns:a14="http://schemas.microsoft.com/office/drawing/2010/main">
-                <a:solidFill>
-                  <a:srgbClr val="FFFFFF"/>
-                </a:solidFill>
-              </a14:hiddenFill>
-            </a:ext>
-            <a:ext uri="{91240B29-F687-4f45-9708-019B960494DF}">
-              <a14:hiddenLine xmlns:a14="http://schemas.microsoft.com/office/drawing/2010/main" w="9525">
-                <a:solidFill>
-                  <a:srgbClr val="000000"/>
-                </a:solidFill>
-                <a:miter lim="800000"/>
-                <a:headEnd/>
-                <a:tailEnd/>
-              </a14:hiddenLine>
-            </a:ext>
-          </a:extLst>
-        </p:spPr>
-        <p:txBody>
-          <a:bodyPr>
-            <a:spAutoFit/>
-          </a:bodyPr>
-          <a:lstStyle>
-            <a:lvl1pPr>
-              <a:defRPr sz="3000">
-                <a:solidFill>
-                  <a:schemeClr val="tx1"/>
-                </a:solidFill>
-                <a:latin typeface="Arial" charset="0"/>
-                <a:ea typeface="ＭＳ Ｐゴシック" charset="0"/>
-              </a:defRPr>
-            </a:lvl1pPr>
-            <a:lvl2pPr marL="742950" indent="-285750">
-              <a:defRPr sz="2600">
-                <a:solidFill>
-                  <a:schemeClr val="tx1"/>
-                </a:solidFill>
-                <a:latin typeface="Arial" charset="0"/>
-                <a:ea typeface="ＭＳ Ｐゴシック" charset="0"/>
-              </a:defRPr>
-            </a:lvl2pPr>
-            <a:lvl3pPr marL="1143000" indent="-228600">
-              <a:defRPr sz="2200">
-                <a:solidFill>
-                  <a:schemeClr val="tx1"/>
-                </a:solidFill>
-                <a:latin typeface="Arial" charset="0"/>
-                <a:ea typeface="ＭＳ Ｐゴシック" charset="0"/>
-              </a:defRPr>
-            </a:lvl3pPr>
-            <a:lvl4pPr marL="1600200" indent="-228600">
-              <a:defRPr sz="2000">
-                <a:solidFill>
-                  <a:schemeClr val="tx1"/>
-                </a:solidFill>
-                <a:latin typeface="Arial" charset="0"/>
-                <a:ea typeface="ＭＳ Ｐゴシック" charset="0"/>
-              </a:defRPr>
-            </a:lvl4pPr>
-            <a:lvl5pPr marL="2057400" indent="-228600">
-              <a:defRPr sz="2000">
-                <a:solidFill>
-                  <a:schemeClr val="tx1"/>
-                </a:solidFill>
-                <a:latin typeface="Arial" charset="0"/>
-                <a:ea typeface="ＭＳ Ｐゴシック" charset="0"/>
-              </a:defRPr>
-            </a:lvl5pPr>
-            <a:lvl6pPr marL="2514600" indent="-228600" eaLnBrk="0" hangingPunct="0">
-              <a:buFont typeface="Wingdings" charset="0"/>
-              <a:defRPr sz="2000">
-                <a:solidFill>
-                  <a:schemeClr val="tx1"/>
-                </a:solidFill>
-                <a:latin typeface="Arial" charset="0"/>
-                <a:ea typeface="ＭＳ Ｐゴシック" charset="0"/>
-              </a:defRPr>
-            </a:lvl6pPr>
-            <a:lvl7pPr marL="2971800" indent="-228600" eaLnBrk="0" hangingPunct="0">
-              <a:buFont typeface="Wingdings" charset="0"/>
-              <a:defRPr sz="2000">
-                <a:solidFill>
-                  <a:schemeClr val="tx1"/>
-                </a:solidFill>
-                <a:latin typeface="Arial" charset="0"/>
-                <a:ea typeface="ＭＳ Ｐゴシック" charset="0"/>
-              </a:defRPr>
-            </a:lvl7pPr>
-            <a:lvl8pPr marL="3429000" indent="-228600" eaLnBrk="0" hangingPunct="0">
-              <a:buFont typeface="Wingdings" charset="0"/>
-              <a:defRPr sz="2000">
-                <a:solidFill>
-                  <a:schemeClr val="tx1"/>
-                </a:solidFill>
-                <a:latin typeface="Arial" charset="0"/>
-                <a:ea typeface="ＭＳ Ｐゴシック" charset="0"/>
-              </a:defRPr>
-            </a:lvl8pPr>
-            <a:lvl9pPr marL="3886200" indent="-228600" eaLnBrk="0" hangingPunct="0">
-              <a:buFont typeface="Wingdings" charset="0"/>
-              <a:defRPr sz="2000">
-                <a:solidFill>
-                  <a:schemeClr val="tx1"/>
-                </a:solidFill>
-                <a:latin typeface="Arial" charset="0"/>
-                <a:ea typeface="ＭＳ Ｐゴシック" charset="0"/>
-              </a:defRPr>
-            </a:lvl9pPr>
-          </a:lstStyle>
-          <a:p>
-            <a:pPr>
-              <a:spcBef>
-                <a:spcPct val="50000"/>
-              </a:spcBef>
-            </a:pPr>
-            <a:r>
-              <a:rPr lang="en-US" sz="1800"/>
-              <a:t>Connector (off page)</a:t>
-            </a:r>
           </a:p>
         </p:txBody>
       </p:sp>
@@ -12357,6 +11393,1505 @@
       </p:grpSpPr>
       <p:sp>
         <p:nvSpPr>
+          <p:cNvPr id="11266" name="Title 1"/>
+          <p:cNvSpPr>
+            <a:spLocks noGrp="1"/>
+          </p:cNvSpPr>
+          <p:nvPr>
+            <p:ph type="title"/>
+          </p:nvPr>
+        </p:nvSpPr>
+        <p:spPr/>
+        <p:txBody>
+          <a:bodyPr/>
+          <a:lstStyle/>
+          <a:p>
+            <a:r>
+              <a:rPr lang="en-US">
+                <a:latin typeface="Garamond" charset="0"/>
+              </a:rPr>
+              <a:t>Flowcharts</a:t>
+            </a:r>
+          </a:p>
+        </p:txBody>
+      </p:sp>
+      <p:sp>
+        <p:nvSpPr>
+          <p:cNvPr id="11267" name="Content Placeholder 2"/>
+          <p:cNvSpPr>
+            <a:spLocks noGrp="1"/>
+          </p:cNvSpPr>
+          <p:nvPr>
+            <p:ph idx="1"/>
+          </p:nvPr>
+        </p:nvSpPr>
+        <p:spPr/>
+        <p:txBody>
+          <a:bodyPr/>
+          <a:lstStyle/>
+          <a:p>
+            <a:r>
+              <a:rPr lang="en-US">
+                <a:latin typeface="Arial" charset="0"/>
+              </a:rPr>
+              <a:t>Graphical representation of process</a:t>
+            </a:r>
+          </a:p>
+          <a:p>
+            <a:pPr lvl="1"/>
+            <a:r>
+              <a:rPr lang="en-US">
+                <a:latin typeface="Arial" charset="0"/>
+              </a:rPr>
+              <a:t>Shows all steps and their order</a:t>
+            </a:r>
+          </a:p>
+          <a:p>
+            <a:pPr lvl="1"/>
+            <a:r>
+              <a:rPr lang="en-US">
+                <a:latin typeface="Arial" charset="0"/>
+              </a:rPr>
+              <a:t>In programming, use to organize program before writing code</a:t>
+            </a:r>
+          </a:p>
+          <a:p>
+            <a:r>
+              <a:rPr lang="en-US">
+                <a:latin typeface="Arial" charset="0"/>
+              </a:rPr>
+              <a:t>Basic elements</a:t>
+            </a:r>
+          </a:p>
+        </p:txBody>
+      </p:sp>
+      <p:sp>
+        <p:nvSpPr>
+          <p:cNvPr id="4" name="Date Placeholder 3"/>
+          <p:cNvSpPr>
+            <a:spLocks noGrp="1"/>
+          </p:cNvSpPr>
+          <p:nvPr>
+            <p:ph type="dt" sz="quarter" idx="10"/>
+          </p:nvPr>
+        </p:nvSpPr>
+        <p:spPr/>
+        <p:txBody>
+          <a:bodyPr/>
+          <a:lstStyle>
+            <a:lvl1pPr eaLnBrk="0" hangingPunct="0">
+              <a:defRPr>
+                <a:solidFill>
+                  <a:schemeClr val="tx1"/>
+                </a:solidFill>
+                <a:latin typeface="Arial" charset="0"/>
+                <a:ea typeface="ＭＳ Ｐゴシック" charset="0"/>
+                <a:cs typeface="Arial" charset="0"/>
+              </a:defRPr>
+            </a:lvl1pPr>
+            <a:lvl2pPr marL="742950" indent="-285750" eaLnBrk="0" hangingPunct="0">
+              <a:defRPr>
+                <a:solidFill>
+                  <a:schemeClr val="tx1"/>
+                </a:solidFill>
+                <a:latin typeface="Arial" charset="0"/>
+                <a:ea typeface="Arial" charset="0"/>
+                <a:cs typeface="Arial" charset="0"/>
+              </a:defRPr>
+            </a:lvl2pPr>
+            <a:lvl3pPr marL="1143000" indent="-228600" eaLnBrk="0" hangingPunct="0">
+              <a:defRPr>
+                <a:solidFill>
+                  <a:schemeClr val="tx1"/>
+                </a:solidFill>
+                <a:latin typeface="Arial" charset="0"/>
+                <a:ea typeface="Arial" charset="0"/>
+                <a:cs typeface="Arial" charset="0"/>
+              </a:defRPr>
+            </a:lvl3pPr>
+            <a:lvl4pPr marL="1600200" indent="-228600" eaLnBrk="0" hangingPunct="0">
+              <a:defRPr>
+                <a:solidFill>
+                  <a:schemeClr val="tx1"/>
+                </a:solidFill>
+                <a:latin typeface="Arial" charset="0"/>
+                <a:ea typeface="Arial" charset="0"/>
+                <a:cs typeface="Arial" charset="0"/>
+              </a:defRPr>
+            </a:lvl4pPr>
+            <a:lvl5pPr marL="2057400" indent="-228600" eaLnBrk="0" hangingPunct="0">
+              <a:defRPr>
+                <a:solidFill>
+                  <a:schemeClr val="tx1"/>
+                </a:solidFill>
+                <a:latin typeface="Arial" charset="0"/>
+                <a:ea typeface="Arial" charset="0"/>
+                <a:cs typeface="Arial" charset="0"/>
+              </a:defRPr>
+            </a:lvl5pPr>
+            <a:lvl6pPr marL="2514600" indent="-228600" eaLnBrk="0" fontAlgn="base" hangingPunct="0">
+              <a:spcBef>
+                <a:spcPct val="0"/>
+              </a:spcBef>
+              <a:spcAft>
+                <a:spcPct val="0"/>
+              </a:spcAft>
+              <a:defRPr>
+                <a:solidFill>
+                  <a:schemeClr val="tx1"/>
+                </a:solidFill>
+                <a:latin typeface="Arial" charset="0"/>
+                <a:ea typeface="Arial" charset="0"/>
+                <a:cs typeface="Arial" charset="0"/>
+              </a:defRPr>
+            </a:lvl6pPr>
+            <a:lvl7pPr marL="2971800" indent="-228600" eaLnBrk="0" fontAlgn="base" hangingPunct="0">
+              <a:spcBef>
+                <a:spcPct val="0"/>
+              </a:spcBef>
+              <a:spcAft>
+                <a:spcPct val="0"/>
+              </a:spcAft>
+              <a:defRPr>
+                <a:solidFill>
+                  <a:schemeClr val="tx1"/>
+                </a:solidFill>
+                <a:latin typeface="Arial" charset="0"/>
+                <a:ea typeface="Arial" charset="0"/>
+                <a:cs typeface="Arial" charset="0"/>
+              </a:defRPr>
+            </a:lvl7pPr>
+            <a:lvl8pPr marL="3429000" indent="-228600" eaLnBrk="0" fontAlgn="base" hangingPunct="0">
+              <a:spcBef>
+                <a:spcPct val="0"/>
+              </a:spcBef>
+              <a:spcAft>
+                <a:spcPct val="0"/>
+              </a:spcAft>
+              <a:defRPr>
+                <a:solidFill>
+                  <a:schemeClr val="tx1"/>
+                </a:solidFill>
+                <a:latin typeface="Arial" charset="0"/>
+                <a:ea typeface="Arial" charset="0"/>
+                <a:cs typeface="Arial" charset="0"/>
+              </a:defRPr>
+            </a:lvl8pPr>
+            <a:lvl9pPr marL="3886200" indent="-228600" eaLnBrk="0" fontAlgn="base" hangingPunct="0">
+              <a:spcBef>
+                <a:spcPct val="0"/>
+              </a:spcBef>
+              <a:spcAft>
+                <a:spcPct val="0"/>
+              </a:spcAft>
+              <a:defRPr>
+                <a:solidFill>
+                  <a:schemeClr val="tx1"/>
+                </a:solidFill>
+                <a:latin typeface="Arial" charset="0"/>
+                <a:ea typeface="Arial" charset="0"/>
+                <a:cs typeface="Arial" charset="0"/>
+              </a:defRPr>
+            </a:lvl9pPr>
+          </a:lstStyle>
+          <a:p>
+            <a:pPr eaLnBrk="1" hangingPunct="1"/>
+            <a:fld id="{96824AA1-5E08-6543-9F44-1D8F1E07C1DD}" type="datetime1">
+              <a:rPr lang="en-US" smtClean="0">
+                <a:latin typeface="Garamond" charset="0"/>
+              </a:rPr>
+              <a:t>9/18/17</a:t>
+            </a:fld>
+            <a:endParaRPr lang="en-US">
+              <a:latin typeface="Garamond" charset="0"/>
+            </a:endParaRPr>
+          </a:p>
+        </p:txBody>
+      </p:sp>
+      <p:sp>
+        <p:nvSpPr>
+          <p:cNvPr id="5" name="Footer Placeholder 4"/>
+          <p:cNvSpPr>
+            <a:spLocks noGrp="1"/>
+          </p:cNvSpPr>
+          <p:nvPr>
+            <p:ph type="ftr" sz="quarter" idx="11"/>
+          </p:nvPr>
+        </p:nvSpPr>
+        <p:spPr/>
+        <p:txBody>
+          <a:bodyPr/>
+          <a:lstStyle/>
+          <a:p>
+            <a:pPr>
+              <a:defRPr/>
+            </a:pPr>
+            <a:r>
+              <a:rPr lang="en-US" altLang="en-US" smtClean="0"/>
+              <a:t>ECE Application Programming: Lecture 6</a:t>
+            </a:r>
+            <a:endParaRPr lang="en-US" altLang="en-US"/>
+          </a:p>
+        </p:txBody>
+      </p:sp>
+      <p:sp>
+        <p:nvSpPr>
+          <p:cNvPr id="6" name="Slide Number Placeholder 5"/>
+          <p:cNvSpPr>
+            <a:spLocks noGrp="1"/>
+          </p:cNvSpPr>
+          <p:nvPr>
+            <p:ph type="sldNum" sz="quarter" idx="12"/>
+          </p:nvPr>
+        </p:nvSpPr>
+        <p:spPr/>
+        <p:txBody>
+          <a:bodyPr/>
+          <a:lstStyle>
+            <a:lvl1pPr eaLnBrk="0" hangingPunct="0">
+              <a:defRPr>
+                <a:solidFill>
+                  <a:schemeClr val="tx1"/>
+                </a:solidFill>
+                <a:latin typeface="Arial" charset="0"/>
+                <a:ea typeface="ＭＳ Ｐゴシック" charset="0"/>
+                <a:cs typeface="Arial" charset="0"/>
+              </a:defRPr>
+            </a:lvl1pPr>
+            <a:lvl2pPr marL="742950" indent="-285750" eaLnBrk="0" hangingPunct="0">
+              <a:defRPr>
+                <a:solidFill>
+                  <a:schemeClr val="tx1"/>
+                </a:solidFill>
+                <a:latin typeface="Arial" charset="0"/>
+                <a:ea typeface="Arial" charset="0"/>
+                <a:cs typeface="Arial" charset="0"/>
+              </a:defRPr>
+            </a:lvl2pPr>
+            <a:lvl3pPr marL="1143000" indent="-228600" eaLnBrk="0" hangingPunct="0">
+              <a:defRPr>
+                <a:solidFill>
+                  <a:schemeClr val="tx1"/>
+                </a:solidFill>
+                <a:latin typeface="Arial" charset="0"/>
+                <a:ea typeface="Arial" charset="0"/>
+                <a:cs typeface="Arial" charset="0"/>
+              </a:defRPr>
+            </a:lvl3pPr>
+            <a:lvl4pPr marL="1600200" indent="-228600" eaLnBrk="0" hangingPunct="0">
+              <a:defRPr>
+                <a:solidFill>
+                  <a:schemeClr val="tx1"/>
+                </a:solidFill>
+                <a:latin typeface="Arial" charset="0"/>
+                <a:ea typeface="Arial" charset="0"/>
+                <a:cs typeface="Arial" charset="0"/>
+              </a:defRPr>
+            </a:lvl4pPr>
+            <a:lvl5pPr marL="2057400" indent="-228600" eaLnBrk="0" hangingPunct="0">
+              <a:defRPr>
+                <a:solidFill>
+                  <a:schemeClr val="tx1"/>
+                </a:solidFill>
+                <a:latin typeface="Arial" charset="0"/>
+                <a:ea typeface="Arial" charset="0"/>
+                <a:cs typeface="Arial" charset="0"/>
+              </a:defRPr>
+            </a:lvl5pPr>
+            <a:lvl6pPr marL="2514600" indent="-228600" eaLnBrk="0" fontAlgn="base" hangingPunct="0">
+              <a:spcBef>
+                <a:spcPct val="0"/>
+              </a:spcBef>
+              <a:spcAft>
+                <a:spcPct val="0"/>
+              </a:spcAft>
+              <a:defRPr>
+                <a:solidFill>
+                  <a:schemeClr val="tx1"/>
+                </a:solidFill>
+                <a:latin typeface="Arial" charset="0"/>
+                <a:ea typeface="Arial" charset="0"/>
+                <a:cs typeface="Arial" charset="0"/>
+              </a:defRPr>
+            </a:lvl6pPr>
+            <a:lvl7pPr marL="2971800" indent="-228600" eaLnBrk="0" fontAlgn="base" hangingPunct="0">
+              <a:spcBef>
+                <a:spcPct val="0"/>
+              </a:spcBef>
+              <a:spcAft>
+                <a:spcPct val="0"/>
+              </a:spcAft>
+              <a:defRPr>
+                <a:solidFill>
+                  <a:schemeClr val="tx1"/>
+                </a:solidFill>
+                <a:latin typeface="Arial" charset="0"/>
+                <a:ea typeface="Arial" charset="0"/>
+                <a:cs typeface="Arial" charset="0"/>
+              </a:defRPr>
+            </a:lvl7pPr>
+            <a:lvl8pPr marL="3429000" indent="-228600" eaLnBrk="0" fontAlgn="base" hangingPunct="0">
+              <a:spcBef>
+                <a:spcPct val="0"/>
+              </a:spcBef>
+              <a:spcAft>
+                <a:spcPct val="0"/>
+              </a:spcAft>
+              <a:defRPr>
+                <a:solidFill>
+                  <a:schemeClr val="tx1"/>
+                </a:solidFill>
+                <a:latin typeface="Arial" charset="0"/>
+                <a:ea typeface="Arial" charset="0"/>
+                <a:cs typeface="Arial" charset="0"/>
+              </a:defRPr>
+            </a:lvl8pPr>
+            <a:lvl9pPr marL="3886200" indent="-228600" eaLnBrk="0" fontAlgn="base" hangingPunct="0">
+              <a:spcBef>
+                <a:spcPct val="0"/>
+              </a:spcBef>
+              <a:spcAft>
+                <a:spcPct val="0"/>
+              </a:spcAft>
+              <a:defRPr>
+                <a:solidFill>
+                  <a:schemeClr val="tx1"/>
+                </a:solidFill>
+                <a:latin typeface="Arial" charset="0"/>
+                <a:ea typeface="Arial" charset="0"/>
+                <a:cs typeface="Arial" charset="0"/>
+              </a:defRPr>
+            </a:lvl9pPr>
+          </a:lstStyle>
+          <a:p>
+            <a:pPr eaLnBrk="1" hangingPunct="1"/>
+            <a:fld id="{62FA24FA-708E-2F43-AF89-AB905AA28E32}" type="slidenum">
+              <a:rPr lang="en-US">
+                <a:latin typeface="Garamond" charset="0"/>
+              </a:rPr>
+              <a:pPr eaLnBrk="1" hangingPunct="1"/>
+              <a:t>7</a:t>
+            </a:fld>
+            <a:endParaRPr lang="en-US">
+              <a:latin typeface="Garamond" charset="0"/>
+            </a:endParaRPr>
+          </a:p>
+        </p:txBody>
+      </p:sp>
+      <p:sp>
+        <p:nvSpPr>
+          <p:cNvPr id="11271" name="AutoShape 4"/>
+          <p:cNvSpPr>
+            <a:spLocks noChangeArrowheads="1"/>
+          </p:cNvSpPr>
+          <p:nvPr/>
+        </p:nvSpPr>
+        <p:spPr bwMode="auto">
+          <a:xfrm>
+            <a:off x="1295400" y="3657600"/>
+            <a:ext cx="1371600" cy="457200"/>
+          </a:xfrm>
+          <a:prstGeom prst="flowChartProcess">
+            <a:avLst/>
+          </a:prstGeom>
+          <a:solidFill>
+            <a:schemeClr val="accent1"/>
+          </a:solidFill>
+          <a:ln w="9525">
+            <a:solidFill>
+              <a:schemeClr val="tx1"/>
+            </a:solidFill>
+            <a:miter lim="800000"/>
+            <a:headEnd/>
+            <a:tailEnd/>
+          </a:ln>
+        </p:spPr>
+        <p:txBody>
+          <a:bodyPr wrap="none" anchor="ctr"/>
+          <a:lstStyle/>
+          <a:p>
+            <a:endParaRPr lang="en-US"/>
+          </a:p>
+        </p:txBody>
+      </p:sp>
+      <p:sp>
+        <p:nvSpPr>
+          <p:cNvPr id="11272" name="AutoShape 5"/>
+          <p:cNvSpPr>
+            <a:spLocks noChangeArrowheads="1"/>
+          </p:cNvSpPr>
+          <p:nvPr/>
+        </p:nvSpPr>
+        <p:spPr bwMode="auto">
+          <a:xfrm>
+            <a:off x="1295400" y="5257800"/>
+            <a:ext cx="1371600" cy="457200"/>
+          </a:xfrm>
+          <a:prstGeom prst="flowChartDecision">
+            <a:avLst/>
+          </a:prstGeom>
+          <a:solidFill>
+            <a:schemeClr val="accent1"/>
+          </a:solidFill>
+          <a:ln w="9525">
+            <a:solidFill>
+              <a:schemeClr val="tx1"/>
+            </a:solidFill>
+            <a:miter lim="800000"/>
+            <a:headEnd/>
+            <a:tailEnd/>
+          </a:ln>
+        </p:spPr>
+        <p:txBody>
+          <a:bodyPr wrap="none" anchor="ctr"/>
+          <a:lstStyle/>
+          <a:p>
+            <a:endParaRPr lang="en-US"/>
+          </a:p>
+        </p:txBody>
+      </p:sp>
+      <p:sp>
+        <p:nvSpPr>
+          <p:cNvPr id="11273" name="AutoShape 7"/>
+          <p:cNvSpPr>
+            <a:spLocks noChangeArrowheads="1"/>
+          </p:cNvSpPr>
+          <p:nvPr/>
+        </p:nvSpPr>
+        <p:spPr bwMode="auto">
+          <a:xfrm>
+            <a:off x="1295400" y="4495800"/>
+            <a:ext cx="1371600" cy="457200"/>
+          </a:xfrm>
+          <a:prstGeom prst="flowChartInputOutput">
+            <a:avLst/>
+          </a:prstGeom>
+          <a:solidFill>
+            <a:schemeClr val="accent1"/>
+          </a:solidFill>
+          <a:ln w="9525">
+            <a:solidFill>
+              <a:schemeClr val="tx1"/>
+            </a:solidFill>
+            <a:miter lim="800000"/>
+            <a:headEnd/>
+            <a:tailEnd/>
+          </a:ln>
+        </p:spPr>
+        <p:txBody>
+          <a:bodyPr wrap="none" anchor="ctr"/>
+          <a:lstStyle/>
+          <a:p>
+            <a:endParaRPr lang="en-US"/>
+          </a:p>
+        </p:txBody>
+      </p:sp>
+      <p:sp>
+        <p:nvSpPr>
+          <p:cNvPr id="11274" name="AutoShape 9"/>
+          <p:cNvSpPr>
+            <a:spLocks noChangeArrowheads="1"/>
+          </p:cNvSpPr>
+          <p:nvPr/>
+        </p:nvSpPr>
+        <p:spPr bwMode="auto">
+          <a:xfrm>
+            <a:off x="4495800" y="3733800"/>
+            <a:ext cx="1371600" cy="304800"/>
+          </a:xfrm>
+          <a:prstGeom prst="flowChartTerminator">
+            <a:avLst/>
+          </a:prstGeom>
+          <a:solidFill>
+            <a:schemeClr val="accent1"/>
+          </a:solidFill>
+          <a:ln w="9525">
+            <a:solidFill>
+              <a:schemeClr val="tx1"/>
+            </a:solidFill>
+            <a:miter lim="800000"/>
+            <a:headEnd/>
+            <a:tailEnd/>
+          </a:ln>
+        </p:spPr>
+        <p:txBody>
+          <a:bodyPr wrap="none" anchor="ctr"/>
+          <a:lstStyle/>
+          <a:p>
+            <a:endParaRPr lang="en-US"/>
+          </a:p>
+        </p:txBody>
+      </p:sp>
+      <p:sp>
+        <p:nvSpPr>
+          <p:cNvPr id="11275" name="AutoShape 10"/>
+          <p:cNvSpPr>
+            <a:spLocks noChangeArrowheads="1"/>
+          </p:cNvSpPr>
+          <p:nvPr/>
+        </p:nvSpPr>
+        <p:spPr bwMode="auto">
+          <a:xfrm>
+            <a:off x="4876800" y="4495800"/>
+            <a:ext cx="457200" cy="457200"/>
+          </a:xfrm>
+          <a:prstGeom prst="flowChartConnector">
+            <a:avLst/>
+          </a:prstGeom>
+          <a:solidFill>
+            <a:schemeClr val="accent1"/>
+          </a:solidFill>
+          <a:ln w="9525">
+            <a:solidFill>
+              <a:schemeClr val="tx1"/>
+            </a:solidFill>
+            <a:round/>
+            <a:headEnd/>
+            <a:tailEnd/>
+          </a:ln>
+        </p:spPr>
+        <p:txBody>
+          <a:bodyPr wrap="none" anchor="ctr"/>
+          <a:lstStyle/>
+          <a:p>
+            <a:endParaRPr lang="en-US"/>
+          </a:p>
+        </p:txBody>
+      </p:sp>
+      <p:sp>
+        <p:nvSpPr>
+          <p:cNvPr id="11276" name="AutoShape 11"/>
+          <p:cNvSpPr>
+            <a:spLocks noChangeArrowheads="1"/>
+          </p:cNvSpPr>
+          <p:nvPr/>
+        </p:nvSpPr>
+        <p:spPr bwMode="auto">
+          <a:xfrm>
+            <a:off x="4906963" y="5257800"/>
+            <a:ext cx="381000" cy="457200"/>
+          </a:xfrm>
+          <a:prstGeom prst="flowChartOffpageConnector">
+            <a:avLst/>
+          </a:prstGeom>
+          <a:solidFill>
+            <a:schemeClr val="accent1"/>
+          </a:solidFill>
+          <a:ln w="9525">
+            <a:solidFill>
+              <a:schemeClr val="tx1"/>
+            </a:solidFill>
+            <a:miter lim="800000"/>
+            <a:headEnd/>
+            <a:tailEnd/>
+          </a:ln>
+        </p:spPr>
+        <p:txBody>
+          <a:bodyPr wrap="none" anchor="ctr"/>
+          <a:lstStyle/>
+          <a:p>
+            <a:endParaRPr lang="en-US"/>
+          </a:p>
+        </p:txBody>
+      </p:sp>
+      <p:sp>
+        <p:nvSpPr>
+          <p:cNvPr id="11277" name="Text Box 14"/>
+          <p:cNvSpPr txBox="1">
+            <a:spLocks noChangeArrowheads="1"/>
+          </p:cNvSpPr>
+          <p:nvPr/>
+        </p:nvSpPr>
+        <p:spPr bwMode="auto">
+          <a:xfrm>
+            <a:off x="2667000" y="3657600"/>
+            <a:ext cx="1447800" cy="457200"/>
+          </a:xfrm>
+          <a:prstGeom prst="rect">
+            <a:avLst/>
+          </a:prstGeom>
+          <a:noFill/>
+          <a:ln>
+            <a:noFill/>
+          </a:ln>
+          <a:extLst>
+            <a:ext uri="{909E8E84-426E-40dd-AFC4-6F175D3DCCD1}">
+              <a14:hiddenFill xmlns:a14="http://schemas.microsoft.com/office/drawing/2010/main">
+                <a:solidFill>
+                  <a:srgbClr val="FFFFFF"/>
+                </a:solidFill>
+              </a14:hiddenFill>
+            </a:ext>
+            <a:ext uri="{91240B29-F687-4f45-9708-019B960494DF}">
+              <a14:hiddenLine xmlns:a14="http://schemas.microsoft.com/office/drawing/2010/main" w="9525">
+                <a:solidFill>
+                  <a:srgbClr val="000000"/>
+                </a:solidFill>
+                <a:miter lim="800000"/>
+                <a:headEnd/>
+                <a:tailEnd/>
+              </a14:hiddenLine>
+            </a:ext>
+          </a:extLst>
+        </p:spPr>
+        <p:txBody>
+          <a:bodyPr>
+            <a:spAutoFit/>
+          </a:bodyPr>
+          <a:lstStyle>
+            <a:lvl1pPr>
+              <a:defRPr sz="3000">
+                <a:solidFill>
+                  <a:schemeClr val="tx1"/>
+                </a:solidFill>
+                <a:latin typeface="Arial" charset="0"/>
+                <a:ea typeface="ＭＳ Ｐゴシック" charset="0"/>
+              </a:defRPr>
+            </a:lvl1pPr>
+            <a:lvl2pPr marL="742950" indent="-285750">
+              <a:defRPr sz="2600">
+                <a:solidFill>
+                  <a:schemeClr val="tx1"/>
+                </a:solidFill>
+                <a:latin typeface="Arial" charset="0"/>
+                <a:ea typeface="ＭＳ Ｐゴシック" charset="0"/>
+              </a:defRPr>
+            </a:lvl2pPr>
+            <a:lvl3pPr marL="1143000" indent="-228600">
+              <a:defRPr sz="2200">
+                <a:solidFill>
+                  <a:schemeClr val="tx1"/>
+                </a:solidFill>
+                <a:latin typeface="Arial" charset="0"/>
+                <a:ea typeface="ＭＳ Ｐゴシック" charset="0"/>
+              </a:defRPr>
+            </a:lvl3pPr>
+            <a:lvl4pPr marL="1600200" indent="-228600">
+              <a:defRPr sz="2000">
+                <a:solidFill>
+                  <a:schemeClr val="tx1"/>
+                </a:solidFill>
+                <a:latin typeface="Arial" charset="0"/>
+                <a:ea typeface="ＭＳ Ｐゴシック" charset="0"/>
+              </a:defRPr>
+            </a:lvl4pPr>
+            <a:lvl5pPr marL="2057400" indent="-228600">
+              <a:defRPr sz="2000">
+                <a:solidFill>
+                  <a:schemeClr val="tx1"/>
+                </a:solidFill>
+                <a:latin typeface="Arial" charset="0"/>
+                <a:ea typeface="ＭＳ Ｐゴシック" charset="0"/>
+              </a:defRPr>
+            </a:lvl5pPr>
+            <a:lvl6pPr marL="2514600" indent="-228600" eaLnBrk="0" hangingPunct="0">
+              <a:buFont typeface="Wingdings" charset="0"/>
+              <a:defRPr sz="2000">
+                <a:solidFill>
+                  <a:schemeClr val="tx1"/>
+                </a:solidFill>
+                <a:latin typeface="Arial" charset="0"/>
+                <a:ea typeface="ＭＳ Ｐゴシック" charset="0"/>
+              </a:defRPr>
+            </a:lvl6pPr>
+            <a:lvl7pPr marL="2971800" indent="-228600" eaLnBrk="0" hangingPunct="0">
+              <a:buFont typeface="Wingdings" charset="0"/>
+              <a:defRPr sz="2000">
+                <a:solidFill>
+                  <a:schemeClr val="tx1"/>
+                </a:solidFill>
+                <a:latin typeface="Arial" charset="0"/>
+                <a:ea typeface="ＭＳ Ｐゴシック" charset="0"/>
+              </a:defRPr>
+            </a:lvl7pPr>
+            <a:lvl8pPr marL="3429000" indent="-228600" eaLnBrk="0" hangingPunct="0">
+              <a:buFont typeface="Wingdings" charset="0"/>
+              <a:defRPr sz="2000">
+                <a:solidFill>
+                  <a:schemeClr val="tx1"/>
+                </a:solidFill>
+                <a:latin typeface="Arial" charset="0"/>
+                <a:ea typeface="ＭＳ Ｐゴシック" charset="0"/>
+              </a:defRPr>
+            </a:lvl8pPr>
+            <a:lvl9pPr marL="3886200" indent="-228600" eaLnBrk="0" hangingPunct="0">
+              <a:buFont typeface="Wingdings" charset="0"/>
+              <a:defRPr sz="2000">
+                <a:solidFill>
+                  <a:schemeClr val="tx1"/>
+                </a:solidFill>
+                <a:latin typeface="Arial" charset="0"/>
+                <a:ea typeface="ＭＳ Ｐゴシック" charset="0"/>
+              </a:defRPr>
+            </a:lvl9pPr>
+          </a:lstStyle>
+          <a:p>
+            <a:pPr>
+              <a:spcBef>
+                <a:spcPct val="50000"/>
+              </a:spcBef>
+            </a:pPr>
+            <a:r>
+              <a:rPr lang="en-US" sz="1800"/>
+              <a:t>Process</a:t>
+            </a:r>
+          </a:p>
+        </p:txBody>
+      </p:sp>
+      <p:sp>
+        <p:nvSpPr>
+          <p:cNvPr id="11278" name="Text Box 17"/>
+          <p:cNvSpPr txBox="1">
+            <a:spLocks noChangeArrowheads="1"/>
+          </p:cNvSpPr>
+          <p:nvPr/>
+        </p:nvSpPr>
+        <p:spPr bwMode="auto">
+          <a:xfrm>
+            <a:off x="2667000" y="5257800"/>
+            <a:ext cx="2057400" cy="369888"/>
+          </a:xfrm>
+          <a:prstGeom prst="rect">
+            <a:avLst/>
+          </a:prstGeom>
+          <a:noFill/>
+          <a:ln>
+            <a:noFill/>
+          </a:ln>
+          <a:extLst>
+            <a:ext uri="{909E8E84-426E-40dd-AFC4-6F175D3DCCD1}">
+              <a14:hiddenFill xmlns:a14="http://schemas.microsoft.com/office/drawing/2010/main">
+                <a:solidFill>
+                  <a:srgbClr val="FFFFFF"/>
+                </a:solidFill>
+              </a14:hiddenFill>
+            </a:ext>
+            <a:ext uri="{91240B29-F687-4f45-9708-019B960494DF}">
+              <a14:hiddenLine xmlns:a14="http://schemas.microsoft.com/office/drawing/2010/main" w="9525">
+                <a:solidFill>
+                  <a:srgbClr val="000000"/>
+                </a:solidFill>
+                <a:miter lim="800000"/>
+                <a:headEnd/>
+                <a:tailEnd/>
+              </a14:hiddenLine>
+            </a:ext>
+          </a:extLst>
+        </p:spPr>
+        <p:txBody>
+          <a:bodyPr>
+            <a:spAutoFit/>
+          </a:bodyPr>
+          <a:lstStyle>
+            <a:lvl1pPr>
+              <a:defRPr sz="3000">
+                <a:solidFill>
+                  <a:schemeClr val="tx1"/>
+                </a:solidFill>
+                <a:latin typeface="Arial" charset="0"/>
+                <a:ea typeface="ＭＳ Ｐゴシック" charset="0"/>
+              </a:defRPr>
+            </a:lvl1pPr>
+            <a:lvl2pPr marL="742950" indent="-285750">
+              <a:defRPr sz="2600">
+                <a:solidFill>
+                  <a:schemeClr val="tx1"/>
+                </a:solidFill>
+                <a:latin typeface="Arial" charset="0"/>
+                <a:ea typeface="ＭＳ Ｐゴシック" charset="0"/>
+              </a:defRPr>
+            </a:lvl2pPr>
+            <a:lvl3pPr marL="1143000" indent="-228600">
+              <a:defRPr sz="2200">
+                <a:solidFill>
+                  <a:schemeClr val="tx1"/>
+                </a:solidFill>
+                <a:latin typeface="Arial" charset="0"/>
+                <a:ea typeface="ＭＳ Ｐゴシック" charset="0"/>
+              </a:defRPr>
+            </a:lvl3pPr>
+            <a:lvl4pPr marL="1600200" indent="-228600">
+              <a:defRPr sz="2000">
+                <a:solidFill>
+                  <a:schemeClr val="tx1"/>
+                </a:solidFill>
+                <a:latin typeface="Arial" charset="0"/>
+                <a:ea typeface="ＭＳ Ｐゴシック" charset="0"/>
+              </a:defRPr>
+            </a:lvl4pPr>
+            <a:lvl5pPr marL="2057400" indent="-228600">
+              <a:defRPr sz="2000">
+                <a:solidFill>
+                  <a:schemeClr val="tx1"/>
+                </a:solidFill>
+                <a:latin typeface="Arial" charset="0"/>
+                <a:ea typeface="ＭＳ Ｐゴシック" charset="0"/>
+              </a:defRPr>
+            </a:lvl5pPr>
+            <a:lvl6pPr marL="2514600" indent="-228600" eaLnBrk="0" hangingPunct="0">
+              <a:buFont typeface="Wingdings" charset="0"/>
+              <a:defRPr sz="2000">
+                <a:solidFill>
+                  <a:schemeClr val="tx1"/>
+                </a:solidFill>
+                <a:latin typeface="Arial" charset="0"/>
+                <a:ea typeface="ＭＳ Ｐゴシック" charset="0"/>
+              </a:defRPr>
+            </a:lvl6pPr>
+            <a:lvl7pPr marL="2971800" indent="-228600" eaLnBrk="0" hangingPunct="0">
+              <a:buFont typeface="Wingdings" charset="0"/>
+              <a:defRPr sz="2000">
+                <a:solidFill>
+                  <a:schemeClr val="tx1"/>
+                </a:solidFill>
+                <a:latin typeface="Arial" charset="0"/>
+                <a:ea typeface="ＭＳ Ｐゴシック" charset="0"/>
+              </a:defRPr>
+            </a:lvl7pPr>
+            <a:lvl8pPr marL="3429000" indent="-228600" eaLnBrk="0" hangingPunct="0">
+              <a:buFont typeface="Wingdings" charset="0"/>
+              <a:defRPr sz="2000">
+                <a:solidFill>
+                  <a:schemeClr val="tx1"/>
+                </a:solidFill>
+                <a:latin typeface="Arial" charset="0"/>
+                <a:ea typeface="ＭＳ Ｐゴシック" charset="0"/>
+              </a:defRPr>
+            </a:lvl8pPr>
+            <a:lvl9pPr marL="3886200" indent="-228600" eaLnBrk="0" hangingPunct="0">
+              <a:buFont typeface="Wingdings" charset="0"/>
+              <a:defRPr sz="2000">
+                <a:solidFill>
+                  <a:schemeClr val="tx1"/>
+                </a:solidFill>
+                <a:latin typeface="Arial" charset="0"/>
+                <a:ea typeface="ＭＳ Ｐゴシック" charset="0"/>
+              </a:defRPr>
+            </a:lvl9pPr>
+          </a:lstStyle>
+          <a:p>
+            <a:pPr>
+              <a:spcBef>
+                <a:spcPct val="50000"/>
+              </a:spcBef>
+            </a:pPr>
+            <a:r>
+              <a:rPr lang="en-US" sz="1800"/>
+              <a:t>Decision</a:t>
+            </a:r>
+          </a:p>
+        </p:txBody>
+      </p:sp>
+      <p:sp>
+        <p:nvSpPr>
+          <p:cNvPr id="11279" name="Text Box 19"/>
+          <p:cNvSpPr txBox="1">
+            <a:spLocks noChangeArrowheads="1"/>
+          </p:cNvSpPr>
+          <p:nvPr/>
+        </p:nvSpPr>
+        <p:spPr bwMode="auto">
+          <a:xfrm>
+            <a:off x="2667000" y="4495800"/>
+            <a:ext cx="2057400" cy="457200"/>
+          </a:xfrm>
+          <a:prstGeom prst="rect">
+            <a:avLst/>
+          </a:prstGeom>
+          <a:noFill/>
+          <a:ln>
+            <a:noFill/>
+          </a:ln>
+          <a:extLst>
+            <a:ext uri="{909E8E84-426E-40dd-AFC4-6F175D3DCCD1}">
+              <a14:hiddenFill xmlns:a14="http://schemas.microsoft.com/office/drawing/2010/main">
+                <a:solidFill>
+                  <a:srgbClr val="FFFFFF"/>
+                </a:solidFill>
+              </a14:hiddenFill>
+            </a:ext>
+            <a:ext uri="{91240B29-F687-4f45-9708-019B960494DF}">
+              <a14:hiddenLine xmlns:a14="http://schemas.microsoft.com/office/drawing/2010/main" w="9525">
+                <a:solidFill>
+                  <a:srgbClr val="000000"/>
+                </a:solidFill>
+                <a:miter lim="800000"/>
+                <a:headEnd/>
+                <a:tailEnd/>
+              </a14:hiddenLine>
+            </a:ext>
+          </a:extLst>
+        </p:spPr>
+        <p:txBody>
+          <a:bodyPr>
+            <a:spAutoFit/>
+          </a:bodyPr>
+          <a:lstStyle>
+            <a:lvl1pPr>
+              <a:defRPr sz="3000">
+                <a:solidFill>
+                  <a:schemeClr val="tx1"/>
+                </a:solidFill>
+                <a:latin typeface="Arial" charset="0"/>
+                <a:ea typeface="ＭＳ Ｐゴシック" charset="0"/>
+              </a:defRPr>
+            </a:lvl1pPr>
+            <a:lvl2pPr marL="742950" indent="-285750">
+              <a:defRPr sz="2600">
+                <a:solidFill>
+                  <a:schemeClr val="tx1"/>
+                </a:solidFill>
+                <a:latin typeface="Arial" charset="0"/>
+                <a:ea typeface="ＭＳ Ｐゴシック" charset="0"/>
+              </a:defRPr>
+            </a:lvl2pPr>
+            <a:lvl3pPr marL="1143000" indent="-228600">
+              <a:defRPr sz="2200">
+                <a:solidFill>
+                  <a:schemeClr val="tx1"/>
+                </a:solidFill>
+                <a:latin typeface="Arial" charset="0"/>
+                <a:ea typeface="ＭＳ Ｐゴシック" charset="0"/>
+              </a:defRPr>
+            </a:lvl3pPr>
+            <a:lvl4pPr marL="1600200" indent="-228600">
+              <a:defRPr sz="2000">
+                <a:solidFill>
+                  <a:schemeClr val="tx1"/>
+                </a:solidFill>
+                <a:latin typeface="Arial" charset="0"/>
+                <a:ea typeface="ＭＳ Ｐゴシック" charset="0"/>
+              </a:defRPr>
+            </a:lvl4pPr>
+            <a:lvl5pPr marL="2057400" indent="-228600">
+              <a:defRPr sz="2000">
+                <a:solidFill>
+                  <a:schemeClr val="tx1"/>
+                </a:solidFill>
+                <a:latin typeface="Arial" charset="0"/>
+                <a:ea typeface="ＭＳ Ｐゴシック" charset="0"/>
+              </a:defRPr>
+            </a:lvl5pPr>
+            <a:lvl6pPr marL="2514600" indent="-228600" eaLnBrk="0" hangingPunct="0">
+              <a:buFont typeface="Wingdings" charset="0"/>
+              <a:defRPr sz="2000">
+                <a:solidFill>
+                  <a:schemeClr val="tx1"/>
+                </a:solidFill>
+                <a:latin typeface="Arial" charset="0"/>
+                <a:ea typeface="ＭＳ Ｐゴシック" charset="0"/>
+              </a:defRPr>
+            </a:lvl6pPr>
+            <a:lvl7pPr marL="2971800" indent="-228600" eaLnBrk="0" hangingPunct="0">
+              <a:buFont typeface="Wingdings" charset="0"/>
+              <a:defRPr sz="2000">
+                <a:solidFill>
+                  <a:schemeClr val="tx1"/>
+                </a:solidFill>
+                <a:latin typeface="Arial" charset="0"/>
+                <a:ea typeface="ＭＳ Ｐゴシック" charset="0"/>
+              </a:defRPr>
+            </a:lvl7pPr>
+            <a:lvl8pPr marL="3429000" indent="-228600" eaLnBrk="0" hangingPunct="0">
+              <a:buFont typeface="Wingdings" charset="0"/>
+              <a:defRPr sz="2000">
+                <a:solidFill>
+                  <a:schemeClr val="tx1"/>
+                </a:solidFill>
+                <a:latin typeface="Arial" charset="0"/>
+                <a:ea typeface="ＭＳ Ｐゴシック" charset="0"/>
+              </a:defRPr>
+            </a:lvl8pPr>
+            <a:lvl9pPr marL="3886200" indent="-228600" eaLnBrk="0" hangingPunct="0">
+              <a:buFont typeface="Wingdings" charset="0"/>
+              <a:defRPr sz="2000">
+                <a:solidFill>
+                  <a:schemeClr val="tx1"/>
+                </a:solidFill>
+                <a:latin typeface="Arial" charset="0"/>
+                <a:ea typeface="ＭＳ Ｐゴシック" charset="0"/>
+              </a:defRPr>
+            </a:lvl9pPr>
+          </a:lstStyle>
+          <a:p>
+            <a:pPr>
+              <a:spcBef>
+                <a:spcPct val="50000"/>
+              </a:spcBef>
+            </a:pPr>
+            <a:r>
+              <a:rPr lang="en-US" sz="1800"/>
+              <a:t>Input/Output</a:t>
+            </a:r>
+          </a:p>
+        </p:txBody>
+      </p:sp>
+      <p:sp>
+        <p:nvSpPr>
+          <p:cNvPr id="11280" name="Text Box 21"/>
+          <p:cNvSpPr txBox="1">
+            <a:spLocks noChangeArrowheads="1"/>
+          </p:cNvSpPr>
+          <p:nvPr/>
+        </p:nvSpPr>
+        <p:spPr bwMode="auto">
+          <a:xfrm>
+            <a:off x="5867400" y="3657600"/>
+            <a:ext cx="2590800" cy="369888"/>
+          </a:xfrm>
+          <a:prstGeom prst="rect">
+            <a:avLst/>
+          </a:prstGeom>
+          <a:noFill/>
+          <a:ln>
+            <a:noFill/>
+          </a:ln>
+          <a:extLst>
+            <a:ext uri="{909E8E84-426E-40dd-AFC4-6F175D3DCCD1}">
+              <a14:hiddenFill xmlns:a14="http://schemas.microsoft.com/office/drawing/2010/main">
+                <a:solidFill>
+                  <a:srgbClr val="FFFFFF"/>
+                </a:solidFill>
+              </a14:hiddenFill>
+            </a:ext>
+            <a:ext uri="{91240B29-F687-4f45-9708-019B960494DF}">
+              <a14:hiddenLine xmlns:a14="http://schemas.microsoft.com/office/drawing/2010/main" w="9525">
+                <a:solidFill>
+                  <a:srgbClr val="000000"/>
+                </a:solidFill>
+                <a:miter lim="800000"/>
+                <a:headEnd/>
+                <a:tailEnd/>
+              </a14:hiddenLine>
+            </a:ext>
+          </a:extLst>
+        </p:spPr>
+        <p:txBody>
+          <a:bodyPr>
+            <a:spAutoFit/>
+          </a:bodyPr>
+          <a:lstStyle>
+            <a:lvl1pPr>
+              <a:defRPr sz="3000">
+                <a:solidFill>
+                  <a:schemeClr val="tx1"/>
+                </a:solidFill>
+                <a:latin typeface="Arial" charset="0"/>
+                <a:ea typeface="ＭＳ Ｐゴシック" charset="0"/>
+              </a:defRPr>
+            </a:lvl1pPr>
+            <a:lvl2pPr marL="742950" indent="-285750">
+              <a:defRPr sz="2600">
+                <a:solidFill>
+                  <a:schemeClr val="tx1"/>
+                </a:solidFill>
+                <a:latin typeface="Arial" charset="0"/>
+                <a:ea typeface="ＭＳ Ｐゴシック" charset="0"/>
+              </a:defRPr>
+            </a:lvl2pPr>
+            <a:lvl3pPr marL="1143000" indent="-228600">
+              <a:defRPr sz="2200">
+                <a:solidFill>
+                  <a:schemeClr val="tx1"/>
+                </a:solidFill>
+                <a:latin typeface="Arial" charset="0"/>
+                <a:ea typeface="ＭＳ Ｐゴシック" charset="0"/>
+              </a:defRPr>
+            </a:lvl3pPr>
+            <a:lvl4pPr marL="1600200" indent="-228600">
+              <a:defRPr sz="2000">
+                <a:solidFill>
+                  <a:schemeClr val="tx1"/>
+                </a:solidFill>
+                <a:latin typeface="Arial" charset="0"/>
+                <a:ea typeface="ＭＳ Ｐゴシック" charset="0"/>
+              </a:defRPr>
+            </a:lvl4pPr>
+            <a:lvl5pPr marL="2057400" indent="-228600">
+              <a:defRPr sz="2000">
+                <a:solidFill>
+                  <a:schemeClr val="tx1"/>
+                </a:solidFill>
+                <a:latin typeface="Arial" charset="0"/>
+                <a:ea typeface="ＭＳ Ｐゴシック" charset="0"/>
+              </a:defRPr>
+            </a:lvl5pPr>
+            <a:lvl6pPr marL="2514600" indent="-228600" eaLnBrk="0" hangingPunct="0">
+              <a:buFont typeface="Wingdings" charset="0"/>
+              <a:defRPr sz="2000">
+                <a:solidFill>
+                  <a:schemeClr val="tx1"/>
+                </a:solidFill>
+                <a:latin typeface="Arial" charset="0"/>
+                <a:ea typeface="ＭＳ Ｐゴシック" charset="0"/>
+              </a:defRPr>
+            </a:lvl6pPr>
+            <a:lvl7pPr marL="2971800" indent="-228600" eaLnBrk="0" hangingPunct="0">
+              <a:buFont typeface="Wingdings" charset="0"/>
+              <a:defRPr sz="2000">
+                <a:solidFill>
+                  <a:schemeClr val="tx1"/>
+                </a:solidFill>
+                <a:latin typeface="Arial" charset="0"/>
+                <a:ea typeface="ＭＳ Ｐゴシック" charset="0"/>
+              </a:defRPr>
+            </a:lvl7pPr>
+            <a:lvl8pPr marL="3429000" indent="-228600" eaLnBrk="0" hangingPunct="0">
+              <a:buFont typeface="Wingdings" charset="0"/>
+              <a:defRPr sz="2000">
+                <a:solidFill>
+                  <a:schemeClr val="tx1"/>
+                </a:solidFill>
+                <a:latin typeface="Arial" charset="0"/>
+                <a:ea typeface="ＭＳ Ｐゴシック" charset="0"/>
+              </a:defRPr>
+            </a:lvl8pPr>
+            <a:lvl9pPr marL="3886200" indent="-228600" eaLnBrk="0" hangingPunct="0">
+              <a:buFont typeface="Wingdings" charset="0"/>
+              <a:defRPr sz="2000">
+                <a:solidFill>
+                  <a:schemeClr val="tx1"/>
+                </a:solidFill>
+                <a:latin typeface="Arial" charset="0"/>
+                <a:ea typeface="ＭＳ Ｐゴシック" charset="0"/>
+              </a:defRPr>
+            </a:lvl9pPr>
+          </a:lstStyle>
+          <a:p>
+            <a:pPr>
+              <a:spcBef>
+                <a:spcPct val="50000"/>
+              </a:spcBef>
+            </a:pPr>
+            <a:r>
+              <a:rPr lang="en-US" sz="1800"/>
+              <a:t>Terminator (start/end)</a:t>
+            </a:r>
+          </a:p>
+        </p:txBody>
+      </p:sp>
+      <p:sp>
+        <p:nvSpPr>
+          <p:cNvPr id="11281" name="Text Box 22"/>
+          <p:cNvSpPr txBox="1">
+            <a:spLocks noChangeArrowheads="1"/>
+          </p:cNvSpPr>
+          <p:nvPr/>
+        </p:nvSpPr>
+        <p:spPr bwMode="auto">
+          <a:xfrm>
+            <a:off x="5867400" y="4495800"/>
+            <a:ext cx="2590800" cy="457200"/>
+          </a:xfrm>
+          <a:prstGeom prst="rect">
+            <a:avLst/>
+          </a:prstGeom>
+          <a:noFill/>
+          <a:ln>
+            <a:noFill/>
+          </a:ln>
+          <a:extLst>
+            <a:ext uri="{909E8E84-426E-40dd-AFC4-6F175D3DCCD1}">
+              <a14:hiddenFill xmlns:a14="http://schemas.microsoft.com/office/drawing/2010/main">
+                <a:solidFill>
+                  <a:srgbClr val="FFFFFF"/>
+                </a:solidFill>
+              </a14:hiddenFill>
+            </a:ext>
+            <a:ext uri="{91240B29-F687-4f45-9708-019B960494DF}">
+              <a14:hiddenLine xmlns:a14="http://schemas.microsoft.com/office/drawing/2010/main" w="9525">
+                <a:solidFill>
+                  <a:srgbClr val="000000"/>
+                </a:solidFill>
+                <a:miter lim="800000"/>
+                <a:headEnd/>
+                <a:tailEnd/>
+              </a14:hiddenLine>
+            </a:ext>
+          </a:extLst>
+        </p:spPr>
+        <p:txBody>
+          <a:bodyPr>
+            <a:spAutoFit/>
+          </a:bodyPr>
+          <a:lstStyle>
+            <a:lvl1pPr>
+              <a:defRPr sz="3000">
+                <a:solidFill>
+                  <a:schemeClr val="tx1"/>
+                </a:solidFill>
+                <a:latin typeface="Arial" charset="0"/>
+                <a:ea typeface="ＭＳ Ｐゴシック" charset="0"/>
+              </a:defRPr>
+            </a:lvl1pPr>
+            <a:lvl2pPr marL="742950" indent="-285750">
+              <a:defRPr sz="2600">
+                <a:solidFill>
+                  <a:schemeClr val="tx1"/>
+                </a:solidFill>
+                <a:latin typeface="Arial" charset="0"/>
+                <a:ea typeface="ＭＳ Ｐゴシック" charset="0"/>
+              </a:defRPr>
+            </a:lvl2pPr>
+            <a:lvl3pPr marL="1143000" indent="-228600">
+              <a:defRPr sz="2200">
+                <a:solidFill>
+                  <a:schemeClr val="tx1"/>
+                </a:solidFill>
+                <a:latin typeface="Arial" charset="0"/>
+                <a:ea typeface="ＭＳ Ｐゴシック" charset="0"/>
+              </a:defRPr>
+            </a:lvl3pPr>
+            <a:lvl4pPr marL="1600200" indent="-228600">
+              <a:defRPr sz="2000">
+                <a:solidFill>
+                  <a:schemeClr val="tx1"/>
+                </a:solidFill>
+                <a:latin typeface="Arial" charset="0"/>
+                <a:ea typeface="ＭＳ Ｐゴシック" charset="0"/>
+              </a:defRPr>
+            </a:lvl4pPr>
+            <a:lvl5pPr marL="2057400" indent="-228600">
+              <a:defRPr sz="2000">
+                <a:solidFill>
+                  <a:schemeClr val="tx1"/>
+                </a:solidFill>
+                <a:latin typeface="Arial" charset="0"/>
+                <a:ea typeface="ＭＳ Ｐゴシック" charset="0"/>
+              </a:defRPr>
+            </a:lvl5pPr>
+            <a:lvl6pPr marL="2514600" indent="-228600" eaLnBrk="0" hangingPunct="0">
+              <a:buFont typeface="Wingdings" charset="0"/>
+              <a:defRPr sz="2000">
+                <a:solidFill>
+                  <a:schemeClr val="tx1"/>
+                </a:solidFill>
+                <a:latin typeface="Arial" charset="0"/>
+                <a:ea typeface="ＭＳ Ｐゴシック" charset="0"/>
+              </a:defRPr>
+            </a:lvl6pPr>
+            <a:lvl7pPr marL="2971800" indent="-228600" eaLnBrk="0" hangingPunct="0">
+              <a:buFont typeface="Wingdings" charset="0"/>
+              <a:defRPr sz="2000">
+                <a:solidFill>
+                  <a:schemeClr val="tx1"/>
+                </a:solidFill>
+                <a:latin typeface="Arial" charset="0"/>
+                <a:ea typeface="ＭＳ Ｐゴシック" charset="0"/>
+              </a:defRPr>
+            </a:lvl7pPr>
+            <a:lvl8pPr marL="3429000" indent="-228600" eaLnBrk="0" hangingPunct="0">
+              <a:buFont typeface="Wingdings" charset="0"/>
+              <a:defRPr sz="2000">
+                <a:solidFill>
+                  <a:schemeClr val="tx1"/>
+                </a:solidFill>
+                <a:latin typeface="Arial" charset="0"/>
+                <a:ea typeface="ＭＳ Ｐゴシック" charset="0"/>
+              </a:defRPr>
+            </a:lvl8pPr>
+            <a:lvl9pPr marL="3886200" indent="-228600" eaLnBrk="0" hangingPunct="0">
+              <a:buFont typeface="Wingdings" charset="0"/>
+              <a:defRPr sz="2000">
+                <a:solidFill>
+                  <a:schemeClr val="tx1"/>
+                </a:solidFill>
+                <a:latin typeface="Arial" charset="0"/>
+                <a:ea typeface="ＭＳ Ｐゴシック" charset="0"/>
+              </a:defRPr>
+            </a:lvl9pPr>
+          </a:lstStyle>
+          <a:p>
+            <a:pPr>
+              <a:spcBef>
+                <a:spcPct val="50000"/>
+              </a:spcBef>
+            </a:pPr>
+            <a:r>
+              <a:rPr lang="en-US" sz="1800"/>
+              <a:t>Connector</a:t>
+            </a:r>
+          </a:p>
+        </p:txBody>
+      </p:sp>
+      <p:sp>
+        <p:nvSpPr>
+          <p:cNvPr id="11282" name="Text Box 23"/>
+          <p:cNvSpPr txBox="1">
+            <a:spLocks noChangeArrowheads="1"/>
+          </p:cNvSpPr>
+          <p:nvPr/>
+        </p:nvSpPr>
+        <p:spPr bwMode="auto">
+          <a:xfrm>
+            <a:off x="5867400" y="5257800"/>
+            <a:ext cx="2819400" cy="457200"/>
+          </a:xfrm>
+          <a:prstGeom prst="rect">
+            <a:avLst/>
+          </a:prstGeom>
+          <a:noFill/>
+          <a:ln>
+            <a:noFill/>
+          </a:ln>
+          <a:extLst>
+            <a:ext uri="{909E8E84-426E-40dd-AFC4-6F175D3DCCD1}">
+              <a14:hiddenFill xmlns:a14="http://schemas.microsoft.com/office/drawing/2010/main">
+                <a:solidFill>
+                  <a:srgbClr val="FFFFFF"/>
+                </a:solidFill>
+              </a14:hiddenFill>
+            </a:ext>
+            <a:ext uri="{91240B29-F687-4f45-9708-019B960494DF}">
+              <a14:hiddenLine xmlns:a14="http://schemas.microsoft.com/office/drawing/2010/main" w="9525">
+                <a:solidFill>
+                  <a:srgbClr val="000000"/>
+                </a:solidFill>
+                <a:miter lim="800000"/>
+                <a:headEnd/>
+                <a:tailEnd/>
+              </a14:hiddenLine>
+            </a:ext>
+          </a:extLst>
+        </p:spPr>
+        <p:txBody>
+          <a:bodyPr>
+            <a:spAutoFit/>
+          </a:bodyPr>
+          <a:lstStyle>
+            <a:lvl1pPr>
+              <a:defRPr sz="3000">
+                <a:solidFill>
+                  <a:schemeClr val="tx1"/>
+                </a:solidFill>
+                <a:latin typeface="Arial" charset="0"/>
+                <a:ea typeface="ＭＳ Ｐゴシック" charset="0"/>
+              </a:defRPr>
+            </a:lvl1pPr>
+            <a:lvl2pPr marL="742950" indent="-285750">
+              <a:defRPr sz="2600">
+                <a:solidFill>
+                  <a:schemeClr val="tx1"/>
+                </a:solidFill>
+                <a:latin typeface="Arial" charset="0"/>
+                <a:ea typeface="ＭＳ Ｐゴシック" charset="0"/>
+              </a:defRPr>
+            </a:lvl2pPr>
+            <a:lvl3pPr marL="1143000" indent="-228600">
+              <a:defRPr sz="2200">
+                <a:solidFill>
+                  <a:schemeClr val="tx1"/>
+                </a:solidFill>
+                <a:latin typeface="Arial" charset="0"/>
+                <a:ea typeface="ＭＳ Ｐゴシック" charset="0"/>
+              </a:defRPr>
+            </a:lvl3pPr>
+            <a:lvl4pPr marL="1600200" indent="-228600">
+              <a:defRPr sz="2000">
+                <a:solidFill>
+                  <a:schemeClr val="tx1"/>
+                </a:solidFill>
+                <a:latin typeface="Arial" charset="0"/>
+                <a:ea typeface="ＭＳ Ｐゴシック" charset="0"/>
+              </a:defRPr>
+            </a:lvl4pPr>
+            <a:lvl5pPr marL="2057400" indent="-228600">
+              <a:defRPr sz="2000">
+                <a:solidFill>
+                  <a:schemeClr val="tx1"/>
+                </a:solidFill>
+                <a:latin typeface="Arial" charset="0"/>
+                <a:ea typeface="ＭＳ Ｐゴシック" charset="0"/>
+              </a:defRPr>
+            </a:lvl5pPr>
+            <a:lvl6pPr marL="2514600" indent="-228600" eaLnBrk="0" hangingPunct="0">
+              <a:buFont typeface="Wingdings" charset="0"/>
+              <a:defRPr sz="2000">
+                <a:solidFill>
+                  <a:schemeClr val="tx1"/>
+                </a:solidFill>
+                <a:latin typeface="Arial" charset="0"/>
+                <a:ea typeface="ＭＳ Ｐゴシック" charset="0"/>
+              </a:defRPr>
+            </a:lvl6pPr>
+            <a:lvl7pPr marL="2971800" indent="-228600" eaLnBrk="0" hangingPunct="0">
+              <a:buFont typeface="Wingdings" charset="0"/>
+              <a:defRPr sz="2000">
+                <a:solidFill>
+                  <a:schemeClr val="tx1"/>
+                </a:solidFill>
+                <a:latin typeface="Arial" charset="0"/>
+                <a:ea typeface="ＭＳ Ｐゴシック" charset="0"/>
+              </a:defRPr>
+            </a:lvl7pPr>
+            <a:lvl8pPr marL="3429000" indent="-228600" eaLnBrk="0" hangingPunct="0">
+              <a:buFont typeface="Wingdings" charset="0"/>
+              <a:defRPr sz="2000">
+                <a:solidFill>
+                  <a:schemeClr val="tx1"/>
+                </a:solidFill>
+                <a:latin typeface="Arial" charset="0"/>
+                <a:ea typeface="ＭＳ Ｐゴシック" charset="0"/>
+              </a:defRPr>
+            </a:lvl8pPr>
+            <a:lvl9pPr marL="3886200" indent="-228600" eaLnBrk="0" hangingPunct="0">
+              <a:buFont typeface="Wingdings" charset="0"/>
+              <a:defRPr sz="2000">
+                <a:solidFill>
+                  <a:schemeClr val="tx1"/>
+                </a:solidFill>
+                <a:latin typeface="Arial" charset="0"/>
+                <a:ea typeface="ＭＳ Ｐゴシック" charset="0"/>
+              </a:defRPr>
+            </a:lvl9pPr>
+          </a:lstStyle>
+          <a:p>
+            <a:pPr>
+              <a:spcBef>
+                <a:spcPct val="50000"/>
+              </a:spcBef>
+            </a:pPr>
+            <a:r>
+              <a:rPr lang="en-US" sz="1800"/>
+              <a:t>Connector (off page)</a:t>
+            </a:r>
+          </a:p>
+        </p:txBody>
+      </p:sp>
+    </p:spTree>
+  </p:cSld>
+  <p:clrMapOvr>
+    <a:masterClrMapping/>
+  </p:clrMapOvr>
+  <p:timing>
+    <p:tnLst>
+      <p:par>
+        <p:cTn xmlns:p14="http://schemas.microsoft.com/office/powerpoint/2010/main" id="1" dur="indefinite" restart="never" nodeType="tmRoot"/>
+      </p:par>
+    </p:tnLst>
+  </p:timing>
+</p:sld>
+</file>
+
+<file path=ppt/slides/slide8.xml><?xml version="1.0" encoding="utf-8"?>
+<p:sld xmlns:a="http://schemas.openxmlformats.org/drawingml/2006/main" xmlns:r="http://schemas.openxmlformats.org/officeDocument/2006/relationships" xmlns:p="http://schemas.openxmlformats.org/presentationml/2006/main">
+  <p:cSld>
+    <p:spTree>
+      <p:nvGrpSpPr>
+        <p:cNvPr id="1" name=""/>
+        <p:cNvGrpSpPr/>
+        <p:nvPr/>
+      </p:nvGrpSpPr>
+      <p:grpSpPr>
+        <a:xfrm>
+          <a:off x="0" y="0"/>
+          <a:ext cx="0" cy="0"/>
+          <a:chOff x="0" y="0"/>
+          <a:chExt cx="0" cy="0"/>
+        </a:xfrm>
+      </p:grpSpPr>
+      <p:sp>
+        <p:nvSpPr>
           <p:cNvPr id="12290" name="Rectangle 2"/>
           <p:cNvSpPr>
             <a:spLocks noGrp="1" noChangeArrowheads="1"/>
@@ -12881,7 +13416,7 @@
           </a:lstStyle>
           <a:p>
             <a:pPr eaLnBrk="1" hangingPunct="1"/>
-            <a:fld id="{B3E3FA55-D2B8-4D4E-B719-DA1B37D8B23F}" type="datetime1">
+            <a:fld id="{3E5B70D6-2ADE-9F40-8384-8D2A94F2583F}" type="datetime1">
               <a:rPr lang="en-US" smtClean="0">
                 <a:latin typeface="Garamond" charset="0"/>
               </a:rPr>
@@ -13029,7 +13564,7 @@
                 <a:latin typeface="Garamond" charset="0"/>
               </a:rPr>
               <a:pPr eaLnBrk="1" hangingPunct="1"/>
-              <a:t>7</a:t>
+              <a:t>8</a:t>
             </a:fld>
             <a:endParaRPr lang="en-US">
               <a:latin typeface="Garamond" charset="0"/>
@@ -13132,7 +13667,7 @@
 </p:sld>
 </file>
 
-<file path=ppt/slides/slide8.xml><?xml version="1.0" encoding="utf-8"?>
+<file path=ppt/slides/slide9.xml><?xml version="1.0" encoding="utf-8"?>
 <p:sld xmlns:a="http://schemas.openxmlformats.org/drawingml/2006/main" xmlns:r="http://schemas.openxmlformats.org/officeDocument/2006/relationships" xmlns:p="http://schemas.openxmlformats.org/presentationml/2006/main">
   <p:cSld>
     <p:spTree>
@@ -13331,7 +13866,7 @@
           <a:graphicData uri="http://schemas.openxmlformats.org/presentationml/2006/ole">
             <mc:AlternateContent xmlns:mc="http://schemas.openxmlformats.org/markup-compatibility/2006">
               <mc:Choice xmlns:v="urn:schemas-microsoft-com:vml" Requires="v">
-                <p:oleObj spid="_x0000_s13453" name="Equation" r:id="rId3" imgW="571252" imgH="393529" progId="Equation.3">
+                <p:oleObj spid="_x0000_s13462" name="Equation" r:id="rId3" imgW="571252" imgH="393529" progId="Equation.3">
                   <p:embed/>
                 </p:oleObj>
               </mc:Choice>
@@ -13416,7 +13951,7 @@
           <a:graphicData uri="http://schemas.openxmlformats.org/presentationml/2006/ole">
             <mc:AlternateContent xmlns:mc="http://schemas.openxmlformats.org/markup-compatibility/2006">
               <mc:Choice xmlns:v="urn:schemas-microsoft-com:vml" Requires="v">
-                <p:oleObj spid="_x0000_s13454" name="Equation" r:id="rId5" imgW="2463800" imgH="431800" progId="Equation.3">
+                <p:oleObj spid="_x0000_s13463" name="Equation" r:id="rId5" imgW="2463800" imgH="431800" progId="Equation.3">
                   <p:embed/>
                 </p:oleObj>
               </mc:Choice>
@@ -13511,7 +14046,7 @@
           <a:graphicData uri="http://schemas.openxmlformats.org/presentationml/2006/ole">
             <mc:AlternateContent xmlns:mc="http://schemas.openxmlformats.org/markup-compatibility/2006">
               <mc:Choice xmlns:v="urn:schemas-microsoft-com:vml" Requires="v">
-                <p:oleObj spid="_x0000_s13455" name="Equation" r:id="rId7" imgW="2222500" imgH="431800" progId="Equation.3">
+                <p:oleObj spid="_x0000_s13464" name="Equation" r:id="rId7" imgW="2222500" imgH="431800" progId="Equation.3">
                   <p:embed/>
                 </p:oleObj>
               </mc:Choice>
@@ -15700,7 +16235,7 @@
           <a:graphicData uri="http://schemas.openxmlformats.org/presentationml/2006/ole">
             <mc:AlternateContent xmlns:mc="http://schemas.openxmlformats.org/markup-compatibility/2006">
               <mc:Choice xmlns:v="urn:schemas-microsoft-com:vml" Requires="v">
-                <p:oleObj spid="_x0000_s13456" name="Equation" r:id="rId9" imgW="571252" imgH="393529" progId="Equation.3">
+                <p:oleObj spid="_x0000_s13465" name="Equation" r:id="rId9" imgW="571252" imgH="393529" progId="Equation.3">
                   <p:embed/>
                 </p:oleObj>
               </mc:Choice>
@@ -15908,7 +16443,7 @@
           </a:lstStyle>
           <a:p>
             <a:pPr eaLnBrk="1" hangingPunct="1"/>
-            <a:fld id="{53A2A13F-B671-A441-9F2C-3961433FF2C3}" type="datetime1">
+            <a:fld id="{075A5EE7-CD26-E948-A883-503A1BC0CB65}" type="datetime1">
               <a:rPr lang="en-US" smtClean="0">
                 <a:latin typeface="Garamond" charset="0"/>
               </a:rPr>
@@ -16056,7 +16591,7 @@
                 <a:latin typeface="Garamond" charset="0"/>
               </a:rPr>
               <a:pPr eaLnBrk="1" hangingPunct="1"/>
-              <a:t>8</a:t>
+              <a:t>9</a:t>
             </a:fld>
             <a:endParaRPr lang="en-US">
               <a:latin typeface="Garamond" charset="0"/>
@@ -16144,527 +16679,6 @@
           </a:extLst>
         </p:spPr>
       </p:pic>
-    </p:spTree>
-  </p:cSld>
-  <p:clrMapOvr>
-    <a:masterClrMapping/>
-  </p:clrMapOvr>
-  <p:timing>
-    <p:tnLst>
-      <p:par>
-        <p:cTn xmlns:p14="http://schemas.microsoft.com/office/powerpoint/2010/main" id="1" dur="indefinite" restart="never" nodeType="tmRoot"/>
-      </p:par>
-    </p:tnLst>
-  </p:timing>
-</p:sld>
-</file>
-
-<file path=ppt/slides/slide9.xml><?xml version="1.0" encoding="utf-8"?>
-<p:sld xmlns:a="http://schemas.openxmlformats.org/drawingml/2006/main" xmlns:r="http://schemas.openxmlformats.org/officeDocument/2006/relationships" xmlns:p="http://schemas.openxmlformats.org/presentationml/2006/main">
-  <p:cSld>
-    <p:spTree>
-      <p:nvGrpSpPr>
-        <p:cNvPr id="1" name=""/>
-        <p:cNvGrpSpPr/>
-        <p:nvPr/>
-      </p:nvGrpSpPr>
-      <p:grpSpPr>
-        <a:xfrm>
-          <a:off x="0" y="0"/>
-          <a:ext cx="0" cy="0"/>
-          <a:chOff x="0" y="0"/>
-          <a:chExt cx="0" cy="0"/>
-        </a:xfrm>
-      </p:grpSpPr>
-      <p:sp>
-        <p:nvSpPr>
-          <p:cNvPr id="14338" name="Title 9"/>
-          <p:cNvSpPr>
-            <a:spLocks noGrp="1"/>
-          </p:cNvSpPr>
-          <p:nvPr>
-            <p:ph type="title"/>
-          </p:nvPr>
-        </p:nvSpPr>
-        <p:spPr/>
-        <p:txBody>
-          <a:bodyPr/>
-          <a:lstStyle/>
-          <a:p>
-            <a:r>
-              <a:rPr lang="en-US">
-                <a:latin typeface="Garamond" charset="0"/>
-              </a:rPr>
-              <a:t>Exercise: Flowchart</a:t>
-            </a:r>
-          </a:p>
-        </p:txBody>
-      </p:sp>
-      <p:sp>
-        <p:nvSpPr>
-          <p:cNvPr id="11" name="Content Placeholder 10"/>
-          <p:cNvSpPr>
-            <a:spLocks noGrp="1"/>
-          </p:cNvSpPr>
-          <p:nvPr>
-            <p:ph idx="1"/>
-          </p:nvPr>
-        </p:nvSpPr>
-        <p:spPr/>
-        <p:txBody>
-          <a:bodyPr>
-            <a:normAutofit/>
-          </a:bodyPr>
-          <a:lstStyle/>
-          <a:p>
-            <a:r>
-              <a:rPr lang="en-US" sz="2800" dirty="0">
-                <a:latin typeface="Arial" charset="0"/>
-              </a:rPr>
-              <a:t>Design a flowchart to solve the following:</a:t>
-            </a:r>
-          </a:p>
-          <a:p>
-            <a:pPr lvl="1"/>
-            <a:r>
-              <a:rPr lang="en-US" sz="2400" dirty="0">
-                <a:latin typeface="Arial" charset="0"/>
-              </a:rPr>
-              <a:t>Prompt a user to enter four numbers on a single line, which represent the contents of a 2x2 array</a:t>
-            </a:r>
-          </a:p>
-          <a:p>
-            <a:pPr lvl="1"/>
-            <a:r>
-              <a:rPr lang="en-US" sz="2400" dirty="0">
-                <a:latin typeface="Arial" charset="0"/>
-              </a:rPr>
-              <a:t>After reading the values, your program should print the matrix represented by these values</a:t>
-            </a:r>
-          </a:p>
-          <a:p>
-            <a:pPr lvl="2"/>
-            <a:r>
-              <a:rPr lang="en-US" sz="2000" dirty="0">
-                <a:latin typeface="Arial" charset="0"/>
-              </a:rPr>
-              <a:t>For example, if the user enters </a:t>
-            </a:r>
-            <a:r>
-              <a:rPr lang="ja-JP" altLang="en-US" sz="2000" dirty="0">
-                <a:latin typeface="Arial" charset="0"/>
-              </a:rPr>
-              <a:t>“</a:t>
-            </a:r>
-            <a:r>
-              <a:rPr lang="en-US" sz="2000" dirty="0">
-                <a:latin typeface="Courier New" charset="0"/>
-                <a:cs typeface="Courier New" charset="0"/>
-              </a:rPr>
-              <a:t>1 2 3 4</a:t>
-            </a:r>
-            <a:r>
-              <a:rPr lang="ja-JP" altLang="en-US" sz="2000" dirty="0">
-                <a:latin typeface="Arial" charset="0"/>
-              </a:rPr>
-              <a:t>”</a:t>
-            </a:r>
-            <a:r>
-              <a:rPr lang="en-US" sz="2000" dirty="0">
-                <a:latin typeface="Arial" charset="0"/>
-              </a:rPr>
-              <a:t>, print:</a:t>
-            </a:r>
-            <a:r>
-              <a:rPr lang="en-US" sz="2000" dirty="0">
-                <a:latin typeface="Courier New" charset="0"/>
-                <a:cs typeface="Courier New" charset="0"/>
-              </a:rPr>
-              <a:t> </a:t>
-            </a:r>
-          </a:p>
-          <a:p>
-            <a:pPr lvl="1">
-              <a:buFont typeface="Wingdings" charset="0"/>
-              <a:buNone/>
-            </a:pPr>
-            <a:r>
-              <a:rPr lang="en-US" sz="2400">
-                <a:latin typeface="Courier New" charset="0"/>
-                <a:cs typeface="Courier New" charset="0"/>
-              </a:rPr>
-              <a:t>      </a:t>
-            </a:r>
-            <a:r>
-              <a:rPr lang="en-US" sz="2400" smtClean="0">
-                <a:latin typeface="Courier New" charset="0"/>
-                <a:cs typeface="Courier New" charset="0"/>
-              </a:rPr>
-              <a:t>1  </a:t>
-            </a:r>
-            <a:r>
-              <a:rPr lang="en-US" sz="2400">
-                <a:latin typeface="Courier New" charset="0"/>
-                <a:cs typeface="Courier New" charset="0"/>
-              </a:rPr>
-              <a:t>2</a:t>
-            </a:r>
-          </a:p>
-          <a:p>
-            <a:pPr lvl="1">
-              <a:buFont typeface="Wingdings" charset="0"/>
-              <a:buNone/>
-            </a:pPr>
-            <a:r>
-              <a:rPr lang="en-US" sz="2400" dirty="0">
-                <a:latin typeface="Courier New" charset="0"/>
-                <a:cs typeface="Courier New" charset="0"/>
-              </a:rPr>
-              <a:t>	    3  4</a:t>
-            </a:r>
-          </a:p>
-          <a:p>
-            <a:pPr lvl="2"/>
-            <a:r>
-              <a:rPr lang="en-US" sz="2000" dirty="0">
-                <a:latin typeface="Arial" charset="0"/>
-              </a:rPr>
-              <a:t>Assume all values have the same number of digits</a:t>
-            </a:r>
-          </a:p>
-          <a:p>
-            <a:pPr lvl="1"/>
-            <a:r>
-              <a:rPr lang="en-US" sz="2400" dirty="0">
-                <a:latin typeface="Arial" charset="0"/>
-              </a:rPr>
-              <a:t>Also, calculate the matrix determinant and print it on a separate line</a:t>
-            </a:r>
-          </a:p>
-          <a:p>
-            <a:pPr lvl="2"/>
-            <a:r>
-              <a:rPr lang="en-US" sz="2000" dirty="0">
-                <a:latin typeface="Arial" charset="0"/>
-              </a:rPr>
-              <a:t>In the example above, determinant = (1x4) - (2x3) = 4-6 = -2</a:t>
-            </a:r>
-          </a:p>
-        </p:txBody>
-      </p:sp>
-      <p:sp>
-        <p:nvSpPr>
-          <p:cNvPr id="7" name="Date Placeholder 6"/>
-          <p:cNvSpPr>
-            <a:spLocks noGrp="1"/>
-          </p:cNvSpPr>
-          <p:nvPr>
-            <p:ph type="dt" sz="quarter" idx="10"/>
-          </p:nvPr>
-        </p:nvSpPr>
-        <p:spPr/>
-        <p:txBody>
-          <a:bodyPr/>
-          <a:lstStyle>
-            <a:lvl1pPr eaLnBrk="0" hangingPunct="0">
-              <a:defRPr>
-                <a:solidFill>
-                  <a:schemeClr val="tx1"/>
-                </a:solidFill>
-                <a:latin typeface="Arial" charset="0"/>
-                <a:ea typeface="ＭＳ Ｐゴシック" charset="0"/>
-                <a:cs typeface="Arial" charset="0"/>
-              </a:defRPr>
-            </a:lvl1pPr>
-            <a:lvl2pPr marL="742950" indent="-285750" eaLnBrk="0" hangingPunct="0">
-              <a:defRPr>
-                <a:solidFill>
-                  <a:schemeClr val="tx1"/>
-                </a:solidFill>
-                <a:latin typeface="Arial" charset="0"/>
-                <a:ea typeface="Arial" charset="0"/>
-                <a:cs typeface="Arial" charset="0"/>
-              </a:defRPr>
-            </a:lvl2pPr>
-            <a:lvl3pPr marL="1143000" indent="-228600" eaLnBrk="0" hangingPunct="0">
-              <a:defRPr>
-                <a:solidFill>
-                  <a:schemeClr val="tx1"/>
-                </a:solidFill>
-                <a:latin typeface="Arial" charset="0"/>
-                <a:ea typeface="Arial" charset="0"/>
-                <a:cs typeface="Arial" charset="0"/>
-              </a:defRPr>
-            </a:lvl3pPr>
-            <a:lvl4pPr marL="1600200" indent="-228600" eaLnBrk="0" hangingPunct="0">
-              <a:defRPr>
-                <a:solidFill>
-                  <a:schemeClr val="tx1"/>
-                </a:solidFill>
-                <a:latin typeface="Arial" charset="0"/>
-                <a:ea typeface="Arial" charset="0"/>
-                <a:cs typeface="Arial" charset="0"/>
-              </a:defRPr>
-            </a:lvl4pPr>
-            <a:lvl5pPr marL="2057400" indent="-228600" eaLnBrk="0" hangingPunct="0">
-              <a:defRPr>
-                <a:solidFill>
-                  <a:schemeClr val="tx1"/>
-                </a:solidFill>
-                <a:latin typeface="Arial" charset="0"/>
-                <a:ea typeface="Arial" charset="0"/>
-                <a:cs typeface="Arial" charset="0"/>
-              </a:defRPr>
-            </a:lvl5pPr>
-            <a:lvl6pPr marL="2514600" indent="-228600" eaLnBrk="0" fontAlgn="base" hangingPunct="0">
-              <a:spcBef>
-                <a:spcPct val="0"/>
-              </a:spcBef>
-              <a:spcAft>
-                <a:spcPct val="0"/>
-              </a:spcAft>
-              <a:defRPr>
-                <a:solidFill>
-                  <a:schemeClr val="tx1"/>
-                </a:solidFill>
-                <a:latin typeface="Arial" charset="0"/>
-                <a:ea typeface="Arial" charset="0"/>
-                <a:cs typeface="Arial" charset="0"/>
-              </a:defRPr>
-            </a:lvl6pPr>
-            <a:lvl7pPr marL="2971800" indent="-228600" eaLnBrk="0" fontAlgn="base" hangingPunct="0">
-              <a:spcBef>
-                <a:spcPct val="0"/>
-              </a:spcBef>
-              <a:spcAft>
-                <a:spcPct val="0"/>
-              </a:spcAft>
-              <a:defRPr>
-                <a:solidFill>
-                  <a:schemeClr val="tx1"/>
-                </a:solidFill>
-                <a:latin typeface="Arial" charset="0"/>
-                <a:ea typeface="Arial" charset="0"/>
-                <a:cs typeface="Arial" charset="0"/>
-              </a:defRPr>
-            </a:lvl7pPr>
-            <a:lvl8pPr marL="3429000" indent="-228600" eaLnBrk="0" fontAlgn="base" hangingPunct="0">
-              <a:spcBef>
-                <a:spcPct val="0"/>
-              </a:spcBef>
-              <a:spcAft>
-                <a:spcPct val="0"/>
-              </a:spcAft>
-              <a:defRPr>
-                <a:solidFill>
-                  <a:schemeClr val="tx1"/>
-                </a:solidFill>
-                <a:latin typeface="Arial" charset="0"/>
-                <a:ea typeface="Arial" charset="0"/>
-                <a:cs typeface="Arial" charset="0"/>
-              </a:defRPr>
-            </a:lvl8pPr>
-            <a:lvl9pPr marL="3886200" indent="-228600" eaLnBrk="0" fontAlgn="base" hangingPunct="0">
-              <a:spcBef>
-                <a:spcPct val="0"/>
-              </a:spcBef>
-              <a:spcAft>
-                <a:spcPct val="0"/>
-              </a:spcAft>
-              <a:defRPr>
-                <a:solidFill>
-                  <a:schemeClr val="tx1"/>
-                </a:solidFill>
-                <a:latin typeface="Arial" charset="0"/>
-                <a:ea typeface="Arial" charset="0"/>
-                <a:cs typeface="Arial" charset="0"/>
-              </a:defRPr>
-            </a:lvl9pPr>
-          </a:lstStyle>
-          <a:p>
-            <a:pPr eaLnBrk="1" hangingPunct="1"/>
-            <a:fld id="{E766EEE8-B4DE-1B48-A851-C25EAC49A8CB}" type="datetime1">
-              <a:rPr lang="en-US" smtClean="0">
-                <a:latin typeface="Garamond" charset="0"/>
-              </a:rPr>
-              <a:t>9/18/17</a:t>
-            </a:fld>
-            <a:endParaRPr lang="en-US">
-              <a:latin typeface="Garamond" charset="0"/>
-            </a:endParaRPr>
-          </a:p>
-        </p:txBody>
-      </p:sp>
-      <p:sp>
-        <p:nvSpPr>
-          <p:cNvPr id="8" name="Footer Placeholder 7"/>
-          <p:cNvSpPr>
-            <a:spLocks noGrp="1"/>
-          </p:cNvSpPr>
-          <p:nvPr>
-            <p:ph type="ftr" sz="quarter" idx="11"/>
-          </p:nvPr>
-        </p:nvSpPr>
-        <p:spPr/>
-        <p:txBody>
-          <a:bodyPr/>
-          <a:lstStyle/>
-          <a:p>
-            <a:pPr>
-              <a:defRPr/>
-            </a:pPr>
-            <a:r>
-              <a:rPr lang="en-US" smtClean="0"/>
-              <a:t>ECE Application Programming: Lecture 6</a:t>
-            </a:r>
-            <a:endParaRPr lang="en-US"/>
-          </a:p>
-        </p:txBody>
-      </p:sp>
-      <p:sp>
-        <p:nvSpPr>
-          <p:cNvPr id="9" name="Slide Number Placeholder 8"/>
-          <p:cNvSpPr>
-            <a:spLocks noGrp="1"/>
-          </p:cNvSpPr>
-          <p:nvPr>
-            <p:ph type="sldNum" sz="quarter" idx="12"/>
-          </p:nvPr>
-        </p:nvSpPr>
-        <p:spPr/>
-        <p:txBody>
-          <a:bodyPr/>
-          <a:lstStyle>
-            <a:lvl1pPr eaLnBrk="0" hangingPunct="0">
-              <a:defRPr>
-                <a:solidFill>
-                  <a:schemeClr val="tx1"/>
-                </a:solidFill>
-                <a:latin typeface="Arial" charset="0"/>
-                <a:ea typeface="ＭＳ Ｐゴシック" charset="0"/>
-                <a:cs typeface="Arial" charset="0"/>
-              </a:defRPr>
-            </a:lvl1pPr>
-            <a:lvl2pPr marL="742950" indent="-285750" eaLnBrk="0" hangingPunct="0">
-              <a:defRPr>
-                <a:solidFill>
-                  <a:schemeClr val="tx1"/>
-                </a:solidFill>
-                <a:latin typeface="Arial" charset="0"/>
-                <a:ea typeface="Arial" charset="0"/>
-                <a:cs typeface="Arial" charset="0"/>
-              </a:defRPr>
-            </a:lvl2pPr>
-            <a:lvl3pPr marL="1143000" indent="-228600" eaLnBrk="0" hangingPunct="0">
-              <a:defRPr>
-                <a:solidFill>
-                  <a:schemeClr val="tx1"/>
-                </a:solidFill>
-                <a:latin typeface="Arial" charset="0"/>
-                <a:ea typeface="Arial" charset="0"/>
-                <a:cs typeface="Arial" charset="0"/>
-              </a:defRPr>
-            </a:lvl3pPr>
-            <a:lvl4pPr marL="1600200" indent="-228600" eaLnBrk="0" hangingPunct="0">
-              <a:defRPr>
-                <a:solidFill>
-                  <a:schemeClr val="tx1"/>
-                </a:solidFill>
-                <a:latin typeface="Arial" charset="0"/>
-                <a:ea typeface="Arial" charset="0"/>
-                <a:cs typeface="Arial" charset="0"/>
-              </a:defRPr>
-            </a:lvl4pPr>
-            <a:lvl5pPr marL="2057400" indent="-228600" eaLnBrk="0" hangingPunct="0">
-              <a:defRPr>
-                <a:solidFill>
-                  <a:schemeClr val="tx1"/>
-                </a:solidFill>
-                <a:latin typeface="Arial" charset="0"/>
-                <a:ea typeface="Arial" charset="0"/>
-                <a:cs typeface="Arial" charset="0"/>
-              </a:defRPr>
-            </a:lvl5pPr>
-            <a:lvl6pPr marL="2514600" indent="-228600" eaLnBrk="0" fontAlgn="base" hangingPunct="0">
-              <a:spcBef>
-                <a:spcPct val="0"/>
-              </a:spcBef>
-              <a:spcAft>
-                <a:spcPct val="0"/>
-              </a:spcAft>
-              <a:defRPr>
-                <a:solidFill>
-                  <a:schemeClr val="tx1"/>
-                </a:solidFill>
-                <a:latin typeface="Arial" charset="0"/>
-                <a:ea typeface="Arial" charset="0"/>
-                <a:cs typeface="Arial" charset="0"/>
-              </a:defRPr>
-            </a:lvl6pPr>
-            <a:lvl7pPr marL="2971800" indent="-228600" eaLnBrk="0" fontAlgn="base" hangingPunct="0">
-              <a:spcBef>
-                <a:spcPct val="0"/>
-              </a:spcBef>
-              <a:spcAft>
-                <a:spcPct val="0"/>
-              </a:spcAft>
-              <a:defRPr>
-                <a:solidFill>
-                  <a:schemeClr val="tx1"/>
-                </a:solidFill>
-                <a:latin typeface="Arial" charset="0"/>
-                <a:ea typeface="Arial" charset="0"/>
-                <a:cs typeface="Arial" charset="0"/>
-              </a:defRPr>
-            </a:lvl7pPr>
-            <a:lvl8pPr marL="3429000" indent="-228600" eaLnBrk="0" fontAlgn="base" hangingPunct="0">
-              <a:spcBef>
-                <a:spcPct val="0"/>
-              </a:spcBef>
-              <a:spcAft>
-                <a:spcPct val="0"/>
-              </a:spcAft>
-              <a:defRPr>
-                <a:solidFill>
-                  <a:schemeClr val="tx1"/>
-                </a:solidFill>
-                <a:latin typeface="Arial" charset="0"/>
-                <a:ea typeface="Arial" charset="0"/>
-                <a:cs typeface="Arial" charset="0"/>
-              </a:defRPr>
-            </a:lvl8pPr>
-            <a:lvl9pPr marL="3886200" indent="-228600" eaLnBrk="0" fontAlgn="base" hangingPunct="0">
-              <a:spcBef>
-                <a:spcPct val="0"/>
-              </a:spcBef>
-              <a:spcAft>
-                <a:spcPct val="0"/>
-              </a:spcAft>
-              <a:defRPr>
-                <a:solidFill>
-                  <a:schemeClr val="tx1"/>
-                </a:solidFill>
-                <a:latin typeface="Arial" charset="0"/>
-                <a:ea typeface="Arial" charset="0"/>
-                <a:cs typeface="Arial" charset="0"/>
-              </a:defRPr>
-            </a:lvl9pPr>
-          </a:lstStyle>
-          <a:p>
-            <a:pPr eaLnBrk="1" hangingPunct="1"/>
-            <a:fld id="{2CB7CD94-676C-A646-B10D-34D18983B456}" type="slidenum">
-              <a:rPr lang="en-US">
-                <a:latin typeface="Garamond" charset="0"/>
-              </a:rPr>
-              <a:pPr eaLnBrk="1" hangingPunct="1"/>
-              <a:t>9</a:t>
-            </a:fld>
-            <a:endParaRPr lang="en-US">
-              <a:latin typeface="Garamond" charset="0"/>
-            </a:endParaRPr>
-          </a:p>
-        </p:txBody>
-      </p:sp>
     </p:spTree>
   </p:cSld>
   <p:clrMapOvr>
